--- a/_posts/ithome/2021/20.Auto-Sklearn/20.Auto-Sklearn.pptx
+++ b/_posts/ithome/2021/20.Auto-Sklearn/20.Auto-Sklearn.pptx
@@ -5,10 +5,11 @@
     <p:sldMasterId id="2147483648" r:id="rId1"/>
   </p:sldMasterIdLst>
   <p:notesMasterIdLst>
-    <p:notesMasterId r:id="rId3"/>
+    <p:notesMasterId r:id="rId4"/>
   </p:notesMasterIdLst>
   <p:sldIdLst>
-    <p:sldId id="256" r:id="rId2"/>
+    <p:sldId id="257" r:id="rId2"/>
+    <p:sldId id="256" r:id="rId3"/>
   </p:sldIdLst>
   <p:sldSz cx="12192000" cy="6858000"/>
   <p:notesSz cx="6858000" cy="9144000"/>
@@ -197,7 +198,7 @@
           <a:p>
             <a:fld id="{CCE3649D-4F9F-5246-8ABA-1C70B86BDF03}" type="datetimeFigureOut">
               <a:rPr lang="en-TW" smtClean="0"/>
-              <a:t>2021/9/26</a:t>
+              <a:t>2021/9/27</a:t>
             </a:fld>
             <a:endParaRPr lang="en-TW"/>
           </a:p>
@@ -550,7 +551,7 @@
           <a:p>
             <a:fld id="{378C6B93-7CA9-2E48-A4FF-09DB85B9BCDA}" type="slidenum">
               <a:rPr lang="en-TW" smtClean="0"/>
-              <a:t>1</a:t>
+              <a:t>2</a:t>
             </a:fld>
             <a:endParaRPr lang="en-TW"/>
           </a:p>
@@ -718,7 +719,7 @@
           <a:p>
             <a:fld id="{FA72F50C-0205-344F-9362-2550D5A8C203}" type="datetimeFigureOut">
               <a:rPr lang="en-TW" smtClean="0"/>
-              <a:t>2021/9/26</a:t>
+              <a:t>2021/9/27</a:t>
             </a:fld>
             <a:endParaRPr lang="en-TW"/>
           </a:p>
@@ -918,7 +919,7 @@
           <a:p>
             <a:fld id="{FA72F50C-0205-344F-9362-2550D5A8C203}" type="datetimeFigureOut">
               <a:rPr lang="en-TW" smtClean="0"/>
-              <a:t>2021/9/26</a:t>
+              <a:t>2021/9/27</a:t>
             </a:fld>
             <a:endParaRPr lang="en-TW"/>
           </a:p>
@@ -1128,7 +1129,7 @@
           <a:p>
             <a:fld id="{FA72F50C-0205-344F-9362-2550D5A8C203}" type="datetimeFigureOut">
               <a:rPr lang="en-TW" smtClean="0"/>
-              <a:t>2021/9/26</a:t>
+              <a:t>2021/9/27</a:t>
             </a:fld>
             <a:endParaRPr lang="en-TW"/>
           </a:p>
@@ -1328,7 +1329,7 @@
           <a:p>
             <a:fld id="{FA72F50C-0205-344F-9362-2550D5A8C203}" type="datetimeFigureOut">
               <a:rPr lang="en-TW" smtClean="0"/>
-              <a:t>2021/9/26</a:t>
+              <a:t>2021/9/27</a:t>
             </a:fld>
             <a:endParaRPr lang="en-TW"/>
           </a:p>
@@ -1604,7 +1605,7 @@
           <a:p>
             <a:fld id="{FA72F50C-0205-344F-9362-2550D5A8C203}" type="datetimeFigureOut">
               <a:rPr lang="en-TW" smtClean="0"/>
-              <a:t>2021/9/26</a:t>
+              <a:t>2021/9/27</a:t>
             </a:fld>
             <a:endParaRPr lang="en-TW"/>
           </a:p>
@@ -1872,7 +1873,7 @@
           <a:p>
             <a:fld id="{FA72F50C-0205-344F-9362-2550D5A8C203}" type="datetimeFigureOut">
               <a:rPr lang="en-TW" smtClean="0"/>
-              <a:t>2021/9/26</a:t>
+              <a:t>2021/9/27</a:t>
             </a:fld>
             <a:endParaRPr lang="en-TW"/>
           </a:p>
@@ -2287,7 +2288,7 @@
           <a:p>
             <a:fld id="{FA72F50C-0205-344F-9362-2550D5A8C203}" type="datetimeFigureOut">
               <a:rPr lang="en-TW" smtClean="0"/>
-              <a:t>2021/9/26</a:t>
+              <a:t>2021/9/27</a:t>
             </a:fld>
             <a:endParaRPr lang="en-TW"/>
           </a:p>
@@ -2429,7 +2430,7 @@
           <a:p>
             <a:fld id="{FA72F50C-0205-344F-9362-2550D5A8C203}" type="datetimeFigureOut">
               <a:rPr lang="en-TW" smtClean="0"/>
-              <a:t>2021/9/26</a:t>
+              <a:t>2021/9/27</a:t>
             </a:fld>
             <a:endParaRPr lang="en-TW"/>
           </a:p>
@@ -2542,7 +2543,7 @@
           <a:p>
             <a:fld id="{FA72F50C-0205-344F-9362-2550D5A8C203}" type="datetimeFigureOut">
               <a:rPr lang="en-TW" smtClean="0"/>
-              <a:t>2021/9/26</a:t>
+              <a:t>2021/9/27</a:t>
             </a:fld>
             <a:endParaRPr lang="en-TW"/>
           </a:p>
@@ -2855,7 +2856,7 @@
           <a:p>
             <a:fld id="{FA72F50C-0205-344F-9362-2550D5A8C203}" type="datetimeFigureOut">
               <a:rPr lang="en-TW" smtClean="0"/>
-              <a:t>2021/9/26</a:t>
+              <a:t>2021/9/27</a:t>
             </a:fld>
             <a:endParaRPr lang="en-TW"/>
           </a:p>
@@ -3144,7 +3145,7 @@
           <a:p>
             <a:fld id="{FA72F50C-0205-344F-9362-2550D5A8C203}" type="datetimeFigureOut">
               <a:rPr lang="en-TW" smtClean="0"/>
-              <a:t>2021/9/26</a:t>
+              <a:t>2021/9/27</a:t>
             </a:fld>
             <a:endParaRPr lang="en-TW"/>
           </a:p>
@@ -3387,7 +3388,7 @@
           <a:p>
             <a:fld id="{FA72F50C-0205-344F-9362-2550D5A8C203}" type="datetimeFigureOut">
               <a:rPr lang="en-TW" smtClean="0"/>
-              <a:t>2021/9/26</a:t>
+              <a:t>2021/9/27</a:t>
             </a:fld>
             <a:endParaRPr lang="en-TW"/>
           </a:p>
@@ -3806,6 +3807,943 @@
       </p:grpSpPr>
       <p:sp>
         <p:nvSpPr>
+          <p:cNvPr id="2" name="Oval 1">
+            <a:extLst>
+              <a:ext uri="{FF2B5EF4-FFF2-40B4-BE49-F238E27FC236}">
+                <a16:creationId xmlns:a16="http://schemas.microsoft.com/office/drawing/2014/main" id="{4E873D67-71A3-284E-B224-AD2EF228DA6C}"/>
+              </a:ext>
+            </a:extLst>
+          </p:cNvPr>
+          <p:cNvSpPr>
+            <a:spLocks noChangeAspect="1"/>
+          </p:cNvSpPr>
+          <p:nvPr/>
+        </p:nvSpPr>
+        <p:spPr>
+          <a:xfrm>
+            <a:off x="5255607" y="1282536"/>
+            <a:ext cx="1440000" cy="1440000"/>
+          </a:xfrm>
+          <a:prstGeom prst="ellipse">
+            <a:avLst/>
+          </a:prstGeom>
+          <a:solidFill>
+            <a:schemeClr val="accent6">
+              <a:lumMod val="20000"/>
+              <a:lumOff val="80000"/>
+            </a:schemeClr>
+          </a:solidFill>
+          <a:ln>
+            <a:noFill/>
+          </a:ln>
+        </p:spPr>
+        <p:style>
+          <a:lnRef idx="2">
+            <a:schemeClr val="accent1">
+              <a:shade val="50000"/>
+            </a:schemeClr>
+          </a:lnRef>
+          <a:fillRef idx="1">
+            <a:schemeClr val="accent1"/>
+          </a:fillRef>
+          <a:effectRef idx="0">
+            <a:schemeClr val="accent1"/>
+          </a:effectRef>
+          <a:fontRef idx="minor">
+            <a:schemeClr val="lt1"/>
+          </a:fontRef>
+        </p:style>
+        <p:txBody>
+          <a:bodyPr rtlCol="0" anchor="ctr"/>
+          <a:lstStyle/>
+          <a:p>
+            <a:pPr algn="ctr"/>
+            <a:r>
+              <a:rPr lang="en-US" sz="1200" b="1" dirty="0">
+                <a:solidFill>
+                  <a:schemeClr val="tx1"/>
+                </a:solidFill>
+              </a:rPr>
+              <a:t>Bayesian Optimization</a:t>
+            </a:r>
+            <a:endParaRPr lang="en-US" altLang="zh-TW" sz="1200" b="1" dirty="0">
+              <a:solidFill>
+                <a:schemeClr val="tx1"/>
+              </a:solidFill>
+            </a:endParaRPr>
+          </a:p>
+          <a:p>
+            <a:pPr algn="ctr"/>
+            <a:endParaRPr lang="en-TW" sz="1200" b="1" dirty="0">
+              <a:solidFill>
+                <a:schemeClr val="tx1"/>
+              </a:solidFill>
+            </a:endParaRPr>
+          </a:p>
+        </p:txBody>
+      </p:sp>
+      <p:sp>
+        <p:nvSpPr>
+          <p:cNvPr id="4" name="Oval 3">
+            <a:extLst>
+              <a:ext uri="{FF2B5EF4-FFF2-40B4-BE49-F238E27FC236}">
+                <a16:creationId xmlns:a16="http://schemas.microsoft.com/office/drawing/2014/main" id="{3B3FDDF3-1B70-CA4C-B73F-41D218851767}"/>
+              </a:ext>
+            </a:extLst>
+          </p:cNvPr>
+          <p:cNvSpPr>
+            <a:spLocks noChangeAspect="1"/>
+          </p:cNvSpPr>
+          <p:nvPr/>
+        </p:nvSpPr>
+        <p:spPr>
+          <a:xfrm>
+            <a:off x="3690425" y="3183770"/>
+            <a:ext cx="1440000" cy="1440000"/>
+          </a:xfrm>
+          <a:prstGeom prst="ellipse">
+            <a:avLst/>
+          </a:prstGeom>
+          <a:solidFill>
+            <a:schemeClr val="accent5">
+              <a:lumMod val="20000"/>
+              <a:lumOff val="80000"/>
+            </a:schemeClr>
+          </a:solidFill>
+          <a:ln>
+            <a:noFill/>
+          </a:ln>
+        </p:spPr>
+        <p:style>
+          <a:lnRef idx="2">
+            <a:schemeClr val="accent1">
+              <a:shade val="50000"/>
+            </a:schemeClr>
+          </a:lnRef>
+          <a:fillRef idx="1">
+            <a:schemeClr val="accent1"/>
+          </a:fillRef>
+          <a:effectRef idx="0">
+            <a:schemeClr val="accent1"/>
+          </a:effectRef>
+          <a:fontRef idx="minor">
+            <a:schemeClr val="lt1"/>
+          </a:fontRef>
+        </p:style>
+        <p:txBody>
+          <a:bodyPr rtlCol="0" anchor="ctr"/>
+          <a:lstStyle/>
+          <a:p>
+            <a:pPr algn="ctr"/>
+            <a:r>
+              <a:rPr lang="en-TW" sz="1200" b="1" dirty="0">
+                <a:solidFill>
+                  <a:schemeClr val="tx1"/>
+                </a:solidFill>
+              </a:rPr>
+              <a:t>Meta Learning</a:t>
+            </a:r>
+          </a:p>
+        </p:txBody>
+      </p:sp>
+      <p:sp>
+        <p:nvSpPr>
+          <p:cNvPr id="5" name="Oval 4">
+            <a:extLst>
+              <a:ext uri="{FF2B5EF4-FFF2-40B4-BE49-F238E27FC236}">
+                <a16:creationId xmlns:a16="http://schemas.microsoft.com/office/drawing/2014/main" id="{BF056ACB-0C7C-5A42-9F54-3DEFA685DC48}"/>
+              </a:ext>
+            </a:extLst>
+          </p:cNvPr>
+          <p:cNvSpPr>
+            <a:spLocks noChangeAspect="1"/>
+          </p:cNvSpPr>
+          <p:nvPr/>
+        </p:nvSpPr>
+        <p:spPr>
+          <a:xfrm>
+            <a:off x="6756933" y="3183770"/>
+            <a:ext cx="1440000" cy="1440000"/>
+          </a:xfrm>
+          <a:prstGeom prst="ellipse">
+            <a:avLst/>
+          </a:prstGeom>
+          <a:solidFill>
+            <a:schemeClr val="accent4">
+              <a:lumMod val="20000"/>
+              <a:lumOff val="80000"/>
+            </a:schemeClr>
+          </a:solidFill>
+          <a:ln>
+            <a:noFill/>
+          </a:ln>
+        </p:spPr>
+        <p:style>
+          <a:lnRef idx="2">
+            <a:schemeClr val="accent1">
+              <a:shade val="50000"/>
+            </a:schemeClr>
+          </a:lnRef>
+          <a:fillRef idx="1">
+            <a:schemeClr val="accent1"/>
+          </a:fillRef>
+          <a:effectRef idx="0">
+            <a:schemeClr val="accent1"/>
+          </a:effectRef>
+          <a:fontRef idx="minor">
+            <a:schemeClr val="lt1"/>
+          </a:fontRef>
+        </p:style>
+        <p:txBody>
+          <a:bodyPr rtlCol="0" anchor="ctr"/>
+          <a:lstStyle/>
+          <a:p>
+            <a:pPr algn="ctr"/>
+            <a:r>
+              <a:rPr lang="en-TW" sz="1200" b="1" dirty="0">
+                <a:solidFill>
+                  <a:schemeClr val="tx1"/>
+                </a:solidFill>
+              </a:rPr>
+              <a:t>Ensemble</a:t>
+            </a:r>
+          </a:p>
+          <a:p>
+            <a:pPr algn="ctr"/>
+            <a:r>
+              <a:rPr lang="en-TW" sz="1200" b="1" dirty="0">
+                <a:solidFill>
+                  <a:schemeClr val="tx1"/>
+                </a:solidFill>
+              </a:rPr>
+              <a:t>Selection</a:t>
+            </a:r>
+          </a:p>
+        </p:txBody>
+      </p:sp>
+      <p:pic>
+        <p:nvPicPr>
+          <p:cNvPr id="30" name="Picture 29">
+            <a:extLst>
+              <a:ext uri="{FF2B5EF4-FFF2-40B4-BE49-F238E27FC236}">
+                <a16:creationId xmlns:a16="http://schemas.microsoft.com/office/drawing/2014/main" id="{F5ADA5F5-838C-B745-90DC-634726A1E225}"/>
+              </a:ext>
+            </a:extLst>
+          </p:cNvPr>
+          <p:cNvPicPr>
+            <a:picLocks noChangeAspect="1"/>
+          </p:cNvPicPr>
+          <p:nvPr/>
+        </p:nvPicPr>
+        <p:blipFill>
+          <a:blip r:embed="rId2"/>
+          <a:stretch>
+            <a:fillRect/>
+          </a:stretch>
+        </p:blipFill>
+        <p:spPr>
+          <a:xfrm rot="13810632">
+            <a:off x="5607740" y="3871701"/>
+            <a:ext cx="774700" cy="901700"/>
+          </a:xfrm>
+          <a:prstGeom prst="rect">
+            <a:avLst/>
+          </a:prstGeom>
+        </p:spPr>
+      </p:pic>
+      <p:pic>
+        <p:nvPicPr>
+          <p:cNvPr id="36" name="Picture 35">
+            <a:extLst>
+              <a:ext uri="{FF2B5EF4-FFF2-40B4-BE49-F238E27FC236}">
+                <a16:creationId xmlns:a16="http://schemas.microsoft.com/office/drawing/2014/main" id="{AE53429C-06EA-1B46-B152-B4BE5F905BE4}"/>
+              </a:ext>
+            </a:extLst>
+          </p:cNvPr>
+          <p:cNvPicPr>
+            <a:picLocks noChangeAspect="1"/>
+          </p:cNvPicPr>
+          <p:nvPr/>
+        </p:nvPicPr>
+        <p:blipFill>
+          <a:blip r:embed="rId2"/>
+          <a:stretch>
+            <a:fillRect/>
+          </a:stretch>
+        </p:blipFill>
+        <p:spPr>
+          <a:xfrm rot="6384207">
+            <a:off x="6944920" y="2054190"/>
+            <a:ext cx="774700" cy="901700"/>
+          </a:xfrm>
+          <a:prstGeom prst="rect">
+            <a:avLst/>
+          </a:prstGeom>
+        </p:spPr>
+      </p:pic>
+      <p:pic>
+        <p:nvPicPr>
+          <p:cNvPr id="37" name="Picture 36">
+            <a:extLst>
+              <a:ext uri="{FF2B5EF4-FFF2-40B4-BE49-F238E27FC236}">
+                <a16:creationId xmlns:a16="http://schemas.microsoft.com/office/drawing/2014/main" id="{8099E0F2-9E67-E640-AAC6-F40A835E2F93}"/>
+              </a:ext>
+            </a:extLst>
+          </p:cNvPr>
+          <p:cNvPicPr>
+            <a:picLocks noChangeAspect="1"/>
+          </p:cNvPicPr>
+          <p:nvPr/>
+        </p:nvPicPr>
+        <p:blipFill>
+          <a:blip r:embed="rId2"/>
+          <a:stretch>
+            <a:fillRect/>
+          </a:stretch>
+        </p:blipFill>
+        <p:spPr>
+          <a:xfrm>
+            <a:off x="4229955" y="2102244"/>
+            <a:ext cx="774700" cy="901700"/>
+          </a:xfrm>
+          <a:prstGeom prst="rect">
+            <a:avLst/>
+          </a:prstGeom>
+        </p:spPr>
+      </p:pic>
+      <p:sp>
+        <p:nvSpPr>
+          <p:cNvPr id="38" name="Rectangle 37">
+            <a:extLst>
+              <a:ext uri="{FF2B5EF4-FFF2-40B4-BE49-F238E27FC236}">
+                <a16:creationId xmlns:a16="http://schemas.microsoft.com/office/drawing/2014/main" id="{076A2CDA-2345-804E-A56B-16D8D962D76F}"/>
+              </a:ext>
+            </a:extLst>
+          </p:cNvPr>
+          <p:cNvSpPr/>
+          <p:nvPr/>
+        </p:nvSpPr>
+        <p:spPr>
+          <a:xfrm>
+            <a:off x="5400759" y="3020660"/>
+            <a:ext cx="1177046" cy="471926"/>
+          </a:xfrm>
+          <a:prstGeom prst="rect">
+            <a:avLst/>
+          </a:prstGeom>
+          <a:noFill/>
+          <a:ln>
+            <a:solidFill>
+              <a:schemeClr val="tx1"/>
+            </a:solidFill>
+            <a:prstDash val="lgDash"/>
+          </a:ln>
+        </p:spPr>
+        <p:style>
+          <a:lnRef idx="2">
+            <a:schemeClr val="accent1">
+              <a:shade val="50000"/>
+            </a:schemeClr>
+          </a:lnRef>
+          <a:fillRef idx="1">
+            <a:schemeClr val="accent1"/>
+          </a:fillRef>
+          <a:effectRef idx="0">
+            <a:schemeClr val="accent1"/>
+          </a:effectRef>
+          <a:fontRef idx="minor">
+            <a:schemeClr val="lt1"/>
+          </a:fontRef>
+        </p:style>
+        <p:txBody>
+          <a:bodyPr rtlCol="0" anchor="ctr"/>
+          <a:lstStyle/>
+          <a:p>
+            <a:pPr algn="ctr"/>
+            <a:r>
+              <a:rPr lang="en-TW" sz="1400" b="1" dirty="0">
+                <a:solidFill>
+                  <a:schemeClr val="tx1"/>
+                </a:solidFill>
+              </a:rPr>
+              <a:t>Auto-Sklearn</a:t>
+            </a:r>
+          </a:p>
+        </p:txBody>
+      </p:sp>
+      <p:grpSp>
+        <p:nvGrpSpPr>
+          <p:cNvPr id="39" name="Group 38">
+            <a:extLst>
+              <a:ext uri="{FF2B5EF4-FFF2-40B4-BE49-F238E27FC236}">
+                <a16:creationId xmlns:a16="http://schemas.microsoft.com/office/drawing/2014/main" id="{1F02D72F-7260-4F4D-81FE-8D24D90448B8}"/>
+              </a:ext>
+            </a:extLst>
+          </p:cNvPr>
+          <p:cNvGrpSpPr>
+            <a:grpSpLocks noChangeAspect="1"/>
+          </p:cNvGrpSpPr>
+          <p:nvPr/>
+        </p:nvGrpSpPr>
+        <p:grpSpPr>
+          <a:xfrm>
+            <a:off x="2474571" y="4224421"/>
+            <a:ext cx="7509974" cy="1368715"/>
+            <a:chOff x="3360126" y="3971848"/>
+            <a:chExt cx="5764444" cy="1050587"/>
+          </a:xfrm>
+        </p:grpSpPr>
+        <p:grpSp>
+          <p:nvGrpSpPr>
+            <p:cNvPr id="40" name="Group 39">
+              <a:extLst>
+                <a:ext uri="{FF2B5EF4-FFF2-40B4-BE49-F238E27FC236}">
+                  <a16:creationId xmlns:a16="http://schemas.microsoft.com/office/drawing/2014/main" id="{D189CE02-DAD5-D543-81E9-26F2685B22FD}"/>
+                </a:ext>
+              </a:extLst>
+            </p:cNvPr>
+            <p:cNvGrpSpPr/>
+            <p:nvPr/>
+          </p:nvGrpSpPr>
+          <p:grpSpPr>
+            <a:xfrm>
+              <a:off x="3360126" y="4351394"/>
+              <a:ext cx="2735874" cy="284312"/>
+              <a:chOff x="7237110" y="4300317"/>
+              <a:chExt cx="2735874" cy="284312"/>
+            </a:xfrm>
+          </p:grpSpPr>
+          <p:sp>
+            <p:nvSpPr>
+              <p:cNvPr id="45" name="Intelligent Information Retrieval Laboratory">
+                <a:extLst>
+                  <a:ext uri="{FF2B5EF4-FFF2-40B4-BE49-F238E27FC236}">
+                    <a16:creationId xmlns:a16="http://schemas.microsoft.com/office/drawing/2014/main" id="{2803A48F-9347-4E4C-95BF-DC1CFC96DCA7}"/>
+                  </a:ext>
+                </a:extLst>
+              </p:cNvPr>
+              <p:cNvSpPr txBox="1"/>
+              <p:nvPr/>
+            </p:nvSpPr>
+            <p:spPr>
+              <a:xfrm>
+                <a:off x="7237110" y="4300317"/>
+                <a:ext cx="2590800" cy="276106"/>
+              </a:xfrm>
+              <a:prstGeom prst="rect">
+                <a:avLst/>
+              </a:prstGeom>
+              <a:noFill/>
+              <a:ln w="12700" cap="flat">
+                <a:noFill/>
+                <a:miter lim="400000"/>
+              </a:ln>
+              <a:effectLst/>
+              <a:extLst>
+                <a:ext uri="{C572A759-6A51-4108-AA02-DFA0A04FC94B}">
+                  <ma14:wrappingTextBoxFlag xmlns="" xmlns:m="http://schemas.openxmlformats.org/officeDocument/2006/math" xmlns:a14="http://schemas.microsoft.com/office/drawing/2010/main" xmlns:ma14="http://schemas.microsoft.com/office/mac/drawingml/2011/main" val="1"/>
+                </a:ext>
+              </a:extLst>
+            </p:spPr>
+            <p:txBody>
+              <a:bodyPr wrap="square" lIns="71437" tIns="71437" rIns="71437" bIns="71437" numCol="1" anchor="ctr">
+                <a:spAutoFit/>
+              </a:bodyPr>
+              <a:lstStyle>
+                <a:lvl1pPr algn="l" defTabSz="821531">
+                  <a:defRPr sz="2400" b="0">
+                    <a:solidFill>
+                      <a:srgbClr val="FFFFFF"/>
+                    </a:solidFill>
+                    <a:latin typeface="Helvetica Neue Bold Condensed"/>
+                    <a:ea typeface="Helvetica Neue Bold Condensed"/>
+                    <a:cs typeface="Helvetica Neue Bold Condensed"/>
+                    <a:sym typeface="Helvetica Neue Bold Condensed"/>
+                  </a:defRPr>
+                </a:lvl1pPr>
+              </a:lstStyle>
+              <a:p>
+                <a:r>
+                  <a:rPr kumimoji="0" lang="zh-TW" altLang="en-US" sz="1050" b="0" i="0" u="none" strike="noStrike" cap="none" spc="0" normalizeH="0" baseline="0" dirty="0">
+                    <a:ln>
+                      <a:noFill/>
+                    </a:ln>
+                    <a:solidFill>
+                      <a:schemeClr val="tx1">
+                        <a:alpha val="15000"/>
+                      </a:schemeClr>
+                    </a:solidFill>
+                    <a:effectLst/>
+                    <a:uFillTx/>
+                    <a:latin typeface="Helvetica Neue Bold Condensed"/>
+                    <a:ea typeface="Helvetica Neue Bold Condensed"/>
+                    <a:cs typeface="Helvetica Neue Bold Condensed"/>
+                    <a:sym typeface="Helvetica Neue Bold Condensed"/>
+                  </a:rPr>
+                  <a:t>第</a:t>
+                </a:r>
+                <a:r>
+                  <a:rPr kumimoji="0" lang="en-US" altLang="zh-TW" sz="1050" b="0" i="0" u="none" strike="noStrike" cap="none" spc="0" normalizeH="0" baseline="0" dirty="0">
+                    <a:ln>
+                      <a:noFill/>
+                    </a:ln>
+                    <a:solidFill>
+                      <a:schemeClr val="tx1">
+                        <a:alpha val="15000"/>
+                      </a:schemeClr>
+                    </a:solidFill>
+                    <a:effectLst/>
+                    <a:uFillTx/>
+                    <a:latin typeface="Helvetica Neue Bold Condensed"/>
+                    <a:ea typeface="Helvetica Neue Bold Condensed"/>
+                    <a:cs typeface="Helvetica Neue Bold Condensed"/>
+                    <a:sym typeface="Helvetica Neue Bold Condensed"/>
+                  </a:rPr>
+                  <a:t>13</a:t>
+                </a:r>
+                <a:r>
+                  <a:rPr kumimoji="0" lang="zh-TW" altLang="en-US" sz="1050" b="0" i="0" u="none" strike="noStrike" cap="none" spc="0" normalizeH="0" baseline="0" dirty="0">
+                    <a:ln>
+                      <a:noFill/>
+                    </a:ln>
+                    <a:solidFill>
+                      <a:schemeClr val="tx1">
+                        <a:alpha val="15000"/>
+                      </a:schemeClr>
+                    </a:solidFill>
+                    <a:effectLst/>
+                    <a:uFillTx/>
+                    <a:latin typeface="Helvetica Neue Bold Condensed"/>
+                    <a:ea typeface="Helvetica Neue Bold Condensed"/>
+                    <a:cs typeface="Helvetica Neue Bold Condensed"/>
+                    <a:sym typeface="Helvetica Neue Bold Condensed"/>
+                  </a:rPr>
+                  <a:t>屆 </a:t>
+                </a:r>
+                <a:r>
+                  <a:rPr kumimoji="0" lang="en-US" sz="1400" b="0" i="0" u="none" strike="noStrike" cap="none" spc="0" normalizeH="0" baseline="0" dirty="0">
+                    <a:ln>
+                      <a:noFill/>
+                    </a:ln>
+                    <a:solidFill>
+                      <a:schemeClr val="tx1">
+                        <a:alpha val="15000"/>
+                      </a:schemeClr>
+                    </a:solidFill>
+                    <a:effectLst/>
+                    <a:uFillTx/>
+                    <a:latin typeface="Helvetica Neue Bold Condensed"/>
+                    <a:ea typeface="Helvetica Neue Bold Condensed"/>
+                    <a:cs typeface="Helvetica Neue Bold Condensed"/>
+                    <a:sym typeface="Helvetica Neue Bold Condensed"/>
+                  </a:rPr>
+                  <a:t>iT</a:t>
+                </a:r>
+                <a:r>
+                  <a:rPr kumimoji="0" lang="zh-TW" altLang="en-US" sz="1200" b="0" i="0" u="none" strike="noStrike" cap="none" spc="0" normalizeH="0" baseline="0" dirty="0">
+                    <a:ln>
+                      <a:noFill/>
+                    </a:ln>
+                    <a:solidFill>
+                      <a:schemeClr val="tx1">
+                        <a:alpha val="15000"/>
+                      </a:schemeClr>
+                    </a:solidFill>
+                    <a:effectLst/>
+                    <a:uFillTx/>
+                    <a:latin typeface="Helvetica Neue Bold Condensed"/>
+                    <a:ea typeface="Helvetica Neue Bold Condensed"/>
+                    <a:cs typeface="Helvetica Neue Bold Condensed"/>
+                    <a:sym typeface="Helvetica Neue Bold Condensed"/>
+                  </a:rPr>
+                  <a:t>邦</a:t>
+                </a:r>
+                <a:r>
+                  <a:rPr kumimoji="0" lang="zh-TW" altLang="en-US" sz="1050" b="0" i="0" u="none" strike="noStrike" cap="none" spc="0" normalizeH="0" baseline="0" dirty="0">
+                    <a:ln>
+                      <a:noFill/>
+                    </a:ln>
+                    <a:solidFill>
+                      <a:schemeClr val="tx1">
+                        <a:alpha val="15000"/>
+                      </a:schemeClr>
+                    </a:solidFill>
+                    <a:effectLst/>
+                    <a:uFillTx/>
+                    <a:latin typeface="Helvetica Neue Bold Condensed"/>
+                    <a:ea typeface="Helvetica Neue Bold Condensed"/>
+                    <a:cs typeface="Helvetica Neue Bold Condensed"/>
+                    <a:sym typeface="Helvetica Neue Bold Condensed"/>
+                  </a:rPr>
+                  <a:t>幫忙</a:t>
+                </a:r>
+                <a:r>
+                  <a:rPr kumimoji="0" lang="zh-TW" altLang="en-US" sz="1200" b="0" i="0" u="none" strike="noStrike" cap="none" spc="0" normalizeH="0" baseline="0" dirty="0">
+                    <a:ln>
+                      <a:noFill/>
+                    </a:ln>
+                    <a:solidFill>
+                      <a:schemeClr val="tx1">
+                        <a:alpha val="15000"/>
+                      </a:schemeClr>
+                    </a:solidFill>
+                    <a:effectLst/>
+                    <a:uFillTx/>
+                    <a:sym typeface="Helvetica Neue Bold Condensed"/>
+                  </a:rPr>
+                  <a:t> 鐵人賽</a:t>
+                </a:r>
+                <a:endParaRPr sz="1200" dirty="0">
+                  <a:solidFill>
+                    <a:schemeClr val="tx1">
+                      <a:alpha val="15000"/>
+                    </a:schemeClr>
+                  </a:solidFill>
+                </a:endParaRPr>
+              </a:p>
+            </p:txBody>
+          </p:sp>
+          <p:sp>
+            <p:nvSpPr>
+              <p:cNvPr id="46" name="Intelligent Information Retrieval Laboratory">
+                <a:extLst>
+                  <a:ext uri="{FF2B5EF4-FFF2-40B4-BE49-F238E27FC236}">
+                    <a16:creationId xmlns:a16="http://schemas.microsoft.com/office/drawing/2014/main" id="{AB23E9A9-AB0F-D246-BB42-20060D51DF68}"/>
+                  </a:ext>
+                </a:extLst>
+              </p:cNvPr>
+              <p:cNvSpPr txBox="1"/>
+              <p:nvPr/>
+            </p:nvSpPr>
+            <p:spPr>
+              <a:xfrm>
+                <a:off x="8753784" y="4343960"/>
+                <a:ext cx="1219200" cy="240669"/>
+              </a:xfrm>
+              <a:prstGeom prst="rect">
+                <a:avLst/>
+              </a:prstGeom>
+              <a:noFill/>
+              <a:ln w="12700" cap="flat">
+                <a:noFill/>
+                <a:miter lim="400000"/>
+              </a:ln>
+              <a:effectLst/>
+              <a:extLst>
+                <a:ext uri="{C572A759-6A51-4108-AA02-DFA0A04FC94B}">
+                  <ma14:wrappingTextBoxFlag xmlns="" xmlns:m="http://schemas.openxmlformats.org/officeDocument/2006/math" xmlns:a14="http://schemas.microsoft.com/office/drawing/2010/main" xmlns:ma14="http://schemas.microsoft.com/office/mac/drawingml/2011/main" val="1"/>
+                </a:ext>
+              </a:extLst>
+            </p:spPr>
+            <p:txBody>
+              <a:bodyPr wrap="square" lIns="71437" tIns="71437" rIns="71437" bIns="71437" numCol="1" anchor="ctr">
+                <a:spAutoFit/>
+              </a:bodyPr>
+              <a:lstStyle>
+                <a:lvl1pPr algn="l" defTabSz="821531">
+                  <a:defRPr sz="2400" b="0">
+                    <a:solidFill>
+                      <a:srgbClr val="FFFFFF"/>
+                    </a:solidFill>
+                    <a:latin typeface="Helvetica Neue Bold Condensed"/>
+                    <a:ea typeface="Helvetica Neue Bold Condensed"/>
+                    <a:cs typeface="Helvetica Neue Bold Condensed"/>
+                    <a:sym typeface="Helvetica Neue Bold Condensed"/>
+                  </a:defRPr>
+                </a:lvl1pPr>
+              </a:lstStyle>
+              <a:p>
+                <a:r>
+                  <a:rPr kumimoji="0" lang="en-US" altLang="zh-TW" sz="1100" b="0" i="0" u="none" strike="noStrike" cap="none" spc="0" normalizeH="0" baseline="0" dirty="0">
+                    <a:ln>
+                      <a:noFill/>
+                    </a:ln>
+                    <a:solidFill>
+                      <a:schemeClr val="tx1">
+                        <a:alpha val="15000"/>
+                      </a:schemeClr>
+                    </a:solidFill>
+                    <a:effectLst/>
+                    <a:uFillTx/>
+                    <a:latin typeface="Helvetica Neue Bold Condensed"/>
+                    <a:ea typeface="Helvetica Neue Bold Condensed"/>
+                    <a:cs typeface="Helvetica Neue Bold Condensed"/>
+                    <a:sym typeface="Helvetica Neue Bold Condensed"/>
+                  </a:rPr>
+                  <a:t>AI &amp; Data </a:t>
+                </a:r>
+                <a:r>
+                  <a:rPr kumimoji="0" lang="zh-TW" altLang="en-US" sz="1100" b="0" i="0" u="none" strike="noStrike" cap="none" spc="0" normalizeH="0" baseline="0" dirty="0">
+                    <a:ln>
+                      <a:noFill/>
+                    </a:ln>
+                    <a:solidFill>
+                      <a:schemeClr val="tx1">
+                        <a:alpha val="15000"/>
+                      </a:schemeClr>
+                    </a:solidFill>
+                    <a:effectLst/>
+                    <a:uFillTx/>
+                    <a:latin typeface="Helvetica Neue Bold Condensed"/>
+                    <a:ea typeface="Helvetica Neue Bold Condensed"/>
+                    <a:cs typeface="Helvetica Neue Bold Condensed"/>
+                    <a:sym typeface="Helvetica Neue Bold Condensed"/>
+                  </a:rPr>
+                  <a:t>組</a:t>
+                </a:r>
+                <a:endParaRPr sz="1200" dirty="0">
+                  <a:solidFill>
+                    <a:schemeClr val="tx1">
+                      <a:alpha val="15000"/>
+                    </a:schemeClr>
+                  </a:solidFill>
+                </a:endParaRPr>
+              </a:p>
+            </p:txBody>
+          </p:sp>
+        </p:grpSp>
+        <p:grpSp>
+          <p:nvGrpSpPr>
+            <p:cNvPr id="41" name="Group 40">
+              <a:extLst>
+                <a:ext uri="{FF2B5EF4-FFF2-40B4-BE49-F238E27FC236}">
+                  <a16:creationId xmlns:a16="http://schemas.microsoft.com/office/drawing/2014/main" id="{33BBFB23-4825-F24A-A6B2-A6F38836791D}"/>
+                </a:ext>
+              </a:extLst>
+            </p:cNvPr>
+            <p:cNvGrpSpPr/>
+            <p:nvPr/>
+          </p:nvGrpSpPr>
+          <p:grpSpPr>
+            <a:xfrm>
+              <a:off x="7247835" y="3971848"/>
+              <a:ext cx="1876735" cy="1050587"/>
+              <a:chOff x="3891792" y="3940042"/>
+              <a:chExt cx="1876735" cy="1050587"/>
+            </a:xfrm>
+          </p:grpSpPr>
+          <p:pic>
+            <p:nvPicPr>
+              <p:cNvPr id="42" name="Picture 41">
+                <a:extLst>
+                  <a:ext uri="{FF2B5EF4-FFF2-40B4-BE49-F238E27FC236}">
+                    <a16:creationId xmlns:a16="http://schemas.microsoft.com/office/drawing/2014/main" id="{D317129D-B6A9-0C4E-B506-28ED41B786D9}"/>
+                  </a:ext>
+                </a:extLst>
+              </p:cNvPr>
+              <p:cNvPicPr>
+                <a:picLocks noChangeAspect="1" noChangeArrowheads="1"/>
+              </p:cNvPicPr>
+              <p:nvPr/>
+            </p:nvPicPr>
+            <p:blipFill>
+              <a:blip r:embed="rId3">
+                <a:duotone>
+                  <a:prstClr val="black"/>
+                  <a:schemeClr val="tx1">
+                    <a:tint val="45000"/>
+                    <a:satMod val="400000"/>
+                  </a:schemeClr>
+                </a:duotone>
+                <a:alphaModFix amt="20000"/>
+              </a:blip>
+              <a:srcRect/>
+              <a:stretch/>
+            </p:blipFill>
+            <p:spPr bwMode="auto">
+              <a:xfrm>
+                <a:off x="4489805" y="3940042"/>
+                <a:ext cx="1050587" cy="1050587"/>
+              </a:xfrm>
+              <a:prstGeom prst="rect">
+                <a:avLst/>
+              </a:prstGeom>
+              <a:noFill/>
+              <a:extLst>
+                <a:ext uri="{909E8E84-426E-40DD-AFC4-6F175D3DCCD1}">
+                  <a14:hiddenFill xmlns:a14="http://schemas.microsoft.com/office/drawing/2010/main">
+                    <a:solidFill>
+                      <a:srgbClr val="FFFFFF"/>
+                    </a:solidFill>
+                  </a14:hiddenFill>
+                </a:ext>
+              </a:extLst>
+            </p:spPr>
+          </p:pic>
+          <p:pic>
+            <p:nvPicPr>
+              <p:cNvPr id="43" name="Picture 4" descr="Youtube logo | Logok">
+                <a:extLst>
+                  <a:ext uri="{FF2B5EF4-FFF2-40B4-BE49-F238E27FC236}">
+                    <a16:creationId xmlns:a16="http://schemas.microsoft.com/office/drawing/2014/main" id="{123D5664-3E4D-FD49-BBB1-339638D34445}"/>
+                  </a:ext>
+                </a:extLst>
+              </p:cNvPr>
+              <p:cNvPicPr>
+                <a:picLocks noChangeAspect="1" noChangeArrowheads="1"/>
+              </p:cNvPicPr>
+              <p:nvPr/>
+            </p:nvPicPr>
+            <p:blipFill>
+              <a:blip r:embed="rId4">
+                <a:alphaModFix amt="20000"/>
+                <a:extLst>
+                  <a:ext uri="{28A0092B-C50C-407E-A947-70E740481C1C}">
+                    <a14:useLocalDpi xmlns:a14="http://schemas.microsoft.com/office/drawing/2010/main" val="0"/>
+                  </a:ext>
+                </a:extLst>
+              </a:blip>
+              <a:srcRect/>
+              <a:stretch>
+                <a:fillRect/>
+              </a:stretch>
+            </p:blipFill>
+            <p:spPr bwMode="auto">
+              <a:xfrm>
+                <a:off x="3891792" y="4187926"/>
+                <a:ext cx="739756" cy="554817"/>
+              </a:xfrm>
+              <a:prstGeom prst="rect">
+                <a:avLst/>
+              </a:prstGeom>
+              <a:noFill/>
+              <a:extLst>
+                <a:ext uri="{909E8E84-426E-40DD-AFC4-6F175D3DCCD1}">
+                  <a14:hiddenFill xmlns:a14="http://schemas.microsoft.com/office/drawing/2010/main">
+                    <a:solidFill>
+                      <a:srgbClr val="FFFFFF"/>
+                    </a:solidFill>
+                  </a14:hiddenFill>
+                </a:ext>
+              </a:extLst>
+            </p:spPr>
+          </p:pic>
+          <p:sp>
+            <p:nvSpPr>
+              <p:cNvPr id="44" name="Intelligent Information Retrieval Laboratory">
+                <a:extLst>
+                  <a:ext uri="{FF2B5EF4-FFF2-40B4-BE49-F238E27FC236}">
+                    <a16:creationId xmlns:a16="http://schemas.microsoft.com/office/drawing/2014/main" id="{DADF50F3-04A0-7944-9D0B-6C4742608B80}"/>
+                  </a:ext>
+                </a:extLst>
+              </p:cNvPr>
+              <p:cNvSpPr txBox="1"/>
+              <p:nvPr/>
+            </p:nvSpPr>
+            <p:spPr>
+              <a:xfrm>
+                <a:off x="4549327" y="4335014"/>
+                <a:ext cx="1219200" cy="276106"/>
+              </a:xfrm>
+              <a:prstGeom prst="rect">
+                <a:avLst/>
+              </a:prstGeom>
+              <a:noFill/>
+              <a:ln w="12700" cap="flat">
+                <a:noFill/>
+                <a:miter lim="400000"/>
+              </a:ln>
+              <a:effectLst/>
+              <a:extLst>
+                <a:ext uri="{C572A759-6A51-4108-AA02-DFA0A04FC94B}">
+                  <ma14:wrappingTextBoxFlag xmlns="" xmlns:m="http://schemas.openxmlformats.org/officeDocument/2006/math" xmlns:a14="http://schemas.microsoft.com/office/drawing/2010/main" xmlns:ma14="http://schemas.microsoft.com/office/mac/drawingml/2011/main" val="1"/>
+                </a:ext>
+              </a:extLst>
+            </p:spPr>
+            <p:txBody>
+              <a:bodyPr wrap="square" lIns="71437" tIns="71437" rIns="71437" bIns="71437" numCol="1" anchor="ctr">
+                <a:spAutoFit/>
+              </a:bodyPr>
+              <a:lstStyle>
+                <a:lvl1pPr algn="l" defTabSz="821531">
+                  <a:defRPr sz="2400" b="0">
+                    <a:solidFill>
+                      <a:srgbClr val="FFFFFF"/>
+                    </a:solidFill>
+                    <a:latin typeface="Helvetica Neue Bold Condensed"/>
+                    <a:ea typeface="Helvetica Neue Bold Condensed"/>
+                    <a:cs typeface="Helvetica Neue Bold Condensed"/>
+                    <a:sym typeface="Helvetica Neue Bold Condensed"/>
+                  </a:defRPr>
+                </a:lvl1pPr>
+              </a:lstStyle>
+              <a:p>
+                <a:r>
+                  <a:rPr kumimoji="0" lang="en-US" altLang="zh-TW" sz="1400" b="0" i="0" u="none" strike="noStrike" cap="none" spc="0" normalizeH="0" baseline="0" dirty="0">
+                    <a:ln>
+                      <a:noFill/>
+                    </a:ln>
+                    <a:solidFill>
+                      <a:schemeClr val="tx1">
+                        <a:alpha val="15000"/>
+                      </a:schemeClr>
+                    </a:solidFill>
+                    <a:effectLst/>
+                    <a:uFillTx/>
+                    <a:sym typeface="Helvetica Neue Bold Condensed"/>
+                  </a:rPr>
+                  <a:t>10</a:t>
+                </a:r>
+                <a:r>
+                  <a:rPr kumimoji="0" lang="zh-TW" altLang="en-US" sz="1400" b="0" i="0" u="none" strike="noStrike" cap="none" spc="0" normalizeH="0" baseline="0" dirty="0">
+                    <a:ln>
+                      <a:noFill/>
+                    </a:ln>
+                    <a:solidFill>
+                      <a:schemeClr val="tx1">
+                        <a:alpha val="15000"/>
+                      </a:schemeClr>
+                    </a:solidFill>
+                    <a:effectLst/>
+                    <a:uFillTx/>
+                    <a:sym typeface="Helvetica Neue Bold Condensed"/>
+                  </a:rPr>
+                  <a:t>程式中</a:t>
+                </a:r>
+                <a:endParaRPr sz="1600" dirty="0">
+                  <a:solidFill>
+                    <a:schemeClr val="tx1">
+                      <a:alpha val="15000"/>
+                    </a:schemeClr>
+                  </a:solidFill>
+                </a:endParaRPr>
+              </a:p>
+            </p:txBody>
+          </p:sp>
+        </p:grpSp>
+      </p:grpSp>
+    </p:spTree>
+    <p:extLst>
+      <p:ext uri="{BB962C8B-B14F-4D97-AF65-F5344CB8AC3E}">
+        <p14:creationId xmlns:p14="http://schemas.microsoft.com/office/powerpoint/2010/main" val="1887739309"/>
+      </p:ext>
+    </p:extLst>
+  </p:cSld>
+  <p:clrMapOvr>
+    <a:masterClrMapping/>
+  </p:clrMapOvr>
+</p:sld>
+</file>
+
+<file path=ppt/slides/slide2.xml><?xml version="1.0" encoding="utf-8"?>
+<p:sld xmlns:a="http://schemas.openxmlformats.org/drawingml/2006/main" xmlns:r="http://schemas.openxmlformats.org/officeDocument/2006/relationships" xmlns:p="http://schemas.openxmlformats.org/presentationml/2006/main">
+  <p:cSld>
+    <p:spTree>
+      <p:nvGrpSpPr>
+        <p:cNvPr id="1" name=""/>
+        <p:cNvGrpSpPr/>
+        <p:nvPr/>
+      </p:nvGrpSpPr>
+      <p:grpSpPr>
+        <a:xfrm>
+          <a:off x="0" y="0"/>
+          <a:ext cx="0" cy="0"/>
+          <a:chOff x="0" y="0"/>
+          <a:chExt cx="0" cy="0"/>
+        </a:xfrm>
+      </p:grpSpPr>
+      <p:sp>
+        <p:nvSpPr>
           <p:cNvPr id="52" name="Rounded Rectangle 51">
             <a:extLst>
               <a:ext uri="{FF2B5EF4-FFF2-40B4-BE49-F238E27FC236}">
@@ -3992,7 +4930,7 @@
               <a:effectLst/>
               <a:extLst>
                 <a:ext uri="{C572A759-6A51-4108-AA02-DFA0A04FC94B}">
-                  <ma14:wrappingTextBoxFlag xmlns:ma14="http://schemas.microsoft.com/office/mac/drawingml/2011/main" xmlns:a14="http://schemas.microsoft.com/office/drawing/2010/main" xmlns:m="http://schemas.openxmlformats.org/officeDocument/2006/math" xmlns="" val="1"/>
+                  <ma14:wrappingTextBoxFlag xmlns="" xmlns:m="http://schemas.openxmlformats.org/officeDocument/2006/math" xmlns:a14="http://schemas.microsoft.com/office/drawing/2010/main" xmlns:ma14="http://schemas.microsoft.com/office/mac/drawingml/2011/main" val="1"/>
                 </a:ext>
               </a:extLst>
             </p:spPr>
@@ -4182,7 +5120,7 @@
               <a:effectLst/>
               <a:extLst>
                 <a:ext uri="{C572A759-6A51-4108-AA02-DFA0A04FC94B}">
-                  <ma14:wrappingTextBoxFlag xmlns:ma14="http://schemas.microsoft.com/office/mac/drawingml/2011/main" xmlns:a14="http://schemas.microsoft.com/office/drawing/2010/main" xmlns:m="http://schemas.openxmlformats.org/officeDocument/2006/math" xmlns="" val="1"/>
+                  <ma14:wrappingTextBoxFlag xmlns="" xmlns:m="http://schemas.openxmlformats.org/officeDocument/2006/math" xmlns:a14="http://schemas.microsoft.com/office/drawing/2010/main" xmlns:ma14="http://schemas.microsoft.com/office/mac/drawingml/2011/main" val="1"/>
                 </a:ext>
               </a:extLst>
             </p:spPr>
@@ -4397,7 +5335,7 @@
               <a:effectLst/>
               <a:extLst>
                 <a:ext uri="{C572A759-6A51-4108-AA02-DFA0A04FC94B}">
-                  <ma14:wrappingTextBoxFlag xmlns:ma14="http://schemas.microsoft.com/office/mac/drawingml/2011/main" xmlns:a14="http://schemas.microsoft.com/office/drawing/2010/main" xmlns:m="http://schemas.openxmlformats.org/officeDocument/2006/math" xmlns="" val="1"/>
+                  <ma14:wrappingTextBoxFlag xmlns="" xmlns:m="http://schemas.openxmlformats.org/officeDocument/2006/math" xmlns:a14="http://schemas.microsoft.com/office/drawing/2010/main" xmlns:ma14="http://schemas.microsoft.com/office/mac/drawingml/2011/main" val="1"/>
                 </a:ext>
               </a:extLst>
             </p:spPr>

--- a/_posts/ithome/2021/20.Auto-Sklearn/20.Auto-Sklearn.pptx
+++ b/_posts/ithome/2021/20.Auto-Sklearn/20.Auto-Sklearn.pptx
@@ -5,11 +5,13 @@
     <p:sldMasterId id="2147483648" r:id="rId1"/>
   </p:sldMasterIdLst>
   <p:notesMasterIdLst>
-    <p:notesMasterId r:id="rId4"/>
+    <p:notesMasterId r:id="rId6"/>
   </p:notesMasterIdLst>
   <p:sldIdLst>
     <p:sldId id="257" r:id="rId2"/>
     <p:sldId id="256" r:id="rId3"/>
+    <p:sldId id="258" r:id="rId4"/>
+    <p:sldId id="259" r:id="rId5"/>
   </p:sldIdLst>
   <p:sldSz cx="12192000" cy="6858000"/>
   <p:notesSz cx="6858000" cy="9144000"/>
@@ -198,7 +200,7 @@
           <a:p>
             <a:fld id="{CCE3649D-4F9F-5246-8ABA-1C70B86BDF03}" type="datetimeFigureOut">
               <a:rPr lang="en-TW" smtClean="0"/>
-              <a:t>2021/9/27</a:t>
+              <a:t>2021/9/29</a:t>
             </a:fld>
             <a:endParaRPr lang="en-TW"/>
           </a:p>
@@ -511,6 +513,158 @@
           <a:lstStyle/>
           <a:p>
             <a:r>
+              <a:rPr lang="zh-TW" altLang="en-US" dirty="0"/>
+              <a:t>仿照人能積累經驗的做法，使機器有</a:t>
+            </a:r>
+            <a:r>
+              <a:rPr lang="en-US" altLang="zh-TW" dirty="0"/>
+              <a:t>[</a:t>
+            </a:r>
+            <a:r>
+              <a:rPr lang="zh-TW" altLang="en-US" dirty="0"/>
+              <a:t>配置空間</a:t>
+            </a:r>
+            <a:r>
+              <a:rPr lang="en-US" altLang="zh-TW" dirty="0"/>
+              <a:t>]</a:t>
+            </a:r>
+            <a:r>
+              <a:rPr lang="zh-TW" altLang="en-US" dirty="0"/>
+              <a:t>去記錄它們的經驗值，有點像遷移學習適用的程度，根據數據的相似度</a:t>
+            </a:r>
+            <a:endParaRPr lang="en-US" altLang="zh-TW" dirty="0"/>
+          </a:p>
+          <a:p>
+            <a:endParaRPr lang="en-US" altLang="zh-TW" dirty="0"/>
+          </a:p>
+          <a:p>
+            <a:r>
+              <a:rPr lang="zh-TW" altLang="en-US" sz="1200" b="0" i="0" kern="1200" dirty="0">
+                <a:solidFill>
+                  <a:schemeClr val="tx1"/>
+                </a:solidFill>
+                <a:effectLst/>
+                <a:latin typeface="+mn-lt"/>
+                <a:ea typeface="+mn-ea"/>
+                <a:cs typeface="+mn-cs"/>
+              </a:rPr>
+              <a:t>也就是學習算法工程師的建模習慣，比如看到什麼類型的數據就會明白套用什麼模型比較適合，去生產對於數據的 </a:t>
+            </a:r>
+            <a:r>
+              <a:rPr lang="en-US" sz="1200" b="1" i="0" kern="1200" dirty="0" err="1">
+                <a:solidFill>
+                  <a:schemeClr val="tx1"/>
+                </a:solidFill>
+                <a:effectLst/>
+                <a:latin typeface="+mn-lt"/>
+                <a:ea typeface="+mn-ea"/>
+                <a:cs typeface="+mn-cs"/>
+              </a:rPr>
+              <a:t>metafeatures</a:t>
+            </a:r>
+            <a:r>
+              <a:rPr lang="en-US" sz="1200" b="0" i="0" kern="1200" dirty="0">
+                <a:solidFill>
+                  <a:schemeClr val="tx1"/>
+                </a:solidFill>
+                <a:effectLst/>
+                <a:latin typeface="+mn-lt"/>
+                <a:ea typeface="+mn-ea"/>
+                <a:cs typeface="+mn-cs"/>
+              </a:rPr>
+              <a:t>：</a:t>
+            </a:r>
+            <a:br>
+              <a:rPr lang="en-US"/>
+            </a:br>
+            <a:br>
+              <a:rPr lang="zh-TW" altLang="en-US" dirty="0"/>
+            </a:br>
+            <a:endParaRPr lang="en-TW" dirty="0"/>
+          </a:p>
+        </p:txBody>
+      </p:sp>
+      <p:sp>
+        <p:nvSpPr>
+          <p:cNvPr id="4" name="Slide Number Placeholder 3"/>
+          <p:cNvSpPr>
+            <a:spLocks noGrp="1"/>
+          </p:cNvSpPr>
+          <p:nvPr>
+            <p:ph type="sldNum" sz="quarter" idx="5"/>
+          </p:nvPr>
+        </p:nvSpPr>
+        <p:spPr/>
+        <p:txBody>
+          <a:bodyPr/>
+          <a:lstStyle/>
+          <a:p>
+            <a:fld id="{378C6B93-7CA9-2E48-A4FF-09DB85B9BCDA}" type="slidenum">
+              <a:rPr lang="en-TW" smtClean="0"/>
+              <a:t>1</a:t>
+            </a:fld>
+            <a:endParaRPr lang="en-TW"/>
+          </a:p>
+        </p:txBody>
+      </p:sp>
+    </p:spTree>
+    <p:extLst>
+      <p:ext uri="{BB962C8B-B14F-4D97-AF65-F5344CB8AC3E}">
+        <p14:creationId xmlns:p14="http://schemas.microsoft.com/office/powerpoint/2010/main" val="3114678416"/>
+      </p:ext>
+    </p:extLst>
+  </p:cSld>
+  <p:clrMapOvr>
+    <a:masterClrMapping/>
+  </p:clrMapOvr>
+</p:notes>
+</file>
+
+<file path=ppt/notesSlides/notesSlide2.xml><?xml version="1.0" encoding="utf-8"?>
+<p:notes xmlns:a="http://schemas.openxmlformats.org/drawingml/2006/main" xmlns:r="http://schemas.openxmlformats.org/officeDocument/2006/relationships" xmlns:p="http://schemas.openxmlformats.org/presentationml/2006/main">
+  <p:cSld>
+    <p:spTree>
+      <p:nvGrpSpPr>
+        <p:cNvPr id="1" name=""/>
+        <p:cNvGrpSpPr/>
+        <p:nvPr/>
+      </p:nvGrpSpPr>
+      <p:grpSpPr>
+        <a:xfrm>
+          <a:off x="0" y="0"/>
+          <a:ext cx="0" cy="0"/>
+          <a:chOff x="0" y="0"/>
+          <a:chExt cx="0" cy="0"/>
+        </a:xfrm>
+      </p:grpSpPr>
+      <p:sp>
+        <p:nvSpPr>
+          <p:cNvPr id="2" name="Slide Image Placeholder 1"/>
+          <p:cNvSpPr>
+            <a:spLocks noGrp="1" noRot="1" noChangeAspect="1"/>
+          </p:cNvSpPr>
+          <p:nvPr>
+            <p:ph type="sldImg"/>
+          </p:nvPr>
+        </p:nvSpPr>
+        <p:spPr/>
+      </p:sp>
+      <p:sp>
+        <p:nvSpPr>
+          <p:cNvPr id="3" name="Notes Placeholder 2"/>
+          <p:cNvSpPr>
+            <a:spLocks noGrp="1"/>
+          </p:cNvSpPr>
+          <p:nvPr>
+            <p:ph type="body" idx="1"/>
+          </p:nvPr>
+        </p:nvSpPr>
+        <p:spPr/>
+        <p:txBody>
+          <a:bodyPr/>
+          <a:lstStyle/>
+          <a:p>
+            <a:r>
               <a:rPr lang="en-US" dirty="0"/>
               <a:t>https://</a:t>
             </a:r>
@@ -719,7 +873,7 @@
           <a:p>
             <a:fld id="{FA72F50C-0205-344F-9362-2550D5A8C203}" type="datetimeFigureOut">
               <a:rPr lang="en-TW" smtClean="0"/>
-              <a:t>2021/9/27</a:t>
+              <a:t>2021/9/29</a:t>
             </a:fld>
             <a:endParaRPr lang="en-TW"/>
           </a:p>
@@ -919,7 +1073,7 @@
           <a:p>
             <a:fld id="{FA72F50C-0205-344F-9362-2550D5A8C203}" type="datetimeFigureOut">
               <a:rPr lang="en-TW" smtClean="0"/>
-              <a:t>2021/9/27</a:t>
+              <a:t>2021/9/29</a:t>
             </a:fld>
             <a:endParaRPr lang="en-TW"/>
           </a:p>
@@ -1129,7 +1283,7 @@
           <a:p>
             <a:fld id="{FA72F50C-0205-344F-9362-2550D5A8C203}" type="datetimeFigureOut">
               <a:rPr lang="en-TW" smtClean="0"/>
-              <a:t>2021/9/27</a:t>
+              <a:t>2021/9/29</a:t>
             </a:fld>
             <a:endParaRPr lang="en-TW"/>
           </a:p>
@@ -1329,7 +1483,7 @@
           <a:p>
             <a:fld id="{FA72F50C-0205-344F-9362-2550D5A8C203}" type="datetimeFigureOut">
               <a:rPr lang="en-TW" smtClean="0"/>
-              <a:t>2021/9/27</a:t>
+              <a:t>2021/9/29</a:t>
             </a:fld>
             <a:endParaRPr lang="en-TW"/>
           </a:p>
@@ -1605,7 +1759,7 @@
           <a:p>
             <a:fld id="{FA72F50C-0205-344F-9362-2550D5A8C203}" type="datetimeFigureOut">
               <a:rPr lang="en-TW" smtClean="0"/>
-              <a:t>2021/9/27</a:t>
+              <a:t>2021/9/29</a:t>
             </a:fld>
             <a:endParaRPr lang="en-TW"/>
           </a:p>
@@ -1873,7 +2027,7 @@
           <a:p>
             <a:fld id="{FA72F50C-0205-344F-9362-2550D5A8C203}" type="datetimeFigureOut">
               <a:rPr lang="en-TW" smtClean="0"/>
-              <a:t>2021/9/27</a:t>
+              <a:t>2021/9/29</a:t>
             </a:fld>
             <a:endParaRPr lang="en-TW"/>
           </a:p>
@@ -2288,7 +2442,7 @@
           <a:p>
             <a:fld id="{FA72F50C-0205-344F-9362-2550D5A8C203}" type="datetimeFigureOut">
               <a:rPr lang="en-TW" smtClean="0"/>
-              <a:t>2021/9/27</a:t>
+              <a:t>2021/9/29</a:t>
             </a:fld>
             <a:endParaRPr lang="en-TW"/>
           </a:p>
@@ -2430,7 +2584,7 @@
           <a:p>
             <a:fld id="{FA72F50C-0205-344F-9362-2550D5A8C203}" type="datetimeFigureOut">
               <a:rPr lang="en-TW" smtClean="0"/>
-              <a:t>2021/9/27</a:t>
+              <a:t>2021/9/29</a:t>
             </a:fld>
             <a:endParaRPr lang="en-TW"/>
           </a:p>
@@ -2543,7 +2697,7 @@
           <a:p>
             <a:fld id="{FA72F50C-0205-344F-9362-2550D5A8C203}" type="datetimeFigureOut">
               <a:rPr lang="en-TW" smtClean="0"/>
-              <a:t>2021/9/27</a:t>
+              <a:t>2021/9/29</a:t>
             </a:fld>
             <a:endParaRPr lang="en-TW"/>
           </a:p>
@@ -2856,7 +3010,7 @@
           <a:p>
             <a:fld id="{FA72F50C-0205-344F-9362-2550D5A8C203}" type="datetimeFigureOut">
               <a:rPr lang="en-TW" smtClean="0"/>
-              <a:t>2021/9/27</a:t>
+              <a:t>2021/9/29</a:t>
             </a:fld>
             <a:endParaRPr lang="en-TW"/>
           </a:p>
@@ -3145,7 +3299,7 @@
           <a:p>
             <a:fld id="{FA72F50C-0205-344F-9362-2550D5A8C203}" type="datetimeFigureOut">
               <a:rPr lang="en-TW" smtClean="0"/>
-              <a:t>2021/9/27</a:t>
+              <a:t>2021/9/29</a:t>
             </a:fld>
             <a:endParaRPr lang="en-TW"/>
           </a:p>
@@ -3388,7 +3542,7 @@
           <a:p>
             <a:fld id="{FA72F50C-0205-344F-9362-2550D5A8C203}" type="datetimeFigureOut">
               <a:rPr lang="en-TW" smtClean="0"/>
-              <a:t>2021/9/27</a:t>
+              <a:t>2021/9/29</a:t>
             </a:fld>
             <a:endParaRPr lang="en-TW"/>
           </a:p>
@@ -4036,7 +4190,7 @@
           <p:nvPr/>
         </p:nvPicPr>
         <p:blipFill>
-          <a:blip r:embed="rId2"/>
+          <a:blip r:embed="rId3"/>
           <a:stretch>
             <a:fillRect/>
           </a:stretch>
@@ -4066,7 +4220,7 @@
           <p:nvPr/>
         </p:nvPicPr>
         <p:blipFill>
-          <a:blip r:embed="rId2"/>
+          <a:blip r:embed="rId3"/>
           <a:stretch>
             <a:fillRect/>
           </a:stretch>
@@ -4096,7 +4250,7 @@
           <p:nvPr/>
         </p:nvPicPr>
         <p:blipFill>
-          <a:blip r:embed="rId2"/>
+          <a:blip r:embed="rId3"/>
           <a:stretch>
             <a:fillRect/>
           </a:stretch>
@@ -4537,7 +4691,7 @@
               <p:nvPr/>
             </p:nvPicPr>
             <p:blipFill>
-              <a:blip r:embed="rId3">
+              <a:blip r:embed="rId4">
                 <a:duotone>
                   <a:prstClr val="black"/>
                   <a:schemeClr val="tx1">
@@ -4585,7 +4739,7 @@
               <p:nvPr/>
             </p:nvPicPr>
             <p:blipFill>
-              <a:blip r:embed="rId4">
+              <a:blip r:embed="rId5">
                 <a:alphaModFix amt="20000"/>
                 <a:extLst>
                   <a:ext uri="{28A0092B-C50C-407E-A947-70E740481C1C}">
@@ -6518,6 +6672,126 @@
       <p:bldP spid="63" grpId="0"/>
     </p:bldLst>
   </p:timing>
+</p:sld>
+</file>
+
+<file path=ppt/slides/slide3.xml><?xml version="1.0" encoding="utf-8"?>
+<p:sld xmlns:a="http://schemas.openxmlformats.org/drawingml/2006/main" xmlns:r="http://schemas.openxmlformats.org/officeDocument/2006/relationships" xmlns:p="http://schemas.openxmlformats.org/presentationml/2006/main">
+  <p:cSld>
+    <p:spTree>
+      <p:nvGrpSpPr>
+        <p:cNvPr id="1" name=""/>
+        <p:cNvGrpSpPr/>
+        <p:nvPr/>
+      </p:nvGrpSpPr>
+      <p:grpSpPr>
+        <a:xfrm>
+          <a:off x="0" y="0"/>
+          <a:ext cx="0" cy="0"/>
+          <a:chOff x="0" y="0"/>
+          <a:chExt cx="0" cy="0"/>
+        </a:xfrm>
+      </p:grpSpPr>
+      <p:pic>
+        <p:nvPicPr>
+          <p:cNvPr id="7" name="Picture 6">
+            <a:extLst>
+              <a:ext uri="{FF2B5EF4-FFF2-40B4-BE49-F238E27FC236}">
+                <a16:creationId xmlns:a16="http://schemas.microsoft.com/office/drawing/2014/main" id="{B69D6020-A7C1-1843-A515-A27C1E3E2508}"/>
+              </a:ext>
+            </a:extLst>
+          </p:cNvPr>
+          <p:cNvPicPr>
+            <a:picLocks noChangeAspect="1"/>
+          </p:cNvPicPr>
+          <p:nvPr/>
+        </p:nvPicPr>
+        <p:blipFill>
+          <a:blip r:embed="rId2"/>
+          <a:stretch>
+            <a:fillRect/>
+          </a:stretch>
+        </p:blipFill>
+        <p:spPr>
+          <a:xfrm>
+            <a:off x="2222500" y="1623951"/>
+            <a:ext cx="7747000" cy="3263900"/>
+          </a:xfrm>
+          <a:prstGeom prst="rect">
+            <a:avLst/>
+          </a:prstGeom>
+        </p:spPr>
+      </p:pic>
+    </p:spTree>
+    <p:extLst>
+      <p:ext uri="{BB962C8B-B14F-4D97-AF65-F5344CB8AC3E}">
+        <p14:creationId xmlns:p14="http://schemas.microsoft.com/office/powerpoint/2010/main" val="3982203650"/>
+      </p:ext>
+    </p:extLst>
+  </p:cSld>
+  <p:clrMapOvr>
+    <a:masterClrMapping/>
+  </p:clrMapOvr>
+</p:sld>
+</file>
+
+<file path=ppt/slides/slide4.xml><?xml version="1.0" encoding="utf-8"?>
+<p:sld xmlns:a="http://schemas.openxmlformats.org/drawingml/2006/main" xmlns:r="http://schemas.openxmlformats.org/officeDocument/2006/relationships" xmlns:p="http://schemas.openxmlformats.org/presentationml/2006/main">
+  <p:cSld>
+    <p:spTree>
+      <p:nvGrpSpPr>
+        <p:cNvPr id="1" name=""/>
+        <p:cNvGrpSpPr/>
+        <p:nvPr/>
+      </p:nvGrpSpPr>
+      <p:grpSpPr>
+        <a:xfrm>
+          <a:off x="0" y="0"/>
+          <a:ext cx="0" cy="0"/>
+          <a:chOff x="0" y="0"/>
+          <a:chExt cx="0" cy="0"/>
+        </a:xfrm>
+      </p:grpSpPr>
+      <p:pic>
+        <p:nvPicPr>
+          <p:cNvPr id="3" name="Picture 2">
+            <a:extLst>
+              <a:ext uri="{FF2B5EF4-FFF2-40B4-BE49-F238E27FC236}">
+                <a16:creationId xmlns:a16="http://schemas.microsoft.com/office/drawing/2014/main" id="{C33964BD-989C-1443-8340-A5F1A445DC22}"/>
+              </a:ext>
+            </a:extLst>
+          </p:cNvPr>
+          <p:cNvPicPr>
+            <a:picLocks noChangeAspect="1"/>
+          </p:cNvPicPr>
+          <p:nvPr/>
+        </p:nvPicPr>
+        <p:blipFill>
+          <a:blip r:embed="rId2"/>
+          <a:stretch>
+            <a:fillRect/>
+          </a:stretch>
+        </p:blipFill>
+        <p:spPr>
+          <a:xfrm>
+            <a:off x="2127250" y="1282700"/>
+            <a:ext cx="7937500" cy="4292600"/>
+          </a:xfrm>
+          <a:prstGeom prst="rect">
+            <a:avLst/>
+          </a:prstGeom>
+        </p:spPr>
+      </p:pic>
+    </p:spTree>
+    <p:extLst>
+      <p:ext uri="{BB962C8B-B14F-4D97-AF65-F5344CB8AC3E}">
+        <p14:creationId xmlns:p14="http://schemas.microsoft.com/office/powerpoint/2010/main" val="2622772773"/>
+      </p:ext>
+    </p:extLst>
+  </p:cSld>
+  <p:clrMapOvr>
+    <a:masterClrMapping/>
+  </p:clrMapOvr>
 </p:sld>
 </file>
 

--- a/_posts/ithome/2021/20.Auto-Sklearn/20.Auto-Sklearn.pptx
+++ b/_posts/ithome/2021/20.Auto-Sklearn/20.Auto-Sklearn.pptx
@@ -5,13 +5,14 @@
     <p:sldMasterId id="2147483648" r:id="rId1"/>
   </p:sldMasterIdLst>
   <p:notesMasterIdLst>
-    <p:notesMasterId r:id="rId6"/>
+    <p:notesMasterId r:id="rId7"/>
   </p:notesMasterIdLst>
   <p:sldIdLst>
     <p:sldId id="257" r:id="rId2"/>
     <p:sldId id="256" r:id="rId3"/>
     <p:sldId id="258" r:id="rId4"/>
     <p:sldId id="259" r:id="rId5"/>
+    <p:sldId id="260" r:id="rId6"/>
   </p:sldIdLst>
   <p:sldSz cx="12192000" cy="6858000"/>
   <p:notesSz cx="6858000" cy="9144000"/>
@@ -200,7 +201,7 @@
           <a:p>
             <a:fld id="{CCE3649D-4F9F-5246-8ABA-1C70B86BDF03}" type="datetimeFigureOut">
               <a:rPr lang="en-TW" smtClean="0"/>
-              <a:t>2021/9/29</a:t>
+              <a:t>2021/9/30</a:t>
             </a:fld>
             <a:endParaRPr lang="en-TW"/>
           </a:p>
@@ -724,6 +725,102 @@
 </p:notes>
 </file>
 
+<file path=ppt/notesSlides/notesSlide3.xml><?xml version="1.0" encoding="utf-8"?>
+<p:notes xmlns:a="http://schemas.openxmlformats.org/drawingml/2006/main" xmlns:r="http://schemas.openxmlformats.org/officeDocument/2006/relationships" xmlns:p="http://schemas.openxmlformats.org/presentationml/2006/main">
+  <p:cSld>
+    <p:spTree>
+      <p:nvGrpSpPr>
+        <p:cNvPr id="1" name=""/>
+        <p:cNvGrpSpPr/>
+        <p:nvPr/>
+      </p:nvGrpSpPr>
+      <p:grpSpPr>
+        <a:xfrm>
+          <a:off x="0" y="0"/>
+          <a:ext cx="0" cy="0"/>
+          <a:chOff x="0" y="0"/>
+          <a:chExt cx="0" cy="0"/>
+        </a:xfrm>
+      </p:grpSpPr>
+      <p:sp>
+        <p:nvSpPr>
+          <p:cNvPr id="2" name="Slide Image Placeholder 1"/>
+          <p:cNvSpPr>
+            <a:spLocks noGrp="1" noRot="1" noChangeAspect="1"/>
+          </p:cNvSpPr>
+          <p:nvPr>
+            <p:ph type="sldImg"/>
+          </p:nvPr>
+        </p:nvSpPr>
+        <p:spPr/>
+      </p:sp>
+      <p:sp>
+        <p:nvSpPr>
+          <p:cNvPr id="3" name="Notes Placeholder 2"/>
+          <p:cNvSpPr>
+            <a:spLocks noGrp="1"/>
+          </p:cNvSpPr>
+          <p:nvPr>
+            <p:ph type="body" idx="1"/>
+          </p:nvPr>
+        </p:nvSpPr>
+        <p:spPr/>
+        <p:txBody>
+          <a:bodyPr/>
+          <a:lstStyle/>
+          <a:p>
+            <a:r>
+              <a:rPr lang="en-US" dirty="0"/>
+              <a:t>https://</a:t>
+            </a:r>
+            <a:r>
+              <a:rPr lang="en-US" dirty="0" err="1"/>
+              <a:t>cloud.tencent.com</a:t>
+            </a:r>
+            <a:r>
+              <a:rPr lang="en-US" dirty="0"/>
+              <a:t>/developer/article/1553328</a:t>
+            </a:r>
+            <a:endParaRPr lang="en-TW" dirty="0"/>
+          </a:p>
+        </p:txBody>
+      </p:sp>
+      <p:sp>
+        <p:nvSpPr>
+          <p:cNvPr id="4" name="Slide Number Placeholder 3"/>
+          <p:cNvSpPr>
+            <a:spLocks noGrp="1"/>
+          </p:cNvSpPr>
+          <p:nvPr>
+            <p:ph type="sldNum" sz="quarter" idx="5"/>
+          </p:nvPr>
+        </p:nvSpPr>
+        <p:spPr/>
+        <p:txBody>
+          <a:bodyPr/>
+          <a:lstStyle/>
+          <a:p>
+            <a:fld id="{378C6B93-7CA9-2E48-A4FF-09DB85B9BCDA}" type="slidenum">
+              <a:rPr lang="en-TW" smtClean="0"/>
+              <a:t>5</a:t>
+            </a:fld>
+            <a:endParaRPr lang="en-TW"/>
+          </a:p>
+        </p:txBody>
+      </p:sp>
+    </p:spTree>
+    <p:extLst>
+      <p:ext uri="{BB962C8B-B14F-4D97-AF65-F5344CB8AC3E}">
+        <p14:creationId xmlns:p14="http://schemas.microsoft.com/office/powerpoint/2010/main" val="3926640556"/>
+      </p:ext>
+    </p:extLst>
+  </p:cSld>
+  <p:clrMapOvr>
+    <a:masterClrMapping/>
+  </p:clrMapOvr>
+</p:notes>
+</file>
+
 <file path=ppt/slideLayouts/slideLayout1.xml><?xml version="1.0" encoding="utf-8"?>
 <p:sldLayout xmlns:a="http://schemas.openxmlformats.org/drawingml/2006/main" xmlns:r="http://schemas.openxmlformats.org/officeDocument/2006/relationships" xmlns:p="http://schemas.openxmlformats.org/presentationml/2006/main" type="title" preserve="1">
   <p:cSld name="Title Slide">
@@ -873,7 +970,7 @@
           <a:p>
             <a:fld id="{FA72F50C-0205-344F-9362-2550D5A8C203}" type="datetimeFigureOut">
               <a:rPr lang="en-TW" smtClean="0"/>
-              <a:t>2021/9/29</a:t>
+              <a:t>2021/9/30</a:t>
             </a:fld>
             <a:endParaRPr lang="en-TW"/>
           </a:p>
@@ -1073,7 +1170,7 @@
           <a:p>
             <a:fld id="{FA72F50C-0205-344F-9362-2550D5A8C203}" type="datetimeFigureOut">
               <a:rPr lang="en-TW" smtClean="0"/>
-              <a:t>2021/9/29</a:t>
+              <a:t>2021/9/30</a:t>
             </a:fld>
             <a:endParaRPr lang="en-TW"/>
           </a:p>
@@ -1283,7 +1380,7 @@
           <a:p>
             <a:fld id="{FA72F50C-0205-344F-9362-2550D5A8C203}" type="datetimeFigureOut">
               <a:rPr lang="en-TW" smtClean="0"/>
-              <a:t>2021/9/29</a:t>
+              <a:t>2021/9/30</a:t>
             </a:fld>
             <a:endParaRPr lang="en-TW"/>
           </a:p>
@@ -1483,7 +1580,7 @@
           <a:p>
             <a:fld id="{FA72F50C-0205-344F-9362-2550D5A8C203}" type="datetimeFigureOut">
               <a:rPr lang="en-TW" smtClean="0"/>
-              <a:t>2021/9/29</a:t>
+              <a:t>2021/9/30</a:t>
             </a:fld>
             <a:endParaRPr lang="en-TW"/>
           </a:p>
@@ -1759,7 +1856,7 @@
           <a:p>
             <a:fld id="{FA72F50C-0205-344F-9362-2550D5A8C203}" type="datetimeFigureOut">
               <a:rPr lang="en-TW" smtClean="0"/>
-              <a:t>2021/9/29</a:t>
+              <a:t>2021/9/30</a:t>
             </a:fld>
             <a:endParaRPr lang="en-TW"/>
           </a:p>
@@ -2027,7 +2124,7 @@
           <a:p>
             <a:fld id="{FA72F50C-0205-344F-9362-2550D5A8C203}" type="datetimeFigureOut">
               <a:rPr lang="en-TW" smtClean="0"/>
-              <a:t>2021/9/29</a:t>
+              <a:t>2021/9/30</a:t>
             </a:fld>
             <a:endParaRPr lang="en-TW"/>
           </a:p>
@@ -2442,7 +2539,7 @@
           <a:p>
             <a:fld id="{FA72F50C-0205-344F-9362-2550D5A8C203}" type="datetimeFigureOut">
               <a:rPr lang="en-TW" smtClean="0"/>
-              <a:t>2021/9/29</a:t>
+              <a:t>2021/9/30</a:t>
             </a:fld>
             <a:endParaRPr lang="en-TW"/>
           </a:p>
@@ -2584,7 +2681,7 @@
           <a:p>
             <a:fld id="{FA72F50C-0205-344F-9362-2550D5A8C203}" type="datetimeFigureOut">
               <a:rPr lang="en-TW" smtClean="0"/>
-              <a:t>2021/9/29</a:t>
+              <a:t>2021/9/30</a:t>
             </a:fld>
             <a:endParaRPr lang="en-TW"/>
           </a:p>
@@ -2697,7 +2794,7 @@
           <a:p>
             <a:fld id="{FA72F50C-0205-344F-9362-2550D5A8C203}" type="datetimeFigureOut">
               <a:rPr lang="en-TW" smtClean="0"/>
-              <a:t>2021/9/29</a:t>
+              <a:t>2021/9/30</a:t>
             </a:fld>
             <a:endParaRPr lang="en-TW"/>
           </a:p>
@@ -3010,7 +3107,7 @@
           <a:p>
             <a:fld id="{FA72F50C-0205-344F-9362-2550D5A8C203}" type="datetimeFigureOut">
               <a:rPr lang="en-TW" smtClean="0"/>
-              <a:t>2021/9/29</a:t>
+              <a:t>2021/9/30</a:t>
             </a:fld>
             <a:endParaRPr lang="en-TW"/>
           </a:p>
@@ -3299,7 +3396,7 @@
           <a:p>
             <a:fld id="{FA72F50C-0205-344F-9362-2550D5A8C203}" type="datetimeFigureOut">
               <a:rPr lang="en-TW" smtClean="0"/>
-              <a:t>2021/9/29</a:t>
+              <a:t>2021/9/30</a:t>
             </a:fld>
             <a:endParaRPr lang="en-TW"/>
           </a:p>
@@ -3542,7 +3639,7 @@
           <a:p>
             <a:fld id="{FA72F50C-0205-344F-9362-2550D5A8C203}" type="datetimeFigureOut">
               <a:rPr lang="en-TW" smtClean="0"/>
-              <a:t>2021/9/29</a:t>
+              <a:t>2021/9/30</a:t>
             </a:fld>
             <a:endParaRPr lang="en-TW"/>
           </a:p>
@@ -4395,7 +4492,7 @@
               <a:effectLst/>
               <a:extLst>
                 <a:ext uri="{C572A759-6A51-4108-AA02-DFA0A04FC94B}">
-                  <ma14:wrappingTextBoxFlag xmlns="" xmlns:m="http://schemas.openxmlformats.org/officeDocument/2006/math" xmlns:a14="http://schemas.microsoft.com/office/drawing/2010/main" xmlns:ma14="http://schemas.microsoft.com/office/mac/drawingml/2011/main" val="1"/>
+                  <ma14:wrappingTextBoxFlag xmlns:ma14="http://schemas.microsoft.com/office/mac/drawingml/2011/main" xmlns:a14="http://schemas.microsoft.com/office/drawing/2010/main" xmlns:m="http://schemas.openxmlformats.org/officeDocument/2006/math" xmlns="" val="1"/>
                 </a:ext>
               </a:extLst>
             </p:spPr>
@@ -4585,7 +4682,7 @@
               <a:effectLst/>
               <a:extLst>
                 <a:ext uri="{C572A759-6A51-4108-AA02-DFA0A04FC94B}">
-                  <ma14:wrappingTextBoxFlag xmlns="" xmlns:m="http://schemas.openxmlformats.org/officeDocument/2006/math" xmlns:a14="http://schemas.microsoft.com/office/drawing/2010/main" xmlns:ma14="http://schemas.microsoft.com/office/mac/drawingml/2011/main" val="1"/>
+                  <ma14:wrappingTextBoxFlag xmlns:ma14="http://schemas.microsoft.com/office/mac/drawingml/2011/main" xmlns:a14="http://schemas.microsoft.com/office/drawing/2010/main" xmlns:m="http://schemas.openxmlformats.org/officeDocument/2006/math" xmlns="" val="1"/>
                 </a:ext>
               </a:extLst>
             </p:spPr>
@@ -4800,7 +4897,7 @@
               <a:effectLst/>
               <a:extLst>
                 <a:ext uri="{C572A759-6A51-4108-AA02-DFA0A04FC94B}">
-                  <ma14:wrappingTextBoxFlag xmlns="" xmlns:m="http://schemas.openxmlformats.org/officeDocument/2006/math" xmlns:a14="http://schemas.microsoft.com/office/drawing/2010/main" xmlns:ma14="http://schemas.microsoft.com/office/mac/drawingml/2011/main" val="1"/>
+                  <ma14:wrappingTextBoxFlag xmlns:ma14="http://schemas.microsoft.com/office/mac/drawingml/2011/main" xmlns:a14="http://schemas.microsoft.com/office/drawing/2010/main" xmlns:m="http://schemas.openxmlformats.org/officeDocument/2006/math" xmlns="" val="1"/>
                 </a:ext>
               </a:extLst>
             </p:spPr>
@@ -5084,7 +5181,7 @@
               <a:effectLst/>
               <a:extLst>
                 <a:ext uri="{C572A759-6A51-4108-AA02-DFA0A04FC94B}">
-                  <ma14:wrappingTextBoxFlag xmlns="" xmlns:m="http://schemas.openxmlformats.org/officeDocument/2006/math" xmlns:a14="http://schemas.microsoft.com/office/drawing/2010/main" xmlns:ma14="http://schemas.microsoft.com/office/mac/drawingml/2011/main" val="1"/>
+                  <ma14:wrappingTextBoxFlag xmlns:ma14="http://schemas.microsoft.com/office/mac/drawingml/2011/main" xmlns:a14="http://schemas.microsoft.com/office/drawing/2010/main" xmlns:m="http://schemas.openxmlformats.org/officeDocument/2006/math" xmlns="" val="1"/>
                 </a:ext>
               </a:extLst>
             </p:spPr>
@@ -5274,7 +5371,7 @@
               <a:effectLst/>
               <a:extLst>
                 <a:ext uri="{C572A759-6A51-4108-AA02-DFA0A04FC94B}">
-                  <ma14:wrappingTextBoxFlag xmlns="" xmlns:m="http://schemas.openxmlformats.org/officeDocument/2006/math" xmlns:a14="http://schemas.microsoft.com/office/drawing/2010/main" xmlns:ma14="http://schemas.microsoft.com/office/mac/drawingml/2011/main" val="1"/>
+                  <ma14:wrappingTextBoxFlag xmlns:ma14="http://schemas.microsoft.com/office/mac/drawingml/2011/main" xmlns:a14="http://schemas.microsoft.com/office/drawing/2010/main" xmlns:m="http://schemas.openxmlformats.org/officeDocument/2006/math" xmlns="" val="1"/>
                 </a:ext>
               </a:extLst>
             </p:spPr>
@@ -5489,7 +5586,7 @@
               <a:effectLst/>
               <a:extLst>
                 <a:ext uri="{C572A759-6A51-4108-AA02-DFA0A04FC94B}">
-                  <ma14:wrappingTextBoxFlag xmlns="" xmlns:m="http://schemas.openxmlformats.org/officeDocument/2006/math" xmlns:a14="http://schemas.microsoft.com/office/drawing/2010/main" xmlns:ma14="http://schemas.microsoft.com/office/mac/drawingml/2011/main" val="1"/>
+                  <ma14:wrappingTextBoxFlag xmlns:ma14="http://schemas.microsoft.com/office/mac/drawingml/2011/main" xmlns:a14="http://schemas.microsoft.com/office/drawing/2010/main" xmlns:m="http://schemas.openxmlformats.org/officeDocument/2006/math" xmlns="" val="1"/>
                 </a:ext>
               </a:extLst>
             </p:spPr>
@@ -6786,6 +6883,198 @@
     <p:extLst>
       <p:ext uri="{BB962C8B-B14F-4D97-AF65-F5344CB8AC3E}">
         <p14:creationId xmlns:p14="http://schemas.microsoft.com/office/powerpoint/2010/main" val="2622772773"/>
+      </p:ext>
+    </p:extLst>
+  </p:cSld>
+  <p:clrMapOvr>
+    <a:masterClrMapping/>
+  </p:clrMapOvr>
+</p:sld>
+</file>
+
+<file path=ppt/slides/slide5.xml><?xml version="1.0" encoding="utf-8"?>
+<p:sld xmlns:a="http://schemas.openxmlformats.org/drawingml/2006/main" xmlns:r="http://schemas.openxmlformats.org/officeDocument/2006/relationships" xmlns:p="http://schemas.openxmlformats.org/presentationml/2006/main">
+  <p:cSld>
+    <p:spTree>
+      <p:nvGrpSpPr>
+        <p:cNvPr id="1" name=""/>
+        <p:cNvGrpSpPr/>
+        <p:nvPr/>
+      </p:nvGrpSpPr>
+      <p:grpSpPr>
+        <a:xfrm>
+          <a:off x="0" y="0"/>
+          <a:ext cx="0" cy="0"/>
+          <a:chOff x="0" y="0"/>
+          <a:chExt cx="0" cy="0"/>
+        </a:xfrm>
+      </p:grpSpPr>
+      <p:sp>
+        <p:nvSpPr>
+          <p:cNvPr id="2" name="Rectangle 1">
+            <a:extLst>
+              <a:ext uri="{FF2B5EF4-FFF2-40B4-BE49-F238E27FC236}">
+                <a16:creationId xmlns:a16="http://schemas.microsoft.com/office/drawing/2014/main" id="{F9911ED6-0098-7C47-8112-993DBF638C0D}"/>
+              </a:ext>
+            </a:extLst>
+          </p:cNvPr>
+          <p:cNvSpPr/>
+          <p:nvPr/>
+        </p:nvSpPr>
+        <p:spPr>
+          <a:xfrm>
+            <a:off x="791687" y="1213929"/>
+            <a:ext cx="8506691" cy="1477328"/>
+          </a:xfrm>
+          <a:prstGeom prst="rect">
+            <a:avLst/>
+          </a:prstGeom>
+        </p:spPr>
+        <p:txBody>
+          <a:bodyPr wrap="square">
+            <a:spAutoFit/>
+          </a:bodyPr>
+          <a:lstStyle/>
+          <a:p>
+            <a:r>
+              <a:rPr lang="en-US" dirty="0">
+                <a:solidFill>
+                  <a:srgbClr val="333333"/>
+                </a:solidFill>
+                <a:latin typeface="PingFang SC" panose="020B0400000000000000" pitchFamily="34" charset="-122"/>
+                <a:ea typeface="PingFang SC" panose="020B0400000000000000" pitchFamily="34" charset="-122"/>
+              </a:rPr>
+              <a:t>Bayesian optimizer</a:t>
+            </a:r>
+            <a:r>
+              <a:rPr lang="zh-TW" altLang="en-US" dirty="0">
+                <a:solidFill>
+                  <a:srgbClr val="333333"/>
+                </a:solidFill>
+                <a:latin typeface="PingFang SC" panose="020B0400000000000000" pitchFamily="34" charset="-122"/>
+                <a:ea typeface="PingFang SC" panose="020B0400000000000000" pitchFamily="34" charset="-122"/>
+              </a:rPr>
+              <a:t>來解決這類問題，有很多的優點的：</a:t>
+            </a:r>
+          </a:p>
+          <a:p>
+            <a:pPr>
+              <a:buFont typeface="Arial" panose="020B0604020202020204" pitchFamily="34" charset="0"/>
+              <a:buChar char="•"/>
+            </a:pPr>
+            <a:r>
+              <a:rPr lang="zh-TW" altLang="en-US" dirty="0">
+                <a:solidFill>
+                  <a:srgbClr val="333333"/>
+                </a:solidFill>
+                <a:latin typeface="PingFang SC" panose="020B0400000000000000" pitchFamily="34" charset="-122"/>
+                <a:ea typeface="PingFang SC" panose="020B0400000000000000" pitchFamily="34" charset="-122"/>
+              </a:rPr>
+              <a:t>利用先驗知識高效地調節超參數，每個試驗不獨立，有點</a:t>
+            </a:r>
+            <a:r>
+              <a:rPr lang="en-US" dirty="0">
+                <a:solidFill>
+                  <a:srgbClr val="333333"/>
+                </a:solidFill>
+                <a:latin typeface="PingFang SC" panose="020B0400000000000000" pitchFamily="34" charset="-122"/>
+                <a:ea typeface="PingFang SC" panose="020B0400000000000000" pitchFamily="34" charset="-122"/>
+              </a:rPr>
+              <a:t>boost</a:t>
+            </a:r>
+            <a:r>
+              <a:rPr lang="zh-TW" altLang="en-US" dirty="0">
+                <a:solidFill>
+                  <a:srgbClr val="333333"/>
+                </a:solidFill>
+                <a:latin typeface="PingFang SC" panose="020B0400000000000000" pitchFamily="34" charset="-122"/>
+                <a:ea typeface="PingFang SC" panose="020B0400000000000000" pitchFamily="34" charset="-122"/>
+              </a:rPr>
+              <a:t>味道</a:t>
+            </a:r>
+          </a:p>
+          <a:p>
+            <a:pPr>
+              <a:buFont typeface="Arial" panose="020B0604020202020204" pitchFamily="34" charset="0"/>
+              <a:buChar char="•"/>
+            </a:pPr>
+            <a:r>
+              <a:rPr lang="zh-TW" altLang="en-US" dirty="0">
+                <a:solidFill>
+                  <a:srgbClr val="333333"/>
+                </a:solidFill>
+                <a:latin typeface="PingFang SC" panose="020B0400000000000000" pitchFamily="34" charset="-122"/>
+                <a:ea typeface="PingFang SC" panose="020B0400000000000000" pitchFamily="34" charset="-122"/>
+              </a:rPr>
+              <a:t>通過高效的猜測而加速尋找最優參數的進程</a:t>
+            </a:r>
+          </a:p>
+          <a:p>
+            <a:pPr>
+              <a:buFont typeface="Arial" panose="020B0604020202020204" pitchFamily="34" charset="0"/>
+              <a:buChar char="•"/>
+            </a:pPr>
+            <a:r>
+              <a:rPr lang="zh-TW" altLang="en-US" dirty="0">
+                <a:solidFill>
+                  <a:srgbClr val="333333"/>
+                </a:solidFill>
+                <a:latin typeface="PingFang SC" panose="020B0400000000000000" pitchFamily="34" charset="-122"/>
+                <a:ea typeface="PingFang SC" panose="020B0400000000000000" pitchFamily="34" charset="-122"/>
+              </a:rPr>
+              <a:t>數據要求低，在目標函數未知且計算複雜度高的情況下極其強大</a:t>
+            </a:r>
+          </a:p>
+          <a:p>
+            <a:pPr>
+              <a:buFont typeface="Arial" panose="020B0604020202020204" pitchFamily="34" charset="0"/>
+              <a:buChar char="•"/>
+            </a:pPr>
+            <a:r>
+              <a:rPr lang="zh-TW" altLang="en-US" dirty="0">
+                <a:solidFill>
+                  <a:srgbClr val="333333"/>
+                </a:solidFill>
+                <a:latin typeface="PingFang SC" panose="020B0400000000000000" pitchFamily="34" charset="-122"/>
+                <a:ea typeface="PingFang SC" panose="020B0400000000000000" pitchFamily="34" charset="-122"/>
+              </a:rPr>
+              <a:t>泛化性</a:t>
+            </a:r>
+            <a:r>
+              <a:rPr lang="en-US" altLang="zh-TW" dirty="0">
+                <a:solidFill>
+                  <a:srgbClr val="333333"/>
+                </a:solidFill>
+                <a:latin typeface="PingFang SC" panose="020B0400000000000000" pitchFamily="34" charset="-122"/>
+                <a:ea typeface="PingFang SC" panose="020B0400000000000000" pitchFamily="34" charset="-122"/>
+              </a:rPr>
+              <a:t>/</a:t>
+            </a:r>
+            <a:r>
+              <a:rPr lang="zh-TW" altLang="en-US" dirty="0">
+                <a:solidFill>
+                  <a:srgbClr val="333333"/>
+                </a:solidFill>
+                <a:latin typeface="PingFang SC" panose="020B0400000000000000" pitchFamily="34" charset="-122"/>
+                <a:ea typeface="PingFang SC" panose="020B0400000000000000" pitchFamily="34" charset="-122"/>
+              </a:rPr>
+              <a:t>魯棒性好，不易陷入局部最優</a:t>
+            </a:r>
+            <a:endParaRPr lang="zh-TW" altLang="en-US" b="0" i="0" dirty="0">
+              <a:solidFill>
+                <a:srgbClr val="333333"/>
+              </a:solidFill>
+              <a:effectLst/>
+              <a:latin typeface="PingFang SC" panose="020B0400000000000000" pitchFamily="34" charset="-122"/>
+              <a:ea typeface="PingFang SC" panose="020B0400000000000000" pitchFamily="34" charset="-122"/>
+            </a:endParaRPr>
+          </a:p>
+        </p:txBody>
+      </p:sp>
+    </p:spTree>
+    <p:extLst>
+      <p:ext uri="{BB962C8B-B14F-4D97-AF65-F5344CB8AC3E}">
+        <p14:creationId xmlns:p14="http://schemas.microsoft.com/office/powerpoint/2010/main" val="962928767"/>
       </p:ext>
     </p:extLst>
   </p:cSld>

--- a/_posts/ithome/2021/20.Auto-Sklearn/20.Auto-Sklearn.pptx
+++ b/_posts/ithome/2021/20.Auto-Sklearn/20.Auto-Sklearn.pptx
@@ -5,7 +5,7 @@
     <p:sldMasterId id="2147483648" r:id="rId1"/>
   </p:sldMasterIdLst>
   <p:notesMasterIdLst>
-    <p:notesMasterId r:id="rId7"/>
+    <p:notesMasterId r:id="rId12"/>
   </p:notesMasterIdLst>
   <p:sldIdLst>
     <p:sldId id="257" r:id="rId2"/>
@@ -13,6 +13,11 @@
     <p:sldId id="258" r:id="rId4"/>
     <p:sldId id="259" r:id="rId5"/>
     <p:sldId id="260" r:id="rId6"/>
+    <p:sldId id="261" r:id="rId7"/>
+    <p:sldId id="262" r:id="rId8"/>
+    <p:sldId id="263" r:id="rId9"/>
+    <p:sldId id="264" r:id="rId10"/>
+    <p:sldId id="265" r:id="rId11"/>
   </p:sldIdLst>
   <p:sldSz cx="12192000" cy="6858000"/>
   <p:notesSz cx="6858000" cy="9144000"/>
@@ -201,7 +206,7 @@
           <a:p>
             <a:fld id="{CCE3649D-4F9F-5246-8ABA-1C70B86BDF03}" type="datetimeFigureOut">
               <a:rPr lang="en-TW" smtClean="0"/>
-              <a:t>2021/9/30</a:t>
+              <a:t>2021/10/1</a:t>
             </a:fld>
             <a:endParaRPr lang="en-TW"/>
           </a:p>
@@ -970,7 +975,7 @@
           <a:p>
             <a:fld id="{FA72F50C-0205-344F-9362-2550D5A8C203}" type="datetimeFigureOut">
               <a:rPr lang="en-TW" smtClean="0"/>
-              <a:t>2021/9/30</a:t>
+              <a:t>2021/10/1</a:t>
             </a:fld>
             <a:endParaRPr lang="en-TW"/>
           </a:p>
@@ -1170,7 +1175,7 @@
           <a:p>
             <a:fld id="{FA72F50C-0205-344F-9362-2550D5A8C203}" type="datetimeFigureOut">
               <a:rPr lang="en-TW" smtClean="0"/>
-              <a:t>2021/9/30</a:t>
+              <a:t>2021/10/1</a:t>
             </a:fld>
             <a:endParaRPr lang="en-TW"/>
           </a:p>
@@ -1380,7 +1385,7 @@
           <a:p>
             <a:fld id="{FA72F50C-0205-344F-9362-2550D5A8C203}" type="datetimeFigureOut">
               <a:rPr lang="en-TW" smtClean="0"/>
-              <a:t>2021/9/30</a:t>
+              <a:t>2021/10/1</a:t>
             </a:fld>
             <a:endParaRPr lang="en-TW"/>
           </a:p>
@@ -1580,7 +1585,7 @@
           <a:p>
             <a:fld id="{FA72F50C-0205-344F-9362-2550D5A8C203}" type="datetimeFigureOut">
               <a:rPr lang="en-TW" smtClean="0"/>
-              <a:t>2021/9/30</a:t>
+              <a:t>2021/10/1</a:t>
             </a:fld>
             <a:endParaRPr lang="en-TW"/>
           </a:p>
@@ -1856,7 +1861,7 @@
           <a:p>
             <a:fld id="{FA72F50C-0205-344F-9362-2550D5A8C203}" type="datetimeFigureOut">
               <a:rPr lang="en-TW" smtClean="0"/>
-              <a:t>2021/9/30</a:t>
+              <a:t>2021/10/1</a:t>
             </a:fld>
             <a:endParaRPr lang="en-TW"/>
           </a:p>
@@ -2124,7 +2129,7 @@
           <a:p>
             <a:fld id="{FA72F50C-0205-344F-9362-2550D5A8C203}" type="datetimeFigureOut">
               <a:rPr lang="en-TW" smtClean="0"/>
-              <a:t>2021/9/30</a:t>
+              <a:t>2021/10/1</a:t>
             </a:fld>
             <a:endParaRPr lang="en-TW"/>
           </a:p>
@@ -2539,7 +2544,7 @@
           <a:p>
             <a:fld id="{FA72F50C-0205-344F-9362-2550D5A8C203}" type="datetimeFigureOut">
               <a:rPr lang="en-TW" smtClean="0"/>
-              <a:t>2021/9/30</a:t>
+              <a:t>2021/10/1</a:t>
             </a:fld>
             <a:endParaRPr lang="en-TW"/>
           </a:p>
@@ -2681,7 +2686,7 @@
           <a:p>
             <a:fld id="{FA72F50C-0205-344F-9362-2550D5A8C203}" type="datetimeFigureOut">
               <a:rPr lang="en-TW" smtClean="0"/>
-              <a:t>2021/9/30</a:t>
+              <a:t>2021/10/1</a:t>
             </a:fld>
             <a:endParaRPr lang="en-TW"/>
           </a:p>
@@ -2794,7 +2799,7 @@
           <a:p>
             <a:fld id="{FA72F50C-0205-344F-9362-2550D5A8C203}" type="datetimeFigureOut">
               <a:rPr lang="en-TW" smtClean="0"/>
-              <a:t>2021/9/30</a:t>
+              <a:t>2021/10/1</a:t>
             </a:fld>
             <a:endParaRPr lang="en-TW"/>
           </a:p>
@@ -3107,7 +3112,7 @@
           <a:p>
             <a:fld id="{FA72F50C-0205-344F-9362-2550D5A8C203}" type="datetimeFigureOut">
               <a:rPr lang="en-TW" smtClean="0"/>
-              <a:t>2021/9/30</a:t>
+              <a:t>2021/10/1</a:t>
             </a:fld>
             <a:endParaRPr lang="en-TW"/>
           </a:p>
@@ -3396,7 +3401,7 @@
           <a:p>
             <a:fld id="{FA72F50C-0205-344F-9362-2550D5A8C203}" type="datetimeFigureOut">
               <a:rPr lang="en-TW" smtClean="0"/>
-              <a:t>2021/9/30</a:t>
+              <a:t>2021/10/1</a:t>
             </a:fld>
             <a:endParaRPr lang="en-TW"/>
           </a:p>
@@ -3639,7 +3644,7 @@
           <a:p>
             <a:fld id="{FA72F50C-0205-344F-9362-2550D5A8C203}" type="datetimeFigureOut">
               <a:rPr lang="en-TW" smtClean="0"/>
-              <a:t>2021/9/30</a:t>
+              <a:t>2021/10/1</a:t>
             </a:fld>
             <a:endParaRPr lang="en-TW"/>
           </a:p>
@@ -4492,7 +4497,7 @@
               <a:effectLst/>
               <a:extLst>
                 <a:ext uri="{C572A759-6A51-4108-AA02-DFA0A04FC94B}">
-                  <ma14:wrappingTextBoxFlag xmlns:ma14="http://schemas.microsoft.com/office/mac/drawingml/2011/main" xmlns:a14="http://schemas.microsoft.com/office/drawing/2010/main" xmlns:m="http://schemas.openxmlformats.org/officeDocument/2006/math" xmlns="" val="1"/>
+                  <ma14:wrappingTextBoxFlag xmlns="" xmlns:m="http://schemas.openxmlformats.org/officeDocument/2006/math" xmlns:a14="http://schemas.microsoft.com/office/drawing/2010/main" xmlns:ma14="http://schemas.microsoft.com/office/mac/drawingml/2011/main" val="1"/>
                 </a:ext>
               </a:extLst>
             </p:spPr>
@@ -4682,7 +4687,7 @@
               <a:effectLst/>
               <a:extLst>
                 <a:ext uri="{C572A759-6A51-4108-AA02-DFA0A04FC94B}">
-                  <ma14:wrappingTextBoxFlag xmlns:ma14="http://schemas.microsoft.com/office/mac/drawingml/2011/main" xmlns:a14="http://schemas.microsoft.com/office/drawing/2010/main" xmlns:m="http://schemas.openxmlformats.org/officeDocument/2006/math" xmlns="" val="1"/>
+                  <ma14:wrappingTextBoxFlag xmlns="" xmlns:m="http://schemas.openxmlformats.org/officeDocument/2006/math" xmlns:a14="http://schemas.microsoft.com/office/drawing/2010/main" xmlns:ma14="http://schemas.microsoft.com/office/mac/drawingml/2011/main" val="1"/>
                 </a:ext>
               </a:extLst>
             </p:spPr>
@@ -4897,7 +4902,7 @@
               <a:effectLst/>
               <a:extLst>
                 <a:ext uri="{C572A759-6A51-4108-AA02-DFA0A04FC94B}">
-                  <ma14:wrappingTextBoxFlag xmlns:ma14="http://schemas.microsoft.com/office/mac/drawingml/2011/main" xmlns:a14="http://schemas.microsoft.com/office/drawing/2010/main" xmlns:m="http://schemas.openxmlformats.org/officeDocument/2006/math" xmlns="" val="1"/>
+                  <ma14:wrappingTextBoxFlag xmlns="" xmlns:m="http://schemas.openxmlformats.org/officeDocument/2006/math" xmlns:a14="http://schemas.microsoft.com/office/drawing/2010/main" xmlns:ma14="http://schemas.microsoft.com/office/mac/drawingml/2011/main" val="1"/>
                 </a:ext>
               </a:extLst>
             </p:spPr>
@@ -4967,6 +4972,613 @@
     <p:extLst>
       <p:ext uri="{BB962C8B-B14F-4D97-AF65-F5344CB8AC3E}">
         <p14:creationId xmlns:p14="http://schemas.microsoft.com/office/powerpoint/2010/main" val="1887739309"/>
+      </p:ext>
+    </p:extLst>
+  </p:cSld>
+  <p:clrMapOvr>
+    <a:masterClrMapping/>
+  </p:clrMapOvr>
+</p:sld>
+</file>
+
+<file path=ppt/slides/slide10.xml><?xml version="1.0" encoding="utf-8"?>
+<p:sld xmlns:a="http://schemas.openxmlformats.org/drawingml/2006/main" xmlns:r="http://schemas.openxmlformats.org/officeDocument/2006/relationships" xmlns:p="http://schemas.openxmlformats.org/presentationml/2006/main">
+  <p:cSld>
+    <p:spTree>
+      <p:nvGrpSpPr>
+        <p:cNvPr id="1" name=""/>
+        <p:cNvGrpSpPr/>
+        <p:nvPr/>
+      </p:nvGrpSpPr>
+      <p:grpSpPr>
+        <a:xfrm>
+          <a:off x="0" y="0"/>
+          <a:ext cx="0" cy="0"/>
+          <a:chOff x="0" y="0"/>
+          <a:chExt cx="0" cy="0"/>
+        </a:xfrm>
+      </p:grpSpPr>
+      <p:pic>
+        <p:nvPicPr>
+          <p:cNvPr id="3" name="Picture 2">
+            <a:extLst>
+              <a:ext uri="{FF2B5EF4-FFF2-40B4-BE49-F238E27FC236}">
+                <a16:creationId xmlns:a16="http://schemas.microsoft.com/office/drawing/2014/main" id="{D29D252E-1325-8448-A34C-2866DB4822FF}"/>
+              </a:ext>
+            </a:extLst>
+          </p:cNvPr>
+          <p:cNvPicPr>
+            <a:picLocks noChangeAspect="1"/>
+          </p:cNvPicPr>
+          <p:nvPr/>
+        </p:nvPicPr>
+        <p:blipFill>
+          <a:blip r:embed="rId2"/>
+          <a:stretch>
+            <a:fillRect/>
+          </a:stretch>
+        </p:blipFill>
+        <p:spPr>
+          <a:xfrm>
+            <a:off x="3094206" y="1026731"/>
+            <a:ext cx="6003587" cy="4655843"/>
+          </a:xfrm>
+          <a:prstGeom prst="rect">
+            <a:avLst/>
+          </a:prstGeom>
+        </p:spPr>
+      </p:pic>
+      <p:grpSp>
+        <p:nvGrpSpPr>
+          <p:cNvPr id="4" name="Group 3">
+            <a:extLst>
+              <a:ext uri="{FF2B5EF4-FFF2-40B4-BE49-F238E27FC236}">
+                <a16:creationId xmlns:a16="http://schemas.microsoft.com/office/drawing/2014/main" id="{713DDE03-391F-B04D-AB8E-50CA734826DE}"/>
+              </a:ext>
+            </a:extLst>
+          </p:cNvPr>
+          <p:cNvGrpSpPr>
+            <a:grpSpLocks noChangeAspect="1"/>
+          </p:cNvGrpSpPr>
+          <p:nvPr/>
+        </p:nvGrpSpPr>
+        <p:grpSpPr>
+          <a:xfrm>
+            <a:off x="2596857" y="5273093"/>
+            <a:ext cx="6998283" cy="1275458"/>
+            <a:chOff x="3360126" y="3971848"/>
+            <a:chExt cx="5764444" cy="1050587"/>
+          </a:xfrm>
+        </p:grpSpPr>
+        <p:grpSp>
+          <p:nvGrpSpPr>
+            <p:cNvPr id="5" name="Group 4">
+              <a:extLst>
+                <a:ext uri="{FF2B5EF4-FFF2-40B4-BE49-F238E27FC236}">
+                  <a16:creationId xmlns:a16="http://schemas.microsoft.com/office/drawing/2014/main" id="{1991E301-AF57-154D-837F-ED4A0378F051}"/>
+                </a:ext>
+              </a:extLst>
+            </p:cNvPr>
+            <p:cNvGrpSpPr/>
+            <p:nvPr/>
+          </p:nvGrpSpPr>
+          <p:grpSpPr>
+            <a:xfrm>
+              <a:off x="3360126" y="4324980"/>
+              <a:ext cx="2735874" cy="328935"/>
+              <a:chOff x="7237110" y="4273903"/>
+              <a:chExt cx="2735874" cy="328935"/>
+            </a:xfrm>
+          </p:grpSpPr>
+          <p:sp>
+            <p:nvSpPr>
+              <p:cNvPr id="10" name="Intelligent Information Retrieval Laboratory">
+                <a:extLst>
+                  <a:ext uri="{FF2B5EF4-FFF2-40B4-BE49-F238E27FC236}">
+                    <a16:creationId xmlns:a16="http://schemas.microsoft.com/office/drawing/2014/main" id="{8A63522A-4376-8D40-8F5C-EEB50C83D45E}"/>
+                  </a:ext>
+                </a:extLst>
+              </p:cNvPr>
+              <p:cNvSpPr txBox="1"/>
+              <p:nvPr/>
+            </p:nvSpPr>
+            <p:spPr>
+              <a:xfrm>
+                <a:off x="7237110" y="4273903"/>
+                <a:ext cx="2590800" cy="328935"/>
+              </a:xfrm>
+              <a:prstGeom prst="rect">
+                <a:avLst/>
+              </a:prstGeom>
+              <a:noFill/>
+              <a:ln w="12700" cap="flat">
+                <a:noFill/>
+                <a:miter lim="400000"/>
+              </a:ln>
+              <a:effectLst/>
+              <a:extLst>
+                <a:ext uri="{C572A759-6A51-4108-AA02-DFA0A04FC94B}">
+                  <ma14:wrappingTextBoxFlag xmlns:ma14="http://schemas.microsoft.com/office/mac/drawingml/2011/main" xmlns:a14="http://schemas.microsoft.com/office/drawing/2010/main" xmlns:m="http://schemas.openxmlformats.org/officeDocument/2006/math" xmlns="" val="1"/>
+                </a:ext>
+              </a:extLst>
+            </p:spPr>
+            <p:txBody>
+              <a:bodyPr wrap="square" lIns="71437" tIns="71437" rIns="71437" bIns="71437" numCol="1" anchor="ctr">
+                <a:spAutoFit/>
+              </a:bodyPr>
+              <a:lstStyle>
+                <a:lvl1pPr algn="l" defTabSz="821531">
+                  <a:defRPr sz="2400" b="0">
+                    <a:solidFill>
+                      <a:srgbClr val="FFFFFF"/>
+                    </a:solidFill>
+                    <a:latin typeface="Helvetica Neue Bold Condensed"/>
+                    <a:ea typeface="Helvetica Neue Bold Condensed"/>
+                    <a:cs typeface="Helvetica Neue Bold Condensed"/>
+                    <a:sym typeface="Helvetica Neue Bold Condensed"/>
+                  </a:defRPr>
+                </a:lvl1pPr>
+              </a:lstStyle>
+              <a:p>
+                <a:r>
+                  <a:rPr kumimoji="0" lang="zh-TW" altLang="en-US" sz="1050" b="0" i="0" u="none" strike="noStrike" cap="none" spc="0" normalizeH="0" baseline="0" dirty="0">
+                    <a:ln>
+                      <a:noFill/>
+                    </a:ln>
+                    <a:solidFill>
+                      <a:schemeClr val="tx1">
+                        <a:alpha val="15000"/>
+                      </a:schemeClr>
+                    </a:solidFill>
+                    <a:effectLst/>
+                    <a:uFillTx/>
+                    <a:latin typeface="Helvetica Neue Bold Condensed"/>
+                    <a:ea typeface="Helvetica Neue Bold Condensed"/>
+                    <a:cs typeface="Helvetica Neue Bold Condensed"/>
+                    <a:sym typeface="Helvetica Neue Bold Condensed"/>
+                  </a:rPr>
+                  <a:t>第</a:t>
+                </a:r>
+                <a:r>
+                  <a:rPr kumimoji="0" lang="en-US" altLang="zh-TW" sz="1050" b="0" i="0" u="none" strike="noStrike" cap="none" spc="0" normalizeH="0" baseline="0" dirty="0">
+                    <a:ln>
+                      <a:noFill/>
+                    </a:ln>
+                    <a:solidFill>
+                      <a:schemeClr val="tx1">
+                        <a:alpha val="15000"/>
+                      </a:schemeClr>
+                    </a:solidFill>
+                    <a:effectLst/>
+                    <a:uFillTx/>
+                    <a:latin typeface="Helvetica Neue Bold Condensed"/>
+                    <a:ea typeface="Helvetica Neue Bold Condensed"/>
+                    <a:cs typeface="Helvetica Neue Bold Condensed"/>
+                    <a:sym typeface="Helvetica Neue Bold Condensed"/>
+                  </a:rPr>
+                  <a:t>13</a:t>
+                </a:r>
+                <a:r>
+                  <a:rPr kumimoji="0" lang="zh-TW" altLang="en-US" sz="1050" b="0" i="0" u="none" strike="noStrike" cap="none" spc="0" normalizeH="0" baseline="0" dirty="0">
+                    <a:ln>
+                      <a:noFill/>
+                    </a:ln>
+                    <a:solidFill>
+                      <a:schemeClr val="tx1">
+                        <a:alpha val="15000"/>
+                      </a:schemeClr>
+                    </a:solidFill>
+                    <a:effectLst/>
+                    <a:uFillTx/>
+                    <a:latin typeface="Helvetica Neue Bold Condensed"/>
+                    <a:ea typeface="Helvetica Neue Bold Condensed"/>
+                    <a:cs typeface="Helvetica Neue Bold Condensed"/>
+                    <a:sym typeface="Helvetica Neue Bold Condensed"/>
+                  </a:rPr>
+                  <a:t>屆 </a:t>
+                </a:r>
+                <a:r>
+                  <a:rPr kumimoji="0" lang="en-US" sz="1200" b="0" i="0" u="none" strike="noStrike" cap="none" spc="0" normalizeH="0" baseline="0" dirty="0">
+                    <a:ln>
+                      <a:noFill/>
+                    </a:ln>
+                    <a:solidFill>
+                      <a:schemeClr val="tx1">
+                        <a:alpha val="15000"/>
+                      </a:schemeClr>
+                    </a:solidFill>
+                    <a:effectLst/>
+                    <a:uFillTx/>
+                    <a:latin typeface="Helvetica Neue Bold Condensed"/>
+                    <a:ea typeface="Helvetica Neue Bold Condensed"/>
+                    <a:cs typeface="Helvetica Neue Bold Condensed"/>
+                    <a:sym typeface="Helvetica Neue Bold Condensed"/>
+                  </a:rPr>
+                  <a:t>iT</a:t>
+                </a:r>
+                <a:r>
+                  <a:rPr kumimoji="0" lang="zh-TW" altLang="en-US" sz="1100" b="0" i="0" u="none" strike="noStrike" cap="none" spc="0" normalizeH="0" baseline="0" dirty="0">
+                    <a:ln>
+                      <a:noFill/>
+                    </a:ln>
+                    <a:solidFill>
+                      <a:schemeClr val="tx1">
+                        <a:alpha val="15000"/>
+                      </a:schemeClr>
+                    </a:solidFill>
+                    <a:effectLst/>
+                    <a:uFillTx/>
+                    <a:latin typeface="Helvetica Neue Bold Condensed"/>
+                    <a:ea typeface="Helvetica Neue Bold Condensed"/>
+                    <a:cs typeface="Helvetica Neue Bold Condensed"/>
+                    <a:sym typeface="Helvetica Neue Bold Condensed"/>
+                  </a:rPr>
+                  <a:t>邦</a:t>
+                </a:r>
+                <a:r>
+                  <a:rPr kumimoji="0" lang="zh-TW" altLang="en-US" sz="1000" b="0" i="0" u="none" strike="noStrike" cap="none" spc="0" normalizeH="0" baseline="0" dirty="0">
+                    <a:ln>
+                      <a:noFill/>
+                    </a:ln>
+                    <a:solidFill>
+                      <a:schemeClr val="tx1">
+                        <a:alpha val="15000"/>
+                      </a:schemeClr>
+                    </a:solidFill>
+                    <a:effectLst/>
+                    <a:uFillTx/>
+                    <a:latin typeface="Helvetica Neue Bold Condensed"/>
+                    <a:ea typeface="Helvetica Neue Bold Condensed"/>
+                    <a:cs typeface="Helvetica Neue Bold Condensed"/>
+                    <a:sym typeface="Helvetica Neue Bold Condensed"/>
+                  </a:rPr>
+                  <a:t>幫忙</a:t>
+                </a:r>
+                <a:r>
+                  <a:rPr kumimoji="0" lang="zh-TW" altLang="en-US" sz="1100" b="0" i="0" u="none" strike="noStrike" cap="none" spc="0" normalizeH="0" baseline="0" dirty="0">
+                    <a:ln>
+                      <a:noFill/>
+                    </a:ln>
+                    <a:solidFill>
+                      <a:schemeClr val="tx1">
+                        <a:alpha val="15000"/>
+                      </a:schemeClr>
+                    </a:solidFill>
+                    <a:effectLst/>
+                    <a:uFillTx/>
+                    <a:latin typeface="Helvetica Neue Bold Condensed"/>
+                    <a:ea typeface="Helvetica Neue Bold Condensed"/>
+                    <a:cs typeface="Helvetica Neue Bold Condensed"/>
+                    <a:sym typeface="Helvetica Neue Bold Condensed"/>
+                  </a:rPr>
+                  <a:t> 鐵人賽</a:t>
+                </a:r>
+                <a:endParaRPr sz="1100" dirty="0">
+                  <a:solidFill>
+                    <a:schemeClr val="tx1">
+                      <a:alpha val="15000"/>
+                    </a:schemeClr>
+                  </a:solidFill>
+                </a:endParaRPr>
+              </a:p>
+            </p:txBody>
+          </p:sp>
+          <p:sp>
+            <p:nvSpPr>
+              <p:cNvPr id="11" name="Intelligent Information Retrieval Laboratory">
+                <a:extLst>
+                  <a:ext uri="{FF2B5EF4-FFF2-40B4-BE49-F238E27FC236}">
+                    <a16:creationId xmlns:a16="http://schemas.microsoft.com/office/drawing/2014/main" id="{C6C8E499-D762-4C47-9A15-2CC1C23A5BEC}"/>
+                  </a:ext>
+                </a:extLst>
+              </p:cNvPr>
+              <p:cNvSpPr txBox="1"/>
+              <p:nvPr/>
+            </p:nvSpPr>
+            <p:spPr>
+              <a:xfrm>
+                <a:off x="8753784" y="4289292"/>
+                <a:ext cx="1219200" cy="313546"/>
+              </a:xfrm>
+              <a:prstGeom prst="rect">
+                <a:avLst/>
+              </a:prstGeom>
+              <a:noFill/>
+              <a:ln w="12700" cap="flat">
+                <a:noFill/>
+                <a:miter lim="400000"/>
+              </a:ln>
+              <a:effectLst/>
+              <a:extLst>
+                <a:ext uri="{C572A759-6A51-4108-AA02-DFA0A04FC94B}">
+                  <ma14:wrappingTextBoxFlag xmlns:ma14="http://schemas.microsoft.com/office/mac/drawingml/2011/main" xmlns:a14="http://schemas.microsoft.com/office/drawing/2010/main" xmlns:m="http://schemas.openxmlformats.org/officeDocument/2006/math" xmlns="" val="1"/>
+                </a:ext>
+              </a:extLst>
+            </p:spPr>
+            <p:txBody>
+              <a:bodyPr wrap="square" lIns="71437" tIns="71437" rIns="71437" bIns="71437" numCol="1" anchor="ctr">
+                <a:spAutoFit/>
+              </a:bodyPr>
+              <a:lstStyle>
+                <a:lvl1pPr algn="l" defTabSz="821531">
+                  <a:defRPr sz="2400" b="0">
+                    <a:solidFill>
+                      <a:srgbClr val="FFFFFF"/>
+                    </a:solidFill>
+                    <a:latin typeface="Helvetica Neue Bold Condensed"/>
+                    <a:ea typeface="Helvetica Neue Bold Condensed"/>
+                    <a:cs typeface="Helvetica Neue Bold Condensed"/>
+                    <a:sym typeface="Helvetica Neue Bold Condensed"/>
+                  </a:defRPr>
+                </a:lvl1pPr>
+              </a:lstStyle>
+              <a:p>
+                <a:r>
+                  <a:rPr kumimoji="0" lang="en-US" altLang="zh-TW" sz="1050" b="0" i="0" u="none" strike="noStrike" cap="none" spc="0" normalizeH="0" baseline="0" dirty="0">
+                    <a:ln>
+                      <a:noFill/>
+                    </a:ln>
+                    <a:solidFill>
+                      <a:schemeClr val="tx1">
+                        <a:alpha val="15000"/>
+                      </a:schemeClr>
+                    </a:solidFill>
+                    <a:effectLst/>
+                    <a:uFillTx/>
+                    <a:latin typeface="Helvetica Neue Bold Condensed"/>
+                    <a:ea typeface="Helvetica Neue Bold Condensed"/>
+                    <a:cs typeface="Helvetica Neue Bold Condensed"/>
+                    <a:sym typeface="Helvetica Neue Bold Condensed"/>
+                  </a:rPr>
+                  <a:t>AI &amp; Data </a:t>
+                </a:r>
+                <a:r>
+                  <a:rPr kumimoji="0" lang="zh-TW" altLang="en-US" sz="1050" b="0" i="0" u="none" strike="noStrike" cap="none" spc="0" normalizeH="0" baseline="0" dirty="0">
+                    <a:ln>
+                      <a:noFill/>
+                    </a:ln>
+                    <a:solidFill>
+                      <a:schemeClr val="tx1">
+                        <a:alpha val="15000"/>
+                      </a:schemeClr>
+                    </a:solidFill>
+                    <a:effectLst/>
+                    <a:uFillTx/>
+                    <a:latin typeface="Helvetica Neue Bold Condensed"/>
+                    <a:ea typeface="Helvetica Neue Bold Condensed"/>
+                    <a:cs typeface="Helvetica Neue Bold Condensed"/>
+                    <a:sym typeface="Helvetica Neue Bold Condensed"/>
+                  </a:rPr>
+                  <a:t>組</a:t>
+                </a:r>
+                <a:endParaRPr sz="1100" dirty="0">
+                  <a:solidFill>
+                    <a:schemeClr val="tx1">
+                      <a:alpha val="15000"/>
+                    </a:schemeClr>
+                  </a:solidFill>
+                </a:endParaRPr>
+              </a:p>
+            </p:txBody>
+          </p:sp>
+        </p:grpSp>
+        <p:grpSp>
+          <p:nvGrpSpPr>
+            <p:cNvPr id="6" name="Group 5">
+              <a:extLst>
+                <a:ext uri="{FF2B5EF4-FFF2-40B4-BE49-F238E27FC236}">
+                  <a16:creationId xmlns:a16="http://schemas.microsoft.com/office/drawing/2014/main" id="{1C720042-034E-4545-B12C-9324560D7DDE}"/>
+                </a:ext>
+              </a:extLst>
+            </p:cNvPr>
+            <p:cNvGrpSpPr/>
+            <p:nvPr/>
+          </p:nvGrpSpPr>
+          <p:grpSpPr>
+            <a:xfrm>
+              <a:off x="7247835" y="3971848"/>
+              <a:ext cx="1876735" cy="1050587"/>
+              <a:chOff x="3891792" y="3940042"/>
+              <a:chExt cx="1876735" cy="1050587"/>
+            </a:xfrm>
+          </p:grpSpPr>
+          <p:pic>
+            <p:nvPicPr>
+              <p:cNvPr id="7" name="Picture 6">
+                <a:extLst>
+                  <a:ext uri="{FF2B5EF4-FFF2-40B4-BE49-F238E27FC236}">
+                    <a16:creationId xmlns:a16="http://schemas.microsoft.com/office/drawing/2014/main" id="{A72DAEB9-B992-6E40-9114-F82BF4580C85}"/>
+                  </a:ext>
+                </a:extLst>
+              </p:cNvPr>
+              <p:cNvPicPr>
+                <a:picLocks noChangeAspect="1" noChangeArrowheads="1"/>
+              </p:cNvPicPr>
+              <p:nvPr/>
+            </p:nvPicPr>
+            <p:blipFill>
+              <a:blip r:embed="rId3">
+                <a:duotone>
+                  <a:prstClr val="black"/>
+                  <a:schemeClr val="tx1">
+                    <a:tint val="45000"/>
+                    <a:satMod val="400000"/>
+                  </a:schemeClr>
+                </a:duotone>
+                <a:alphaModFix amt="20000"/>
+              </a:blip>
+              <a:srcRect/>
+              <a:stretch/>
+            </p:blipFill>
+            <p:spPr bwMode="auto">
+              <a:xfrm>
+                <a:off x="4489805" y="3940042"/>
+                <a:ext cx="1050587" cy="1050587"/>
+              </a:xfrm>
+              <a:prstGeom prst="rect">
+                <a:avLst/>
+              </a:prstGeom>
+              <a:noFill/>
+              <a:extLst>
+                <a:ext uri="{909E8E84-426E-40DD-AFC4-6F175D3DCCD1}">
+                  <a14:hiddenFill xmlns:a14="http://schemas.microsoft.com/office/drawing/2010/main">
+                    <a:solidFill>
+                      <a:srgbClr val="FFFFFF"/>
+                    </a:solidFill>
+                  </a14:hiddenFill>
+                </a:ext>
+              </a:extLst>
+            </p:spPr>
+          </p:pic>
+          <p:pic>
+            <p:nvPicPr>
+              <p:cNvPr id="8" name="Picture 4" descr="Youtube logo | Logok">
+                <a:extLst>
+                  <a:ext uri="{FF2B5EF4-FFF2-40B4-BE49-F238E27FC236}">
+                    <a16:creationId xmlns:a16="http://schemas.microsoft.com/office/drawing/2014/main" id="{9724A848-76ED-8D42-A797-6523F44F3907}"/>
+                  </a:ext>
+                </a:extLst>
+              </p:cNvPr>
+              <p:cNvPicPr>
+                <a:picLocks noChangeAspect="1" noChangeArrowheads="1"/>
+              </p:cNvPicPr>
+              <p:nvPr/>
+            </p:nvPicPr>
+            <p:blipFill>
+              <a:blip r:embed="rId4">
+                <a:alphaModFix amt="20000"/>
+                <a:extLst>
+                  <a:ext uri="{28A0092B-C50C-407E-A947-70E740481C1C}">
+                    <a14:useLocalDpi xmlns:a14="http://schemas.microsoft.com/office/drawing/2010/main" val="0"/>
+                  </a:ext>
+                </a:extLst>
+              </a:blip>
+              <a:srcRect/>
+              <a:stretch>
+                <a:fillRect/>
+              </a:stretch>
+            </p:blipFill>
+            <p:spPr bwMode="auto">
+              <a:xfrm>
+                <a:off x="3891792" y="4187926"/>
+                <a:ext cx="739756" cy="554817"/>
+              </a:xfrm>
+              <a:prstGeom prst="rect">
+                <a:avLst/>
+              </a:prstGeom>
+              <a:noFill/>
+              <a:extLst>
+                <a:ext uri="{909E8E84-426E-40DD-AFC4-6F175D3DCCD1}">
+                  <a14:hiddenFill xmlns:a14="http://schemas.microsoft.com/office/drawing/2010/main">
+                    <a:solidFill>
+                      <a:srgbClr val="FFFFFF"/>
+                    </a:solidFill>
+                  </a14:hiddenFill>
+                </a:ext>
+              </a:extLst>
+            </p:spPr>
+          </p:pic>
+          <p:sp>
+            <p:nvSpPr>
+              <p:cNvPr id="9" name="Intelligent Information Retrieval Laboratory">
+                <a:extLst>
+                  <a:ext uri="{FF2B5EF4-FFF2-40B4-BE49-F238E27FC236}">
+                    <a16:creationId xmlns:a16="http://schemas.microsoft.com/office/drawing/2014/main" id="{D3FC04D1-9B12-BF4C-8F54-7F78BBF78CB1}"/>
+                  </a:ext>
+                </a:extLst>
+              </p:cNvPr>
+              <p:cNvSpPr txBox="1"/>
+              <p:nvPr/>
+            </p:nvSpPr>
+            <p:spPr>
+              <a:xfrm>
+                <a:off x="4549327" y="4308601"/>
+                <a:ext cx="1219200" cy="328935"/>
+              </a:xfrm>
+              <a:prstGeom prst="rect">
+                <a:avLst/>
+              </a:prstGeom>
+              <a:noFill/>
+              <a:ln w="12700" cap="flat">
+                <a:noFill/>
+                <a:miter lim="400000"/>
+              </a:ln>
+              <a:effectLst/>
+              <a:extLst>
+                <a:ext uri="{C572A759-6A51-4108-AA02-DFA0A04FC94B}">
+                  <ma14:wrappingTextBoxFlag xmlns:ma14="http://schemas.microsoft.com/office/mac/drawingml/2011/main" xmlns:a14="http://schemas.microsoft.com/office/drawing/2010/main" xmlns:m="http://schemas.openxmlformats.org/officeDocument/2006/math" xmlns="" val="1"/>
+                </a:ext>
+              </a:extLst>
+            </p:spPr>
+            <p:txBody>
+              <a:bodyPr wrap="square" lIns="71437" tIns="71437" rIns="71437" bIns="71437" numCol="1" anchor="ctr">
+                <a:spAutoFit/>
+              </a:bodyPr>
+              <a:lstStyle>
+                <a:lvl1pPr algn="l" defTabSz="821531">
+                  <a:defRPr sz="2400" b="0">
+                    <a:solidFill>
+                      <a:srgbClr val="FFFFFF"/>
+                    </a:solidFill>
+                    <a:latin typeface="Helvetica Neue Bold Condensed"/>
+                    <a:ea typeface="Helvetica Neue Bold Condensed"/>
+                    <a:cs typeface="Helvetica Neue Bold Condensed"/>
+                    <a:sym typeface="Helvetica Neue Bold Condensed"/>
+                  </a:defRPr>
+                </a:lvl1pPr>
+              </a:lstStyle>
+              <a:p>
+                <a:r>
+                  <a:rPr kumimoji="0" lang="en-US" altLang="zh-TW" sz="1200" b="0" i="0" u="none" strike="noStrike" cap="none" spc="0" normalizeH="0" baseline="0" dirty="0">
+                    <a:ln>
+                      <a:noFill/>
+                    </a:ln>
+                    <a:solidFill>
+                      <a:schemeClr val="tx1">
+                        <a:alpha val="15000"/>
+                      </a:schemeClr>
+                    </a:solidFill>
+                    <a:effectLst/>
+                    <a:uFillTx/>
+                    <a:latin typeface="Helvetica Neue Bold Condensed"/>
+                    <a:ea typeface="Helvetica Neue Bold Condensed"/>
+                    <a:cs typeface="Helvetica Neue Bold Condensed"/>
+                    <a:sym typeface="Helvetica Neue Bold Condensed"/>
+                  </a:rPr>
+                  <a:t>10</a:t>
+                </a:r>
+                <a:r>
+                  <a:rPr kumimoji="0" lang="zh-TW" altLang="en-US" sz="1200" b="0" i="0" u="none" strike="noStrike" cap="none" spc="0" normalizeH="0" baseline="0" dirty="0">
+                    <a:ln>
+                      <a:noFill/>
+                    </a:ln>
+                    <a:solidFill>
+                      <a:schemeClr val="tx1">
+                        <a:alpha val="15000"/>
+                      </a:schemeClr>
+                    </a:solidFill>
+                    <a:effectLst/>
+                    <a:uFillTx/>
+                    <a:sym typeface="Helvetica Neue Bold Condensed"/>
+                  </a:rPr>
+                  <a:t>程式中</a:t>
+                </a:r>
+                <a:endParaRPr sz="1400" dirty="0">
+                  <a:solidFill>
+                    <a:schemeClr val="tx1">
+                      <a:alpha val="15000"/>
+                    </a:schemeClr>
+                  </a:solidFill>
+                </a:endParaRPr>
+              </a:p>
+            </p:txBody>
+          </p:sp>
+        </p:grpSp>
+      </p:grpSp>
+    </p:spTree>
+    <p:extLst>
+      <p:ext uri="{BB962C8B-B14F-4D97-AF65-F5344CB8AC3E}">
+        <p14:creationId xmlns:p14="http://schemas.microsoft.com/office/powerpoint/2010/main" val="4241338787"/>
       </p:ext>
     </p:extLst>
   </p:cSld>
@@ -5181,7 +5793,7 @@
               <a:effectLst/>
               <a:extLst>
                 <a:ext uri="{C572A759-6A51-4108-AA02-DFA0A04FC94B}">
-                  <ma14:wrappingTextBoxFlag xmlns:ma14="http://schemas.microsoft.com/office/mac/drawingml/2011/main" xmlns:a14="http://schemas.microsoft.com/office/drawing/2010/main" xmlns:m="http://schemas.openxmlformats.org/officeDocument/2006/math" xmlns="" val="1"/>
+                  <ma14:wrappingTextBoxFlag xmlns="" xmlns:m="http://schemas.openxmlformats.org/officeDocument/2006/math" xmlns:a14="http://schemas.microsoft.com/office/drawing/2010/main" xmlns:ma14="http://schemas.microsoft.com/office/mac/drawingml/2011/main" val="1"/>
                 </a:ext>
               </a:extLst>
             </p:spPr>
@@ -5371,7 +5983,7 @@
               <a:effectLst/>
               <a:extLst>
                 <a:ext uri="{C572A759-6A51-4108-AA02-DFA0A04FC94B}">
-                  <ma14:wrappingTextBoxFlag xmlns:ma14="http://schemas.microsoft.com/office/mac/drawingml/2011/main" xmlns:a14="http://schemas.microsoft.com/office/drawing/2010/main" xmlns:m="http://schemas.openxmlformats.org/officeDocument/2006/math" xmlns="" val="1"/>
+                  <ma14:wrappingTextBoxFlag xmlns="" xmlns:m="http://schemas.openxmlformats.org/officeDocument/2006/math" xmlns:a14="http://schemas.microsoft.com/office/drawing/2010/main" xmlns:ma14="http://schemas.microsoft.com/office/mac/drawingml/2011/main" val="1"/>
                 </a:ext>
               </a:extLst>
             </p:spPr>
@@ -5586,7 +6198,7 @@
               <a:effectLst/>
               <a:extLst>
                 <a:ext uri="{C572A759-6A51-4108-AA02-DFA0A04FC94B}">
-                  <ma14:wrappingTextBoxFlag xmlns:ma14="http://schemas.microsoft.com/office/mac/drawingml/2011/main" xmlns:a14="http://schemas.microsoft.com/office/drawing/2010/main" xmlns:m="http://schemas.openxmlformats.org/officeDocument/2006/math" xmlns="" val="1"/>
+                  <ma14:wrappingTextBoxFlag xmlns="" xmlns:m="http://schemas.openxmlformats.org/officeDocument/2006/math" xmlns:a14="http://schemas.microsoft.com/office/drawing/2010/main" xmlns:ma14="http://schemas.microsoft.com/office/mac/drawingml/2011/main" val="1"/>
                 </a:ext>
               </a:extLst>
             </p:spPr>
@@ -7084,6 +7696,2615 @@
 </p:sld>
 </file>
 
+<file path=ppt/slides/slide6.xml><?xml version="1.0" encoding="utf-8"?>
+<p:sld xmlns:a="http://schemas.openxmlformats.org/drawingml/2006/main" xmlns:r="http://schemas.openxmlformats.org/officeDocument/2006/relationships" xmlns:p="http://schemas.openxmlformats.org/presentationml/2006/main">
+  <p:cSld>
+    <p:spTree>
+      <p:nvGrpSpPr>
+        <p:cNvPr id="1" name=""/>
+        <p:cNvGrpSpPr/>
+        <p:nvPr/>
+      </p:nvGrpSpPr>
+      <p:grpSpPr>
+        <a:xfrm>
+          <a:off x="0" y="0"/>
+          <a:ext cx="0" cy="0"/>
+          <a:chOff x="0" y="0"/>
+          <a:chExt cx="0" cy="0"/>
+        </a:xfrm>
+      </p:grpSpPr>
+      <p:pic>
+        <p:nvPicPr>
+          <p:cNvPr id="5" name="Picture 4">
+            <a:extLst>
+              <a:ext uri="{FF2B5EF4-FFF2-40B4-BE49-F238E27FC236}">
+                <a16:creationId xmlns:a16="http://schemas.microsoft.com/office/drawing/2014/main" id="{2BA19D33-877B-0B4A-B4A3-EE3656F08594}"/>
+              </a:ext>
+            </a:extLst>
+          </p:cNvPr>
+          <p:cNvPicPr>
+            <a:picLocks noChangeAspect="1"/>
+          </p:cNvPicPr>
+          <p:nvPr/>
+        </p:nvPicPr>
+        <p:blipFill>
+          <a:blip r:embed="rId2"/>
+          <a:stretch>
+            <a:fillRect/>
+          </a:stretch>
+        </p:blipFill>
+        <p:spPr>
+          <a:xfrm>
+            <a:off x="2463264" y="2178458"/>
+            <a:ext cx="7265472" cy="2501084"/>
+          </a:xfrm>
+          <a:prstGeom prst="rect">
+            <a:avLst/>
+          </a:prstGeom>
+        </p:spPr>
+      </p:pic>
+      <p:grpSp>
+        <p:nvGrpSpPr>
+          <p:cNvPr id="6" name="Group 5">
+            <a:extLst>
+              <a:ext uri="{FF2B5EF4-FFF2-40B4-BE49-F238E27FC236}">
+                <a16:creationId xmlns:a16="http://schemas.microsoft.com/office/drawing/2014/main" id="{FA8AE75F-63C5-BF44-AD9C-F034EEF480AF}"/>
+              </a:ext>
+            </a:extLst>
+          </p:cNvPr>
+          <p:cNvGrpSpPr>
+            <a:grpSpLocks noChangeAspect="1"/>
+          </p:cNvGrpSpPr>
+          <p:nvPr/>
+        </p:nvGrpSpPr>
+        <p:grpSpPr>
+          <a:xfrm>
+            <a:off x="2463264" y="4282399"/>
+            <a:ext cx="7509974" cy="1368715"/>
+            <a:chOff x="3360126" y="3971848"/>
+            <a:chExt cx="5764444" cy="1050587"/>
+          </a:xfrm>
+        </p:grpSpPr>
+        <p:grpSp>
+          <p:nvGrpSpPr>
+            <p:cNvPr id="7" name="Group 6">
+              <a:extLst>
+                <a:ext uri="{FF2B5EF4-FFF2-40B4-BE49-F238E27FC236}">
+                  <a16:creationId xmlns:a16="http://schemas.microsoft.com/office/drawing/2014/main" id="{5911B34A-D421-B842-B7A6-BEB20774BAE0}"/>
+                </a:ext>
+              </a:extLst>
+            </p:cNvPr>
+            <p:cNvGrpSpPr/>
+            <p:nvPr/>
+          </p:nvGrpSpPr>
+          <p:grpSpPr>
+            <a:xfrm>
+              <a:off x="3360126" y="4351394"/>
+              <a:ext cx="2735874" cy="284312"/>
+              <a:chOff x="7237110" y="4300317"/>
+              <a:chExt cx="2735874" cy="284312"/>
+            </a:xfrm>
+          </p:grpSpPr>
+          <p:sp>
+            <p:nvSpPr>
+              <p:cNvPr id="12" name="Intelligent Information Retrieval Laboratory">
+                <a:extLst>
+                  <a:ext uri="{FF2B5EF4-FFF2-40B4-BE49-F238E27FC236}">
+                    <a16:creationId xmlns:a16="http://schemas.microsoft.com/office/drawing/2014/main" id="{682A458E-E37F-ED40-A87E-7C7965A0D49A}"/>
+                  </a:ext>
+                </a:extLst>
+              </p:cNvPr>
+              <p:cNvSpPr txBox="1"/>
+              <p:nvPr/>
+            </p:nvSpPr>
+            <p:spPr>
+              <a:xfrm>
+                <a:off x="7237110" y="4300317"/>
+                <a:ext cx="2590800" cy="276106"/>
+              </a:xfrm>
+              <a:prstGeom prst="rect">
+                <a:avLst/>
+              </a:prstGeom>
+              <a:noFill/>
+              <a:ln w="12700" cap="flat">
+                <a:noFill/>
+                <a:miter lim="400000"/>
+              </a:ln>
+              <a:effectLst/>
+              <a:extLst>
+                <a:ext uri="{C572A759-6A51-4108-AA02-DFA0A04FC94B}">
+                  <ma14:wrappingTextBoxFlag xmlns="" xmlns:m="http://schemas.openxmlformats.org/officeDocument/2006/math" xmlns:a14="http://schemas.microsoft.com/office/drawing/2010/main" xmlns:ma14="http://schemas.microsoft.com/office/mac/drawingml/2011/main" val="1"/>
+                </a:ext>
+              </a:extLst>
+            </p:spPr>
+            <p:txBody>
+              <a:bodyPr wrap="square" lIns="71437" tIns="71437" rIns="71437" bIns="71437" numCol="1" anchor="ctr">
+                <a:spAutoFit/>
+              </a:bodyPr>
+              <a:lstStyle>
+                <a:lvl1pPr algn="l" defTabSz="821531">
+                  <a:defRPr sz="2400" b="0">
+                    <a:solidFill>
+                      <a:srgbClr val="FFFFFF"/>
+                    </a:solidFill>
+                    <a:latin typeface="Helvetica Neue Bold Condensed"/>
+                    <a:ea typeface="Helvetica Neue Bold Condensed"/>
+                    <a:cs typeface="Helvetica Neue Bold Condensed"/>
+                    <a:sym typeface="Helvetica Neue Bold Condensed"/>
+                  </a:defRPr>
+                </a:lvl1pPr>
+              </a:lstStyle>
+              <a:p>
+                <a:r>
+                  <a:rPr kumimoji="0" lang="zh-TW" altLang="en-US" sz="1050" b="0" i="0" u="none" strike="noStrike" cap="none" spc="0" normalizeH="0" baseline="0" dirty="0">
+                    <a:ln>
+                      <a:noFill/>
+                    </a:ln>
+                    <a:solidFill>
+                      <a:schemeClr val="tx1">
+                        <a:alpha val="15000"/>
+                      </a:schemeClr>
+                    </a:solidFill>
+                    <a:effectLst/>
+                    <a:uFillTx/>
+                    <a:latin typeface="Helvetica Neue Bold Condensed"/>
+                    <a:ea typeface="Helvetica Neue Bold Condensed"/>
+                    <a:cs typeface="Helvetica Neue Bold Condensed"/>
+                    <a:sym typeface="Helvetica Neue Bold Condensed"/>
+                  </a:rPr>
+                  <a:t>第</a:t>
+                </a:r>
+                <a:r>
+                  <a:rPr kumimoji="0" lang="en-US" altLang="zh-TW" sz="1050" b="0" i="0" u="none" strike="noStrike" cap="none" spc="0" normalizeH="0" baseline="0" dirty="0">
+                    <a:ln>
+                      <a:noFill/>
+                    </a:ln>
+                    <a:solidFill>
+                      <a:schemeClr val="tx1">
+                        <a:alpha val="15000"/>
+                      </a:schemeClr>
+                    </a:solidFill>
+                    <a:effectLst/>
+                    <a:uFillTx/>
+                    <a:latin typeface="Helvetica Neue Bold Condensed"/>
+                    <a:ea typeface="Helvetica Neue Bold Condensed"/>
+                    <a:cs typeface="Helvetica Neue Bold Condensed"/>
+                    <a:sym typeface="Helvetica Neue Bold Condensed"/>
+                  </a:rPr>
+                  <a:t>13</a:t>
+                </a:r>
+                <a:r>
+                  <a:rPr kumimoji="0" lang="zh-TW" altLang="en-US" sz="1050" b="0" i="0" u="none" strike="noStrike" cap="none" spc="0" normalizeH="0" baseline="0" dirty="0">
+                    <a:ln>
+                      <a:noFill/>
+                    </a:ln>
+                    <a:solidFill>
+                      <a:schemeClr val="tx1">
+                        <a:alpha val="15000"/>
+                      </a:schemeClr>
+                    </a:solidFill>
+                    <a:effectLst/>
+                    <a:uFillTx/>
+                    <a:latin typeface="Helvetica Neue Bold Condensed"/>
+                    <a:ea typeface="Helvetica Neue Bold Condensed"/>
+                    <a:cs typeface="Helvetica Neue Bold Condensed"/>
+                    <a:sym typeface="Helvetica Neue Bold Condensed"/>
+                  </a:rPr>
+                  <a:t>屆 </a:t>
+                </a:r>
+                <a:r>
+                  <a:rPr kumimoji="0" lang="en-US" sz="1400" b="0" i="0" u="none" strike="noStrike" cap="none" spc="0" normalizeH="0" baseline="0" dirty="0">
+                    <a:ln>
+                      <a:noFill/>
+                    </a:ln>
+                    <a:solidFill>
+                      <a:schemeClr val="tx1">
+                        <a:alpha val="15000"/>
+                      </a:schemeClr>
+                    </a:solidFill>
+                    <a:effectLst/>
+                    <a:uFillTx/>
+                    <a:latin typeface="Helvetica Neue Bold Condensed"/>
+                    <a:ea typeface="Helvetica Neue Bold Condensed"/>
+                    <a:cs typeface="Helvetica Neue Bold Condensed"/>
+                    <a:sym typeface="Helvetica Neue Bold Condensed"/>
+                  </a:rPr>
+                  <a:t>iT</a:t>
+                </a:r>
+                <a:r>
+                  <a:rPr kumimoji="0" lang="zh-TW" altLang="en-US" sz="1200" b="0" i="0" u="none" strike="noStrike" cap="none" spc="0" normalizeH="0" baseline="0" dirty="0">
+                    <a:ln>
+                      <a:noFill/>
+                    </a:ln>
+                    <a:solidFill>
+                      <a:schemeClr val="tx1">
+                        <a:alpha val="15000"/>
+                      </a:schemeClr>
+                    </a:solidFill>
+                    <a:effectLst/>
+                    <a:uFillTx/>
+                    <a:latin typeface="Helvetica Neue Bold Condensed"/>
+                    <a:ea typeface="Helvetica Neue Bold Condensed"/>
+                    <a:cs typeface="Helvetica Neue Bold Condensed"/>
+                    <a:sym typeface="Helvetica Neue Bold Condensed"/>
+                  </a:rPr>
+                  <a:t>邦</a:t>
+                </a:r>
+                <a:r>
+                  <a:rPr kumimoji="0" lang="zh-TW" altLang="en-US" sz="1050" b="0" i="0" u="none" strike="noStrike" cap="none" spc="0" normalizeH="0" baseline="0" dirty="0">
+                    <a:ln>
+                      <a:noFill/>
+                    </a:ln>
+                    <a:solidFill>
+                      <a:schemeClr val="tx1">
+                        <a:alpha val="15000"/>
+                      </a:schemeClr>
+                    </a:solidFill>
+                    <a:effectLst/>
+                    <a:uFillTx/>
+                    <a:latin typeface="Helvetica Neue Bold Condensed"/>
+                    <a:ea typeface="Helvetica Neue Bold Condensed"/>
+                    <a:cs typeface="Helvetica Neue Bold Condensed"/>
+                    <a:sym typeface="Helvetica Neue Bold Condensed"/>
+                  </a:rPr>
+                  <a:t>幫忙</a:t>
+                </a:r>
+                <a:r>
+                  <a:rPr kumimoji="0" lang="zh-TW" altLang="en-US" sz="1200" b="0" i="0" u="none" strike="noStrike" cap="none" spc="0" normalizeH="0" baseline="0" dirty="0">
+                    <a:ln>
+                      <a:noFill/>
+                    </a:ln>
+                    <a:solidFill>
+                      <a:schemeClr val="tx1">
+                        <a:alpha val="15000"/>
+                      </a:schemeClr>
+                    </a:solidFill>
+                    <a:effectLst/>
+                    <a:uFillTx/>
+                    <a:sym typeface="Helvetica Neue Bold Condensed"/>
+                  </a:rPr>
+                  <a:t> 鐵人賽</a:t>
+                </a:r>
+                <a:endParaRPr sz="1200" dirty="0">
+                  <a:solidFill>
+                    <a:schemeClr val="tx1">
+                      <a:alpha val="15000"/>
+                    </a:schemeClr>
+                  </a:solidFill>
+                </a:endParaRPr>
+              </a:p>
+            </p:txBody>
+          </p:sp>
+          <p:sp>
+            <p:nvSpPr>
+              <p:cNvPr id="13" name="Intelligent Information Retrieval Laboratory">
+                <a:extLst>
+                  <a:ext uri="{FF2B5EF4-FFF2-40B4-BE49-F238E27FC236}">
+                    <a16:creationId xmlns:a16="http://schemas.microsoft.com/office/drawing/2014/main" id="{3DCE692B-CE33-6544-A200-84058FAE1E46}"/>
+                  </a:ext>
+                </a:extLst>
+              </p:cNvPr>
+              <p:cNvSpPr txBox="1"/>
+              <p:nvPr/>
+            </p:nvSpPr>
+            <p:spPr>
+              <a:xfrm>
+                <a:off x="8753784" y="4343960"/>
+                <a:ext cx="1219200" cy="240669"/>
+              </a:xfrm>
+              <a:prstGeom prst="rect">
+                <a:avLst/>
+              </a:prstGeom>
+              <a:noFill/>
+              <a:ln w="12700" cap="flat">
+                <a:noFill/>
+                <a:miter lim="400000"/>
+              </a:ln>
+              <a:effectLst/>
+              <a:extLst>
+                <a:ext uri="{C572A759-6A51-4108-AA02-DFA0A04FC94B}">
+                  <ma14:wrappingTextBoxFlag xmlns="" xmlns:m="http://schemas.openxmlformats.org/officeDocument/2006/math" xmlns:a14="http://schemas.microsoft.com/office/drawing/2010/main" xmlns:ma14="http://schemas.microsoft.com/office/mac/drawingml/2011/main" val="1"/>
+                </a:ext>
+              </a:extLst>
+            </p:spPr>
+            <p:txBody>
+              <a:bodyPr wrap="square" lIns="71437" tIns="71437" rIns="71437" bIns="71437" numCol="1" anchor="ctr">
+                <a:spAutoFit/>
+              </a:bodyPr>
+              <a:lstStyle>
+                <a:lvl1pPr algn="l" defTabSz="821531">
+                  <a:defRPr sz="2400" b="0">
+                    <a:solidFill>
+                      <a:srgbClr val="FFFFFF"/>
+                    </a:solidFill>
+                    <a:latin typeface="Helvetica Neue Bold Condensed"/>
+                    <a:ea typeface="Helvetica Neue Bold Condensed"/>
+                    <a:cs typeface="Helvetica Neue Bold Condensed"/>
+                    <a:sym typeface="Helvetica Neue Bold Condensed"/>
+                  </a:defRPr>
+                </a:lvl1pPr>
+              </a:lstStyle>
+              <a:p>
+                <a:r>
+                  <a:rPr kumimoji="0" lang="en-US" altLang="zh-TW" sz="1100" b="0" i="0" u="none" strike="noStrike" cap="none" spc="0" normalizeH="0" baseline="0" dirty="0">
+                    <a:ln>
+                      <a:noFill/>
+                    </a:ln>
+                    <a:solidFill>
+                      <a:schemeClr val="tx1">
+                        <a:alpha val="15000"/>
+                      </a:schemeClr>
+                    </a:solidFill>
+                    <a:effectLst/>
+                    <a:uFillTx/>
+                    <a:latin typeface="Helvetica Neue Bold Condensed"/>
+                    <a:ea typeface="Helvetica Neue Bold Condensed"/>
+                    <a:cs typeface="Helvetica Neue Bold Condensed"/>
+                    <a:sym typeface="Helvetica Neue Bold Condensed"/>
+                  </a:rPr>
+                  <a:t>AI &amp; Data </a:t>
+                </a:r>
+                <a:r>
+                  <a:rPr kumimoji="0" lang="zh-TW" altLang="en-US" sz="1100" b="0" i="0" u="none" strike="noStrike" cap="none" spc="0" normalizeH="0" baseline="0" dirty="0">
+                    <a:ln>
+                      <a:noFill/>
+                    </a:ln>
+                    <a:solidFill>
+                      <a:schemeClr val="tx1">
+                        <a:alpha val="15000"/>
+                      </a:schemeClr>
+                    </a:solidFill>
+                    <a:effectLst/>
+                    <a:uFillTx/>
+                    <a:latin typeface="Helvetica Neue Bold Condensed"/>
+                    <a:ea typeface="Helvetica Neue Bold Condensed"/>
+                    <a:cs typeface="Helvetica Neue Bold Condensed"/>
+                    <a:sym typeface="Helvetica Neue Bold Condensed"/>
+                  </a:rPr>
+                  <a:t>組</a:t>
+                </a:r>
+                <a:endParaRPr sz="1200" dirty="0">
+                  <a:solidFill>
+                    <a:schemeClr val="tx1">
+                      <a:alpha val="15000"/>
+                    </a:schemeClr>
+                  </a:solidFill>
+                </a:endParaRPr>
+              </a:p>
+            </p:txBody>
+          </p:sp>
+        </p:grpSp>
+        <p:grpSp>
+          <p:nvGrpSpPr>
+            <p:cNvPr id="8" name="Group 7">
+              <a:extLst>
+                <a:ext uri="{FF2B5EF4-FFF2-40B4-BE49-F238E27FC236}">
+                  <a16:creationId xmlns:a16="http://schemas.microsoft.com/office/drawing/2014/main" id="{38B87EE1-D923-4B4F-8407-6FC4FC9B5A66}"/>
+                </a:ext>
+              </a:extLst>
+            </p:cNvPr>
+            <p:cNvGrpSpPr/>
+            <p:nvPr/>
+          </p:nvGrpSpPr>
+          <p:grpSpPr>
+            <a:xfrm>
+              <a:off x="7247835" y="3971848"/>
+              <a:ext cx="1876735" cy="1050587"/>
+              <a:chOff x="3891792" y="3940042"/>
+              <a:chExt cx="1876735" cy="1050587"/>
+            </a:xfrm>
+          </p:grpSpPr>
+          <p:pic>
+            <p:nvPicPr>
+              <p:cNvPr id="9" name="Picture 8">
+                <a:extLst>
+                  <a:ext uri="{FF2B5EF4-FFF2-40B4-BE49-F238E27FC236}">
+                    <a16:creationId xmlns:a16="http://schemas.microsoft.com/office/drawing/2014/main" id="{33C8E301-52D4-884F-8A4A-9E1C69283971}"/>
+                  </a:ext>
+                </a:extLst>
+              </p:cNvPr>
+              <p:cNvPicPr>
+                <a:picLocks noChangeAspect="1" noChangeArrowheads="1"/>
+              </p:cNvPicPr>
+              <p:nvPr/>
+            </p:nvPicPr>
+            <p:blipFill>
+              <a:blip r:embed="rId3">
+                <a:duotone>
+                  <a:prstClr val="black"/>
+                  <a:schemeClr val="tx1">
+                    <a:tint val="45000"/>
+                    <a:satMod val="400000"/>
+                  </a:schemeClr>
+                </a:duotone>
+                <a:alphaModFix amt="20000"/>
+              </a:blip>
+              <a:srcRect/>
+              <a:stretch/>
+            </p:blipFill>
+            <p:spPr bwMode="auto">
+              <a:xfrm>
+                <a:off x="4489805" y="3940042"/>
+                <a:ext cx="1050587" cy="1050587"/>
+              </a:xfrm>
+              <a:prstGeom prst="rect">
+                <a:avLst/>
+              </a:prstGeom>
+              <a:noFill/>
+              <a:extLst>
+                <a:ext uri="{909E8E84-426E-40DD-AFC4-6F175D3DCCD1}">
+                  <a14:hiddenFill xmlns:a14="http://schemas.microsoft.com/office/drawing/2010/main">
+                    <a:solidFill>
+                      <a:srgbClr val="FFFFFF"/>
+                    </a:solidFill>
+                  </a14:hiddenFill>
+                </a:ext>
+              </a:extLst>
+            </p:spPr>
+          </p:pic>
+          <p:pic>
+            <p:nvPicPr>
+              <p:cNvPr id="10" name="Picture 4" descr="Youtube logo | Logok">
+                <a:extLst>
+                  <a:ext uri="{FF2B5EF4-FFF2-40B4-BE49-F238E27FC236}">
+                    <a16:creationId xmlns:a16="http://schemas.microsoft.com/office/drawing/2014/main" id="{489F49C0-BC26-8847-9D4F-154AE814A77F}"/>
+                  </a:ext>
+                </a:extLst>
+              </p:cNvPr>
+              <p:cNvPicPr>
+                <a:picLocks noChangeAspect="1" noChangeArrowheads="1"/>
+              </p:cNvPicPr>
+              <p:nvPr/>
+            </p:nvPicPr>
+            <p:blipFill>
+              <a:blip r:embed="rId4">
+                <a:alphaModFix amt="20000"/>
+                <a:extLst>
+                  <a:ext uri="{28A0092B-C50C-407E-A947-70E740481C1C}">
+                    <a14:useLocalDpi xmlns:a14="http://schemas.microsoft.com/office/drawing/2010/main" val="0"/>
+                  </a:ext>
+                </a:extLst>
+              </a:blip>
+              <a:srcRect/>
+              <a:stretch>
+                <a:fillRect/>
+              </a:stretch>
+            </p:blipFill>
+            <p:spPr bwMode="auto">
+              <a:xfrm>
+                <a:off x="3891792" y="4187926"/>
+                <a:ext cx="739756" cy="554817"/>
+              </a:xfrm>
+              <a:prstGeom prst="rect">
+                <a:avLst/>
+              </a:prstGeom>
+              <a:noFill/>
+              <a:extLst>
+                <a:ext uri="{909E8E84-426E-40DD-AFC4-6F175D3DCCD1}">
+                  <a14:hiddenFill xmlns:a14="http://schemas.microsoft.com/office/drawing/2010/main">
+                    <a:solidFill>
+                      <a:srgbClr val="FFFFFF"/>
+                    </a:solidFill>
+                  </a14:hiddenFill>
+                </a:ext>
+              </a:extLst>
+            </p:spPr>
+          </p:pic>
+          <p:sp>
+            <p:nvSpPr>
+              <p:cNvPr id="11" name="Intelligent Information Retrieval Laboratory">
+                <a:extLst>
+                  <a:ext uri="{FF2B5EF4-FFF2-40B4-BE49-F238E27FC236}">
+                    <a16:creationId xmlns:a16="http://schemas.microsoft.com/office/drawing/2014/main" id="{8A382586-5C10-6A49-9778-CDB8FFCD1E2A}"/>
+                  </a:ext>
+                </a:extLst>
+              </p:cNvPr>
+              <p:cNvSpPr txBox="1"/>
+              <p:nvPr/>
+            </p:nvSpPr>
+            <p:spPr>
+              <a:xfrm>
+                <a:off x="4549327" y="4335014"/>
+                <a:ext cx="1219200" cy="276106"/>
+              </a:xfrm>
+              <a:prstGeom prst="rect">
+                <a:avLst/>
+              </a:prstGeom>
+              <a:noFill/>
+              <a:ln w="12700" cap="flat">
+                <a:noFill/>
+                <a:miter lim="400000"/>
+              </a:ln>
+              <a:effectLst/>
+              <a:extLst>
+                <a:ext uri="{C572A759-6A51-4108-AA02-DFA0A04FC94B}">
+                  <ma14:wrappingTextBoxFlag xmlns="" xmlns:m="http://schemas.openxmlformats.org/officeDocument/2006/math" xmlns:a14="http://schemas.microsoft.com/office/drawing/2010/main" xmlns:ma14="http://schemas.microsoft.com/office/mac/drawingml/2011/main" val="1"/>
+                </a:ext>
+              </a:extLst>
+            </p:spPr>
+            <p:txBody>
+              <a:bodyPr wrap="square" lIns="71437" tIns="71437" rIns="71437" bIns="71437" numCol="1" anchor="ctr">
+                <a:spAutoFit/>
+              </a:bodyPr>
+              <a:lstStyle>
+                <a:lvl1pPr algn="l" defTabSz="821531">
+                  <a:defRPr sz="2400" b="0">
+                    <a:solidFill>
+                      <a:srgbClr val="FFFFFF"/>
+                    </a:solidFill>
+                    <a:latin typeface="Helvetica Neue Bold Condensed"/>
+                    <a:ea typeface="Helvetica Neue Bold Condensed"/>
+                    <a:cs typeface="Helvetica Neue Bold Condensed"/>
+                    <a:sym typeface="Helvetica Neue Bold Condensed"/>
+                  </a:defRPr>
+                </a:lvl1pPr>
+              </a:lstStyle>
+              <a:p>
+                <a:r>
+                  <a:rPr kumimoji="0" lang="en-US" altLang="zh-TW" sz="1400" b="0" i="0" u="none" strike="noStrike" cap="none" spc="0" normalizeH="0" baseline="0" dirty="0">
+                    <a:ln>
+                      <a:noFill/>
+                    </a:ln>
+                    <a:solidFill>
+                      <a:schemeClr val="tx1">
+                        <a:alpha val="15000"/>
+                      </a:schemeClr>
+                    </a:solidFill>
+                    <a:effectLst/>
+                    <a:uFillTx/>
+                    <a:sym typeface="Helvetica Neue Bold Condensed"/>
+                  </a:rPr>
+                  <a:t>10</a:t>
+                </a:r>
+                <a:r>
+                  <a:rPr kumimoji="0" lang="zh-TW" altLang="en-US" sz="1400" b="0" i="0" u="none" strike="noStrike" cap="none" spc="0" normalizeH="0" baseline="0" dirty="0">
+                    <a:ln>
+                      <a:noFill/>
+                    </a:ln>
+                    <a:solidFill>
+                      <a:schemeClr val="tx1">
+                        <a:alpha val="15000"/>
+                      </a:schemeClr>
+                    </a:solidFill>
+                    <a:effectLst/>
+                    <a:uFillTx/>
+                    <a:sym typeface="Helvetica Neue Bold Condensed"/>
+                  </a:rPr>
+                  <a:t>程式中</a:t>
+                </a:r>
+                <a:endParaRPr sz="1600" dirty="0">
+                  <a:solidFill>
+                    <a:schemeClr val="tx1">
+                      <a:alpha val="15000"/>
+                    </a:schemeClr>
+                  </a:solidFill>
+                </a:endParaRPr>
+              </a:p>
+            </p:txBody>
+          </p:sp>
+        </p:grpSp>
+      </p:grpSp>
+    </p:spTree>
+    <p:extLst>
+      <p:ext uri="{BB962C8B-B14F-4D97-AF65-F5344CB8AC3E}">
+        <p14:creationId xmlns:p14="http://schemas.microsoft.com/office/powerpoint/2010/main" val="4115487606"/>
+      </p:ext>
+    </p:extLst>
+  </p:cSld>
+  <p:clrMapOvr>
+    <a:masterClrMapping/>
+  </p:clrMapOvr>
+</p:sld>
+</file>
+
+<file path=ppt/slides/slide7.xml><?xml version="1.0" encoding="utf-8"?>
+<p:sld xmlns:a="http://schemas.openxmlformats.org/drawingml/2006/main" xmlns:r="http://schemas.openxmlformats.org/officeDocument/2006/relationships" xmlns:p="http://schemas.openxmlformats.org/presentationml/2006/main">
+  <p:cSld>
+    <p:spTree>
+      <p:nvGrpSpPr>
+        <p:cNvPr id="1" name=""/>
+        <p:cNvGrpSpPr/>
+        <p:nvPr/>
+      </p:nvGrpSpPr>
+      <p:grpSpPr>
+        <a:xfrm>
+          <a:off x="0" y="0"/>
+          <a:ext cx="0" cy="0"/>
+          <a:chOff x="0" y="0"/>
+          <a:chExt cx="0" cy="0"/>
+        </a:xfrm>
+      </p:grpSpPr>
+      <p:pic>
+        <p:nvPicPr>
+          <p:cNvPr id="3" name="Picture 2">
+            <a:extLst>
+              <a:ext uri="{FF2B5EF4-FFF2-40B4-BE49-F238E27FC236}">
+                <a16:creationId xmlns:a16="http://schemas.microsoft.com/office/drawing/2014/main" id="{35EE3688-62EC-5346-AA54-CE58B402C20A}"/>
+              </a:ext>
+            </a:extLst>
+          </p:cNvPr>
+          <p:cNvPicPr>
+            <a:picLocks noChangeAspect="1"/>
+          </p:cNvPicPr>
+          <p:nvPr/>
+        </p:nvPicPr>
+        <p:blipFill>
+          <a:blip r:embed="rId2"/>
+          <a:stretch>
+            <a:fillRect/>
+          </a:stretch>
+        </p:blipFill>
+        <p:spPr>
+          <a:xfrm>
+            <a:off x="3138654" y="1229932"/>
+            <a:ext cx="5777865" cy="3593110"/>
+          </a:xfrm>
+          <a:prstGeom prst="rect">
+            <a:avLst/>
+          </a:prstGeom>
+        </p:spPr>
+      </p:pic>
+      <p:grpSp>
+        <p:nvGrpSpPr>
+          <p:cNvPr id="4" name="Group 3">
+            <a:extLst>
+              <a:ext uri="{FF2B5EF4-FFF2-40B4-BE49-F238E27FC236}">
+                <a16:creationId xmlns:a16="http://schemas.microsoft.com/office/drawing/2014/main" id="{981072B5-3817-8546-A1CE-C6E8514AEE72}"/>
+              </a:ext>
+            </a:extLst>
+          </p:cNvPr>
+          <p:cNvGrpSpPr>
+            <a:grpSpLocks noChangeAspect="1"/>
+          </p:cNvGrpSpPr>
+          <p:nvPr/>
+        </p:nvGrpSpPr>
+        <p:grpSpPr>
+          <a:xfrm>
+            <a:off x="2463264" y="4282399"/>
+            <a:ext cx="7509974" cy="1368715"/>
+            <a:chOff x="3360126" y="3971848"/>
+            <a:chExt cx="5764444" cy="1050587"/>
+          </a:xfrm>
+        </p:grpSpPr>
+        <p:grpSp>
+          <p:nvGrpSpPr>
+            <p:cNvPr id="5" name="Group 4">
+              <a:extLst>
+                <a:ext uri="{FF2B5EF4-FFF2-40B4-BE49-F238E27FC236}">
+                  <a16:creationId xmlns:a16="http://schemas.microsoft.com/office/drawing/2014/main" id="{F8E119D8-4DFA-674E-A9C9-678AD8B16E63}"/>
+                </a:ext>
+              </a:extLst>
+            </p:cNvPr>
+            <p:cNvGrpSpPr/>
+            <p:nvPr/>
+          </p:nvGrpSpPr>
+          <p:grpSpPr>
+            <a:xfrm>
+              <a:off x="3360126" y="4351394"/>
+              <a:ext cx="2735874" cy="284312"/>
+              <a:chOff x="7237110" y="4300317"/>
+              <a:chExt cx="2735874" cy="284312"/>
+            </a:xfrm>
+          </p:grpSpPr>
+          <p:sp>
+            <p:nvSpPr>
+              <p:cNvPr id="10" name="Intelligent Information Retrieval Laboratory">
+                <a:extLst>
+                  <a:ext uri="{FF2B5EF4-FFF2-40B4-BE49-F238E27FC236}">
+                    <a16:creationId xmlns:a16="http://schemas.microsoft.com/office/drawing/2014/main" id="{D258317E-4D27-7C4E-A553-B7912BD7183E}"/>
+                  </a:ext>
+                </a:extLst>
+              </p:cNvPr>
+              <p:cNvSpPr txBox="1"/>
+              <p:nvPr/>
+            </p:nvSpPr>
+            <p:spPr>
+              <a:xfrm>
+                <a:off x="7237110" y="4300317"/>
+                <a:ext cx="2590800" cy="276106"/>
+              </a:xfrm>
+              <a:prstGeom prst="rect">
+                <a:avLst/>
+              </a:prstGeom>
+              <a:noFill/>
+              <a:ln w="12700" cap="flat">
+                <a:noFill/>
+                <a:miter lim="400000"/>
+              </a:ln>
+              <a:effectLst/>
+              <a:extLst>
+                <a:ext uri="{C572A759-6A51-4108-AA02-DFA0A04FC94B}">
+                  <ma14:wrappingTextBoxFlag xmlns="" xmlns:m="http://schemas.openxmlformats.org/officeDocument/2006/math" xmlns:a14="http://schemas.microsoft.com/office/drawing/2010/main" xmlns:ma14="http://schemas.microsoft.com/office/mac/drawingml/2011/main" val="1"/>
+                </a:ext>
+              </a:extLst>
+            </p:spPr>
+            <p:txBody>
+              <a:bodyPr wrap="square" lIns="71437" tIns="71437" rIns="71437" bIns="71437" numCol="1" anchor="ctr">
+                <a:spAutoFit/>
+              </a:bodyPr>
+              <a:lstStyle>
+                <a:lvl1pPr algn="l" defTabSz="821531">
+                  <a:defRPr sz="2400" b="0">
+                    <a:solidFill>
+                      <a:srgbClr val="FFFFFF"/>
+                    </a:solidFill>
+                    <a:latin typeface="Helvetica Neue Bold Condensed"/>
+                    <a:ea typeface="Helvetica Neue Bold Condensed"/>
+                    <a:cs typeface="Helvetica Neue Bold Condensed"/>
+                    <a:sym typeface="Helvetica Neue Bold Condensed"/>
+                  </a:defRPr>
+                </a:lvl1pPr>
+              </a:lstStyle>
+              <a:p>
+                <a:r>
+                  <a:rPr kumimoji="0" lang="zh-TW" altLang="en-US" sz="1050" b="0" i="0" u="none" strike="noStrike" cap="none" spc="0" normalizeH="0" baseline="0" dirty="0">
+                    <a:ln>
+                      <a:noFill/>
+                    </a:ln>
+                    <a:solidFill>
+                      <a:schemeClr val="tx1">
+                        <a:alpha val="15000"/>
+                      </a:schemeClr>
+                    </a:solidFill>
+                    <a:effectLst/>
+                    <a:uFillTx/>
+                    <a:latin typeface="Helvetica Neue Bold Condensed"/>
+                    <a:ea typeface="Helvetica Neue Bold Condensed"/>
+                    <a:cs typeface="Helvetica Neue Bold Condensed"/>
+                    <a:sym typeface="Helvetica Neue Bold Condensed"/>
+                  </a:rPr>
+                  <a:t>第</a:t>
+                </a:r>
+                <a:r>
+                  <a:rPr kumimoji="0" lang="en-US" altLang="zh-TW" sz="1050" b="0" i="0" u="none" strike="noStrike" cap="none" spc="0" normalizeH="0" baseline="0" dirty="0">
+                    <a:ln>
+                      <a:noFill/>
+                    </a:ln>
+                    <a:solidFill>
+                      <a:schemeClr val="tx1">
+                        <a:alpha val="15000"/>
+                      </a:schemeClr>
+                    </a:solidFill>
+                    <a:effectLst/>
+                    <a:uFillTx/>
+                    <a:latin typeface="Helvetica Neue Bold Condensed"/>
+                    <a:ea typeface="Helvetica Neue Bold Condensed"/>
+                    <a:cs typeface="Helvetica Neue Bold Condensed"/>
+                    <a:sym typeface="Helvetica Neue Bold Condensed"/>
+                  </a:rPr>
+                  <a:t>13</a:t>
+                </a:r>
+                <a:r>
+                  <a:rPr kumimoji="0" lang="zh-TW" altLang="en-US" sz="1050" b="0" i="0" u="none" strike="noStrike" cap="none" spc="0" normalizeH="0" baseline="0" dirty="0">
+                    <a:ln>
+                      <a:noFill/>
+                    </a:ln>
+                    <a:solidFill>
+                      <a:schemeClr val="tx1">
+                        <a:alpha val="15000"/>
+                      </a:schemeClr>
+                    </a:solidFill>
+                    <a:effectLst/>
+                    <a:uFillTx/>
+                    <a:latin typeface="Helvetica Neue Bold Condensed"/>
+                    <a:ea typeface="Helvetica Neue Bold Condensed"/>
+                    <a:cs typeface="Helvetica Neue Bold Condensed"/>
+                    <a:sym typeface="Helvetica Neue Bold Condensed"/>
+                  </a:rPr>
+                  <a:t>屆 </a:t>
+                </a:r>
+                <a:r>
+                  <a:rPr kumimoji="0" lang="en-US" sz="1400" b="0" i="0" u="none" strike="noStrike" cap="none" spc="0" normalizeH="0" baseline="0" dirty="0">
+                    <a:ln>
+                      <a:noFill/>
+                    </a:ln>
+                    <a:solidFill>
+                      <a:schemeClr val="tx1">
+                        <a:alpha val="15000"/>
+                      </a:schemeClr>
+                    </a:solidFill>
+                    <a:effectLst/>
+                    <a:uFillTx/>
+                    <a:latin typeface="Helvetica Neue Bold Condensed"/>
+                    <a:ea typeface="Helvetica Neue Bold Condensed"/>
+                    <a:cs typeface="Helvetica Neue Bold Condensed"/>
+                    <a:sym typeface="Helvetica Neue Bold Condensed"/>
+                  </a:rPr>
+                  <a:t>iT</a:t>
+                </a:r>
+                <a:r>
+                  <a:rPr kumimoji="0" lang="zh-TW" altLang="en-US" sz="1200" b="0" i="0" u="none" strike="noStrike" cap="none" spc="0" normalizeH="0" baseline="0" dirty="0">
+                    <a:ln>
+                      <a:noFill/>
+                    </a:ln>
+                    <a:solidFill>
+                      <a:schemeClr val="tx1">
+                        <a:alpha val="15000"/>
+                      </a:schemeClr>
+                    </a:solidFill>
+                    <a:effectLst/>
+                    <a:uFillTx/>
+                    <a:latin typeface="Helvetica Neue Bold Condensed"/>
+                    <a:ea typeface="Helvetica Neue Bold Condensed"/>
+                    <a:cs typeface="Helvetica Neue Bold Condensed"/>
+                    <a:sym typeface="Helvetica Neue Bold Condensed"/>
+                  </a:rPr>
+                  <a:t>邦</a:t>
+                </a:r>
+                <a:r>
+                  <a:rPr kumimoji="0" lang="zh-TW" altLang="en-US" sz="1050" b="0" i="0" u="none" strike="noStrike" cap="none" spc="0" normalizeH="0" baseline="0" dirty="0">
+                    <a:ln>
+                      <a:noFill/>
+                    </a:ln>
+                    <a:solidFill>
+                      <a:schemeClr val="tx1">
+                        <a:alpha val="15000"/>
+                      </a:schemeClr>
+                    </a:solidFill>
+                    <a:effectLst/>
+                    <a:uFillTx/>
+                    <a:latin typeface="Helvetica Neue Bold Condensed"/>
+                    <a:ea typeface="Helvetica Neue Bold Condensed"/>
+                    <a:cs typeface="Helvetica Neue Bold Condensed"/>
+                    <a:sym typeface="Helvetica Neue Bold Condensed"/>
+                  </a:rPr>
+                  <a:t>幫忙</a:t>
+                </a:r>
+                <a:r>
+                  <a:rPr kumimoji="0" lang="zh-TW" altLang="en-US" sz="1200" b="0" i="0" u="none" strike="noStrike" cap="none" spc="0" normalizeH="0" baseline="0" dirty="0">
+                    <a:ln>
+                      <a:noFill/>
+                    </a:ln>
+                    <a:solidFill>
+                      <a:schemeClr val="tx1">
+                        <a:alpha val="15000"/>
+                      </a:schemeClr>
+                    </a:solidFill>
+                    <a:effectLst/>
+                    <a:uFillTx/>
+                    <a:sym typeface="Helvetica Neue Bold Condensed"/>
+                  </a:rPr>
+                  <a:t> 鐵人賽</a:t>
+                </a:r>
+                <a:endParaRPr sz="1200" dirty="0">
+                  <a:solidFill>
+                    <a:schemeClr val="tx1">
+                      <a:alpha val="15000"/>
+                    </a:schemeClr>
+                  </a:solidFill>
+                </a:endParaRPr>
+              </a:p>
+            </p:txBody>
+          </p:sp>
+          <p:sp>
+            <p:nvSpPr>
+              <p:cNvPr id="11" name="Intelligent Information Retrieval Laboratory">
+                <a:extLst>
+                  <a:ext uri="{FF2B5EF4-FFF2-40B4-BE49-F238E27FC236}">
+                    <a16:creationId xmlns:a16="http://schemas.microsoft.com/office/drawing/2014/main" id="{492D83D2-7297-F049-9692-58C78A62363C}"/>
+                  </a:ext>
+                </a:extLst>
+              </p:cNvPr>
+              <p:cNvSpPr txBox="1"/>
+              <p:nvPr/>
+            </p:nvSpPr>
+            <p:spPr>
+              <a:xfrm>
+                <a:off x="8753784" y="4343960"/>
+                <a:ext cx="1219200" cy="240669"/>
+              </a:xfrm>
+              <a:prstGeom prst="rect">
+                <a:avLst/>
+              </a:prstGeom>
+              <a:noFill/>
+              <a:ln w="12700" cap="flat">
+                <a:noFill/>
+                <a:miter lim="400000"/>
+              </a:ln>
+              <a:effectLst/>
+              <a:extLst>
+                <a:ext uri="{C572A759-6A51-4108-AA02-DFA0A04FC94B}">
+                  <ma14:wrappingTextBoxFlag xmlns="" xmlns:m="http://schemas.openxmlformats.org/officeDocument/2006/math" xmlns:a14="http://schemas.microsoft.com/office/drawing/2010/main" xmlns:ma14="http://schemas.microsoft.com/office/mac/drawingml/2011/main" val="1"/>
+                </a:ext>
+              </a:extLst>
+            </p:spPr>
+            <p:txBody>
+              <a:bodyPr wrap="square" lIns="71437" tIns="71437" rIns="71437" bIns="71437" numCol="1" anchor="ctr">
+                <a:spAutoFit/>
+              </a:bodyPr>
+              <a:lstStyle>
+                <a:lvl1pPr algn="l" defTabSz="821531">
+                  <a:defRPr sz="2400" b="0">
+                    <a:solidFill>
+                      <a:srgbClr val="FFFFFF"/>
+                    </a:solidFill>
+                    <a:latin typeface="Helvetica Neue Bold Condensed"/>
+                    <a:ea typeface="Helvetica Neue Bold Condensed"/>
+                    <a:cs typeface="Helvetica Neue Bold Condensed"/>
+                    <a:sym typeface="Helvetica Neue Bold Condensed"/>
+                  </a:defRPr>
+                </a:lvl1pPr>
+              </a:lstStyle>
+              <a:p>
+                <a:r>
+                  <a:rPr kumimoji="0" lang="en-US" altLang="zh-TW" sz="1100" b="0" i="0" u="none" strike="noStrike" cap="none" spc="0" normalizeH="0" baseline="0" dirty="0">
+                    <a:ln>
+                      <a:noFill/>
+                    </a:ln>
+                    <a:solidFill>
+                      <a:schemeClr val="tx1">
+                        <a:alpha val="15000"/>
+                      </a:schemeClr>
+                    </a:solidFill>
+                    <a:effectLst/>
+                    <a:uFillTx/>
+                    <a:latin typeface="Helvetica Neue Bold Condensed"/>
+                    <a:ea typeface="Helvetica Neue Bold Condensed"/>
+                    <a:cs typeface="Helvetica Neue Bold Condensed"/>
+                    <a:sym typeface="Helvetica Neue Bold Condensed"/>
+                  </a:rPr>
+                  <a:t>AI &amp; Data </a:t>
+                </a:r>
+                <a:r>
+                  <a:rPr kumimoji="0" lang="zh-TW" altLang="en-US" sz="1100" b="0" i="0" u="none" strike="noStrike" cap="none" spc="0" normalizeH="0" baseline="0" dirty="0">
+                    <a:ln>
+                      <a:noFill/>
+                    </a:ln>
+                    <a:solidFill>
+                      <a:schemeClr val="tx1">
+                        <a:alpha val="15000"/>
+                      </a:schemeClr>
+                    </a:solidFill>
+                    <a:effectLst/>
+                    <a:uFillTx/>
+                    <a:latin typeface="Helvetica Neue Bold Condensed"/>
+                    <a:ea typeface="Helvetica Neue Bold Condensed"/>
+                    <a:cs typeface="Helvetica Neue Bold Condensed"/>
+                    <a:sym typeface="Helvetica Neue Bold Condensed"/>
+                  </a:rPr>
+                  <a:t>組</a:t>
+                </a:r>
+                <a:endParaRPr sz="1200" dirty="0">
+                  <a:solidFill>
+                    <a:schemeClr val="tx1">
+                      <a:alpha val="15000"/>
+                    </a:schemeClr>
+                  </a:solidFill>
+                </a:endParaRPr>
+              </a:p>
+            </p:txBody>
+          </p:sp>
+        </p:grpSp>
+        <p:grpSp>
+          <p:nvGrpSpPr>
+            <p:cNvPr id="6" name="Group 5">
+              <a:extLst>
+                <a:ext uri="{FF2B5EF4-FFF2-40B4-BE49-F238E27FC236}">
+                  <a16:creationId xmlns:a16="http://schemas.microsoft.com/office/drawing/2014/main" id="{6D32CA50-5AA5-B643-ADA3-3F4A1A7650C3}"/>
+                </a:ext>
+              </a:extLst>
+            </p:cNvPr>
+            <p:cNvGrpSpPr/>
+            <p:nvPr/>
+          </p:nvGrpSpPr>
+          <p:grpSpPr>
+            <a:xfrm>
+              <a:off x="7247835" y="3971848"/>
+              <a:ext cx="1876735" cy="1050587"/>
+              <a:chOff x="3891792" y="3940042"/>
+              <a:chExt cx="1876735" cy="1050587"/>
+            </a:xfrm>
+          </p:grpSpPr>
+          <p:pic>
+            <p:nvPicPr>
+              <p:cNvPr id="7" name="Picture 6">
+                <a:extLst>
+                  <a:ext uri="{FF2B5EF4-FFF2-40B4-BE49-F238E27FC236}">
+                    <a16:creationId xmlns:a16="http://schemas.microsoft.com/office/drawing/2014/main" id="{EA328E99-EF17-6047-BAFA-AE22620235DF}"/>
+                  </a:ext>
+                </a:extLst>
+              </p:cNvPr>
+              <p:cNvPicPr>
+                <a:picLocks noChangeAspect="1" noChangeArrowheads="1"/>
+              </p:cNvPicPr>
+              <p:nvPr/>
+            </p:nvPicPr>
+            <p:blipFill>
+              <a:blip r:embed="rId3">
+                <a:duotone>
+                  <a:prstClr val="black"/>
+                  <a:schemeClr val="tx1">
+                    <a:tint val="45000"/>
+                    <a:satMod val="400000"/>
+                  </a:schemeClr>
+                </a:duotone>
+                <a:alphaModFix amt="20000"/>
+              </a:blip>
+              <a:srcRect/>
+              <a:stretch/>
+            </p:blipFill>
+            <p:spPr bwMode="auto">
+              <a:xfrm>
+                <a:off x="4489805" y="3940042"/>
+                <a:ext cx="1050587" cy="1050587"/>
+              </a:xfrm>
+              <a:prstGeom prst="rect">
+                <a:avLst/>
+              </a:prstGeom>
+              <a:noFill/>
+              <a:extLst>
+                <a:ext uri="{909E8E84-426E-40DD-AFC4-6F175D3DCCD1}">
+                  <a14:hiddenFill xmlns:a14="http://schemas.microsoft.com/office/drawing/2010/main">
+                    <a:solidFill>
+                      <a:srgbClr val="FFFFFF"/>
+                    </a:solidFill>
+                  </a14:hiddenFill>
+                </a:ext>
+              </a:extLst>
+            </p:spPr>
+          </p:pic>
+          <p:pic>
+            <p:nvPicPr>
+              <p:cNvPr id="8" name="Picture 4" descr="Youtube logo | Logok">
+                <a:extLst>
+                  <a:ext uri="{FF2B5EF4-FFF2-40B4-BE49-F238E27FC236}">
+                    <a16:creationId xmlns:a16="http://schemas.microsoft.com/office/drawing/2014/main" id="{180FF58B-6E43-7442-A07C-9C5F2BC0C16B}"/>
+                  </a:ext>
+                </a:extLst>
+              </p:cNvPr>
+              <p:cNvPicPr>
+                <a:picLocks noChangeAspect="1" noChangeArrowheads="1"/>
+              </p:cNvPicPr>
+              <p:nvPr/>
+            </p:nvPicPr>
+            <p:blipFill>
+              <a:blip r:embed="rId4">
+                <a:alphaModFix amt="20000"/>
+                <a:extLst>
+                  <a:ext uri="{28A0092B-C50C-407E-A947-70E740481C1C}">
+                    <a14:useLocalDpi xmlns:a14="http://schemas.microsoft.com/office/drawing/2010/main" val="0"/>
+                  </a:ext>
+                </a:extLst>
+              </a:blip>
+              <a:srcRect/>
+              <a:stretch>
+                <a:fillRect/>
+              </a:stretch>
+            </p:blipFill>
+            <p:spPr bwMode="auto">
+              <a:xfrm>
+                <a:off x="3891792" y="4187926"/>
+                <a:ext cx="739756" cy="554817"/>
+              </a:xfrm>
+              <a:prstGeom prst="rect">
+                <a:avLst/>
+              </a:prstGeom>
+              <a:noFill/>
+              <a:extLst>
+                <a:ext uri="{909E8E84-426E-40DD-AFC4-6F175D3DCCD1}">
+                  <a14:hiddenFill xmlns:a14="http://schemas.microsoft.com/office/drawing/2010/main">
+                    <a:solidFill>
+                      <a:srgbClr val="FFFFFF"/>
+                    </a:solidFill>
+                  </a14:hiddenFill>
+                </a:ext>
+              </a:extLst>
+            </p:spPr>
+          </p:pic>
+          <p:sp>
+            <p:nvSpPr>
+              <p:cNvPr id="9" name="Intelligent Information Retrieval Laboratory">
+                <a:extLst>
+                  <a:ext uri="{FF2B5EF4-FFF2-40B4-BE49-F238E27FC236}">
+                    <a16:creationId xmlns:a16="http://schemas.microsoft.com/office/drawing/2014/main" id="{9A3618B5-ABB3-7C4D-9C28-16293A8B099B}"/>
+                  </a:ext>
+                </a:extLst>
+              </p:cNvPr>
+              <p:cNvSpPr txBox="1"/>
+              <p:nvPr/>
+            </p:nvSpPr>
+            <p:spPr>
+              <a:xfrm>
+                <a:off x="4549327" y="4335014"/>
+                <a:ext cx="1219200" cy="276106"/>
+              </a:xfrm>
+              <a:prstGeom prst="rect">
+                <a:avLst/>
+              </a:prstGeom>
+              <a:noFill/>
+              <a:ln w="12700" cap="flat">
+                <a:noFill/>
+                <a:miter lim="400000"/>
+              </a:ln>
+              <a:effectLst/>
+              <a:extLst>
+                <a:ext uri="{C572A759-6A51-4108-AA02-DFA0A04FC94B}">
+                  <ma14:wrappingTextBoxFlag xmlns="" xmlns:m="http://schemas.openxmlformats.org/officeDocument/2006/math" xmlns:a14="http://schemas.microsoft.com/office/drawing/2010/main" xmlns:ma14="http://schemas.microsoft.com/office/mac/drawingml/2011/main" val="1"/>
+                </a:ext>
+              </a:extLst>
+            </p:spPr>
+            <p:txBody>
+              <a:bodyPr wrap="square" lIns="71437" tIns="71437" rIns="71437" bIns="71437" numCol="1" anchor="ctr">
+                <a:spAutoFit/>
+              </a:bodyPr>
+              <a:lstStyle>
+                <a:lvl1pPr algn="l" defTabSz="821531">
+                  <a:defRPr sz="2400" b="0">
+                    <a:solidFill>
+                      <a:srgbClr val="FFFFFF"/>
+                    </a:solidFill>
+                    <a:latin typeface="Helvetica Neue Bold Condensed"/>
+                    <a:ea typeface="Helvetica Neue Bold Condensed"/>
+                    <a:cs typeface="Helvetica Neue Bold Condensed"/>
+                    <a:sym typeface="Helvetica Neue Bold Condensed"/>
+                  </a:defRPr>
+                </a:lvl1pPr>
+              </a:lstStyle>
+              <a:p>
+                <a:r>
+                  <a:rPr kumimoji="0" lang="en-US" altLang="zh-TW" sz="1400" b="0" i="0" u="none" strike="noStrike" cap="none" spc="0" normalizeH="0" baseline="0" dirty="0">
+                    <a:ln>
+                      <a:noFill/>
+                    </a:ln>
+                    <a:solidFill>
+                      <a:schemeClr val="tx1">
+                        <a:alpha val="15000"/>
+                      </a:schemeClr>
+                    </a:solidFill>
+                    <a:effectLst/>
+                    <a:uFillTx/>
+                    <a:sym typeface="Helvetica Neue Bold Condensed"/>
+                  </a:rPr>
+                  <a:t>10</a:t>
+                </a:r>
+                <a:r>
+                  <a:rPr kumimoji="0" lang="zh-TW" altLang="en-US" sz="1400" b="0" i="0" u="none" strike="noStrike" cap="none" spc="0" normalizeH="0" baseline="0" dirty="0">
+                    <a:ln>
+                      <a:noFill/>
+                    </a:ln>
+                    <a:solidFill>
+                      <a:schemeClr val="tx1">
+                        <a:alpha val="15000"/>
+                      </a:schemeClr>
+                    </a:solidFill>
+                    <a:effectLst/>
+                    <a:uFillTx/>
+                    <a:sym typeface="Helvetica Neue Bold Condensed"/>
+                  </a:rPr>
+                  <a:t>程式中</a:t>
+                </a:r>
+                <a:endParaRPr sz="1600" dirty="0">
+                  <a:solidFill>
+                    <a:schemeClr val="tx1">
+                      <a:alpha val="15000"/>
+                    </a:schemeClr>
+                  </a:solidFill>
+                </a:endParaRPr>
+              </a:p>
+            </p:txBody>
+          </p:sp>
+        </p:grpSp>
+      </p:grpSp>
+    </p:spTree>
+    <p:extLst>
+      <p:ext uri="{BB962C8B-B14F-4D97-AF65-F5344CB8AC3E}">
+        <p14:creationId xmlns:p14="http://schemas.microsoft.com/office/powerpoint/2010/main" val="2825751708"/>
+      </p:ext>
+    </p:extLst>
+  </p:cSld>
+  <p:clrMapOvr>
+    <a:masterClrMapping/>
+  </p:clrMapOvr>
+</p:sld>
+</file>
+
+<file path=ppt/slides/slide8.xml><?xml version="1.0" encoding="utf-8"?>
+<p:sld xmlns:a="http://schemas.openxmlformats.org/drawingml/2006/main" xmlns:r="http://schemas.openxmlformats.org/officeDocument/2006/relationships" xmlns:p="http://schemas.openxmlformats.org/presentationml/2006/main">
+  <p:cSld>
+    <p:spTree>
+      <p:nvGrpSpPr>
+        <p:cNvPr id="1" name=""/>
+        <p:cNvGrpSpPr/>
+        <p:nvPr/>
+      </p:nvGrpSpPr>
+      <p:grpSpPr>
+        <a:xfrm>
+          <a:off x="0" y="0"/>
+          <a:ext cx="0" cy="0"/>
+          <a:chOff x="0" y="0"/>
+          <a:chExt cx="0" cy="0"/>
+        </a:xfrm>
+      </p:grpSpPr>
+      <p:pic>
+        <p:nvPicPr>
+          <p:cNvPr id="3" name="Picture 2">
+            <a:extLst>
+              <a:ext uri="{FF2B5EF4-FFF2-40B4-BE49-F238E27FC236}">
+                <a16:creationId xmlns:a16="http://schemas.microsoft.com/office/drawing/2014/main" id="{7368E8EB-0815-9E4E-BD61-06E278D1F152}"/>
+              </a:ext>
+            </a:extLst>
+          </p:cNvPr>
+          <p:cNvPicPr>
+            <a:picLocks noChangeAspect="1"/>
+          </p:cNvPicPr>
+          <p:nvPr/>
+        </p:nvPicPr>
+        <p:blipFill>
+          <a:blip r:embed="rId2"/>
+          <a:stretch>
+            <a:fillRect/>
+          </a:stretch>
+        </p:blipFill>
+        <p:spPr>
+          <a:xfrm>
+            <a:off x="2174418" y="1457239"/>
+            <a:ext cx="3115853" cy="3022462"/>
+          </a:xfrm>
+          <a:prstGeom prst="rect">
+            <a:avLst/>
+          </a:prstGeom>
+        </p:spPr>
+      </p:pic>
+      <p:pic>
+        <p:nvPicPr>
+          <p:cNvPr id="5" name="Picture 4">
+            <a:extLst>
+              <a:ext uri="{FF2B5EF4-FFF2-40B4-BE49-F238E27FC236}">
+                <a16:creationId xmlns:a16="http://schemas.microsoft.com/office/drawing/2014/main" id="{67A97861-E938-7247-82F1-1088BF851A3F}"/>
+              </a:ext>
+            </a:extLst>
+          </p:cNvPr>
+          <p:cNvPicPr>
+            <a:picLocks noChangeAspect="1"/>
+          </p:cNvPicPr>
+          <p:nvPr/>
+        </p:nvPicPr>
+        <p:blipFill>
+          <a:blip r:embed="rId3"/>
+          <a:stretch>
+            <a:fillRect/>
+          </a:stretch>
+        </p:blipFill>
+        <p:spPr>
+          <a:xfrm>
+            <a:off x="6851227" y="1414023"/>
+            <a:ext cx="3268673" cy="3030951"/>
+          </a:xfrm>
+          <a:prstGeom prst="rect">
+            <a:avLst/>
+          </a:prstGeom>
+        </p:spPr>
+      </p:pic>
+      <p:sp>
+        <p:nvSpPr>
+          <p:cNvPr id="6" name="Rounded Rectangle 5">
+            <a:extLst>
+              <a:ext uri="{FF2B5EF4-FFF2-40B4-BE49-F238E27FC236}">
+                <a16:creationId xmlns:a16="http://schemas.microsoft.com/office/drawing/2014/main" id="{970BB92B-CD6A-0547-BC6C-D05D28EC0092}"/>
+              </a:ext>
+            </a:extLst>
+          </p:cNvPr>
+          <p:cNvSpPr/>
+          <p:nvPr/>
+        </p:nvSpPr>
+        <p:spPr>
+          <a:xfrm>
+            <a:off x="3286656" y="4489081"/>
+            <a:ext cx="1222744" cy="353683"/>
+          </a:xfrm>
+          <a:prstGeom prst="roundRect">
+            <a:avLst/>
+          </a:prstGeom>
+          <a:solidFill>
+            <a:srgbClr val="D2A66C"/>
+          </a:solidFill>
+          <a:ln w="12700" cap="flat" cmpd="sng" algn="ctr">
+            <a:noFill/>
+            <a:prstDash val="solid"/>
+            <a:miter lim="800000"/>
+          </a:ln>
+          <a:effectLst/>
+        </p:spPr>
+        <p:txBody>
+          <a:bodyPr rtlCol="0" anchor="ctr"/>
+          <a:lstStyle/>
+          <a:p>
+            <a:pPr marL="0" marR="0" lvl="0" indent="0" algn="ctr" defTabSz="914377" eaLnBrk="1" fontAlgn="auto" latinLnBrk="0" hangingPunct="1">
+              <a:lnSpc>
+                <a:spcPct val="130000"/>
+              </a:lnSpc>
+              <a:spcBef>
+                <a:spcPts val="0"/>
+              </a:spcBef>
+              <a:spcAft>
+                <a:spcPts val="0"/>
+              </a:spcAft>
+              <a:buClrTx/>
+              <a:buSzTx/>
+              <a:buFontTx/>
+              <a:buNone/>
+              <a:tabLst/>
+              <a:defRPr/>
+            </a:pPr>
+            <a:r>
+              <a:rPr lang="en-TW" sz="1400" kern="0" dirty="0">
+                <a:solidFill>
+                  <a:srgbClr val="FFFFFF"/>
+                </a:solidFill>
+                <a:latin typeface="微软雅黑" panose="020B0503020204020204" pitchFamily="34" charset="-122"/>
+                <a:ea typeface="微软雅黑" panose="020B0503020204020204" pitchFamily="34" charset="-122"/>
+              </a:rPr>
+              <a:t>真實分類</a:t>
+            </a:r>
+            <a:endParaRPr kumimoji="0" lang="en-TW" sz="1400" b="0" i="0" u="none" strike="noStrike" kern="0" cap="none" spc="0" normalizeH="0" baseline="0" noProof="0" dirty="0">
+              <a:ln>
+                <a:noFill/>
+              </a:ln>
+              <a:solidFill>
+                <a:srgbClr val="FFFFFF"/>
+              </a:solidFill>
+              <a:effectLst/>
+              <a:uLnTx/>
+              <a:uFillTx/>
+              <a:latin typeface="微软雅黑" panose="020B0503020204020204" pitchFamily="34" charset="-122"/>
+              <a:ea typeface="微软雅黑" panose="020B0503020204020204" pitchFamily="34" charset="-122"/>
+              <a:cs typeface="+mn-cs"/>
+            </a:endParaRPr>
+          </a:p>
+        </p:txBody>
+      </p:sp>
+      <p:sp>
+        <p:nvSpPr>
+          <p:cNvPr id="7" name="Rounded Rectangle 6">
+            <a:extLst>
+              <a:ext uri="{FF2B5EF4-FFF2-40B4-BE49-F238E27FC236}">
+                <a16:creationId xmlns:a16="http://schemas.microsoft.com/office/drawing/2014/main" id="{1E0F8F4A-D170-2943-B2A1-9FDB17C8C129}"/>
+              </a:ext>
+            </a:extLst>
+          </p:cNvPr>
+          <p:cNvSpPr/>
+          <p:nvPr/>
+        </p:nvSpPr>
+        <p:spPr>
+          <a:xfrm>
+            <a:off x="8022377" y="4489082"/>
+            <a:ext cx="1222744" cy="353683"/>
+          </a:xfrm>
+          <a:prstGeom prst="roundRect">
+            <a:avLst/>
+          </a:prstGeom>
+          <a:solidFill>
+            <a:srgbClr val="D2A66C"/>
+          </a:solidFill>
+          <a:ln w="12700" cap="flat" cmpd="sng" algn="ctr">
+            <a:noFill/>
+            <a:prstDash val="solid"/>
+            <a:miter lim="800000"/>
+          </a:ln>
+          <a:effectLst/>
+        </p:spPr>
+        <p:txBody>
+          <a:bodyPr rtlCol="0" anchor="ctr"/>
+          <a:lstStyle/>
+          <a:p>
+            <a:pPr marL="0" marR="0" lvl="0" indent="0" algn="ctr" defTabSz="914377" eaLnBrk="1" fontAlgn="auto" latinLnBrk="0" hangingPunct="1">
+              <a:lnSpc>
+                <a:spcPct val="130000"/>
+              </a:lnSpc>
+              <a:spcBef>
+                <a:spcPts val="0"/>
+              </a:spcBef>
+              <a:spcAft>
+                <a:spcPts val="0"/>
+              </a:spcAft>
+              <a:buClrTx/>
+              <a:buSzTx/>
+              <a:buFontTx/>
+              <a:buNone/>
+              <a:tabLst/>
+              <a:defRPr/>
+            </a:pPr>
+            <a:r>
+              <a:rPr kumimoji="0" lang="zh-TW" altLang="en-US" sz="1400" b="0" i="0" u="none" strike="noStrike" kern="0" cap="none" spc="0" normalizeH="0" baseline="0" noProof="0" dirty="0">
+                <a:ln>
+                  <a:noFill/>
+                </a:ln>
+                <a:solidFill>
+                  <a:srgbClr val="FFFFFF"/>
+                </a:solidFill>
+                <a:effectLst/>
+                <a:uLnTx/>
+                <a:uFillTx/>
+                <a:latin typeface="Arial"/>
+                <a:ea typeface="微软雅黑"/>
+                <a:cs typeface="+mn-cs"/>
+              </a:rPr>
+              <a:t>模型預測</a:t>
+            </a:r>
+            <a:endParaRPr kumimoji="0" lang="en-TW" sz="1400" b="0" i="0" u="none" strike="noStrike" kern="0" cap="none" spc="0" normalizeH="0" baseline="0" noProof="0" dirty="0">
+              <a:ln>
+                <a:noFill/>
+              </a:ln>
+              <a:solidFill>
+                <a:srgbClr val="FFFFFF"/>
+              </a:solidFill>
+              <a:effectLst/>
+              <a:uLnTx/>
+              <a:uFillTx/>
+              <a:latin typeface="微软雅黑" panose="020B0503020204020204" pitchFamily="34" charset="-122"/>
+              <a:ea typeface="微软雅黑" panose="020B0503020204020204" pitchFamily="34" charset="-122"/>
+              <a:cs typeface="+mn-cs"/>
+            </a:endParaRPr>
+          </a:p>
+        </p:txBody>
+      </p:sp>
+      <p:grpSp>
+        <p:nvGrpSpPr>
+          <p:cNvPr id="8" name="Group 7">
+            <a:extLst>
+              <a:ext uri="{FF2B5EF4-FFF2-40B4-BE49-F238E27FC236}">
+                <a16:creationId xmlns:a16="http://schemas.microsoft.com/office/drawing/2014/main" id="{67628A3C-57BC-9E49-82E3-B47AD8EF18E4}"/>
+              </a:ext>
+            </a:extLst>
+          </p:cNvPr>
+          <p:cNvGrpSpPr>
+            <a:grpSpLocks noChangeAspect="1"/>
+          </p:cNvGrpSpPr>
+          <p:nvPr/>
+        </p:nvGrpSpPr>
+        <p:grpSpPr>
+          <a:xfrm>
+            <a:off x="2729515" y="4572702"/>
+            <a:ext cx="6998283" cy="1275458"/>
+            <a:chOff x="3360126" y="3971848"/>
+            <a:chExt cx="5764444" cy="1050587"/>
+          </a:xfrm>
+        </p:grpSpPr>
+        <p:grpSp>
+          <p:nvGrpSpPr>
+            <p:cNvPr id="9" name="Group 8">
+              <a:extLst>
+                <a:ext uri="{FF2B5EF4-FFF2-40B4-BE49-F238E27FC236}">
+                  <a16:creationId xmlns:a16="http://schemas.microsoft.com/office/drawing/2014/main" id="{2745CBE6-4CDC-E54E-A1D1-75F88B6B539F}"/>
+                </a:ext>
+              </a:extLst>
+            </p:cNvPr>
+            <p:cNvGrpSpPr/>
+            <p:nvPr/>
+          </p:nvGrpSpPr>
+          <p:grpSpPr>
+            <a:xfrm>
+              <a:off x="3360126" y="4324980"/>
+              <a:ext cx="2735874" cy="328935"/>
+              <a:chOff x="7237110" y="4273903"/>
+              <a:chExt cx="2735874" cy="328935"/>
+            </a:xfrm>
+          </p:grpSpPr>
+          <p:sp>
+            <p:nvSpPr>
+              <p:cNvPr id="14" name="Intelligent Information Retrieval Laboratory">
+                <a:extLst>
+                  <a:ext uri="{FF2B5EF4-FFF2-40B4-BE49-F238E27FC236}">
+                    <a16:creationId xmlns:a16="http://schemas.microsoft.com/office/drawing/2014/main" id="{A3ECB9C9-C2A9-CD4C-9C78-184999F98A77}"/>
+                  </a:ext>
+                </a:extLst>
+              </p:cNvPr>
+              <p:cNvSpPr txBox="1"/>
+              <p:nvPr/>
+            </p:nvSpPr>
+            <p:spPr>
+              <a:xfrm>
+                <a:off x="7237110" y="4273903"/>
+                <a:ext cx="2590800" cy="328935"/>
+              </a:xfrm>
+              <a:prstGeom prst="rect">
+                <a:avLst/>
+              </a:prstGeom>
+              <a:noFill/>
+              <a:ln w="12700" cap="flat">
+                <a:noFill/>
+                <a:miter lim="400000"/>
+              </a:ln>
+              <a:effectLst/>
+              <a:extLst>
+                <a:ext uri="{C572A759-6A51-4108-AA02-DFA0A04FC94B}">
+                  <ma14:wrappingTextBoxFlag xmlns:ma14="http://schemas.microsoft.com/office/mac/drawingml/2011/main" xmlns:a14="http://schemas.microsoft.com/office/drawing/2010/main" xmlns:m="http://schemas.openxmlformats.org/officeDocument/2006/math" xmlns="" val="1"/>
+                </a:ext>
+              </a:extLst>
+            </p:spPr>
+            <p:txBody>
+              <a:bodyPr wrap="square" lIns="71437" tIns="71437" rIns="71437" bIns="71437" numCol="1" anchor="ctr">
+                <a:spAutoFit/>
+              </a:bodyPr>
+              <a:lstStyle>
+                <a:lvl1pPr algn="l" defTabSz="821531">
+                  <a:defRPr sz="2400" b="0">
+                    <a:solidFill>
+                      <a:srgbClr val="FFFFFF"/>
+                    </a:solidFill>
+                    <a:latin typeface="Helvetica Neue Bold Condensed"/>
+                    <a:ea typeface="Helvetica Neue Bold Condensed"/>
+                    <a:cs typeface="Helvetica Neue Bold Condensed"/>
+                    <a:sym typeface="Helvetica Neue Bold Condensed"/>
+                  </a:defRPr>
+                </a:lvl1pPr>
+              </a:lstStyle>
+              <a:p>
+                <a:r>
+                  <a:rPr kumimoji="0" lang="zh-TW" altLang="en-US" sz="1050" b="0" i="0" u="none" strike="noStrike" cap="none" spc="0" normalizeH="0" baseline="0" dirty="0">
+                    <a:ln>
+                      <a:noFill/>
+                    </a:ln>
+                    <a:solidFill>
+                      <a:schemeClr val="tx1">
+                        <a:alpha val="15000"/>
+                      </a:schemeClr>
+                    </a:solidFill>
+                    <a:effectLst/>
+                    <a:uFillTx/>
+                    <a:latin typeface="Helvetica Neue Bold Condensed"/>
+                    <a:ea typeface="Helvetica Neue Bold Condensed"/>
+                    <a:cs typeface="Helvetica Neue Bold Condensed"/>
+                    <a:sym typeface="Helvetica Neue Bold Condensed"/>
+                  </a:rPr>
+                  <a:t>第</a:t>
+                </a:r>
+                <a:r>
+                  <a:rPr kumimoji="0" lang="en-US" altLang="zh-TW" sz="1050" b="0" i="0" u="none" strike="noStrike" cap="none" spc="0" normalizeH="0" baseline="0" dirty="0">
+                    <a:ln>
+                      <a:noFill/>
+                    </a:ln>
+                    <a:solidFill>
+                      <a:schemeClr val="tx1">
+                        <a:alpha val="15000"/>
+                      </a:schemeClr>
+                    </a:solidFill>
+                    <a:effectLst/>
+                    <a:uFillTx/>
+                    <a:latin typeface="Helvetica Neue Bold Condensed"/>
+                    <a:ea typeface="Helvetica Neue Bold Condensed"/>
+                    <a:cs typeface="Helvetica Neue Bold Condensed"/>
+                    <a:sym typeface="Helvetica Neue Bold Condensed"/>
+                  </a:rPr>
+                  <a:t>13</a:t>
+                </a:r>
+                <a:r>
+                  <a:rPr kumimoji="0" lang="zh-TW" altLang="en-US" sz="1050" b="0" i="0" u="none" strike="noStrike" cap="none" spc="0" normalizeH="0" baseline="0" dirty="0">
+                    <a:ln>
+                      <a:noFill/>
+                    </a:ln>
+                    <a:solidFill>
+                      <a:schemeClr val="tx1">
+                        <a:alpha val="15000"/>
+                      </a:schemeClr>
+                    </a:solidFill>
+                    <a:effectLst/>
+                    <a:uFillTx/>
+                    <a:latin typeface="Helvetica Neue Bold Condensed"/>
+                    <a:ea typeface="Helvetica Neue Bold Condensed"/>
+                    <a:cs typeface="Helvetica Neue Bold Condensed"/>
+                    <a:sym typeface="Helvetica Neue Bold Condensed"/>
+                  </a:rPr>
+                  <a:t>屆 </a:t>
+                </a:r>
+                <a:r>
+                  <a:rPr kumimoji="0" lang="en-US" sz="1200" b="0" i="0" u="none" strike="noStrike" cap="none" spc="0" normalizeH="0" baseline="0" dirty="0">
+                    <a:ln>
+                      <a:noFill/>
+                    </a:ln>
+                    <a:solidFill>
+                      <a:schemeClr val="tx1">
+                        <a:alpha val="15000"/>
+                      </a:schemeClr>
+                    </a:solidFill>
+                    <a:effectLst/>
+                    <a:uFillTx/>
+                    <a:latin typeface="Helvetica Neue Bold Condensed"/>
+                    <a:ea typeface="Helvetica Neue Bold Condensed"/>
+                    <a:cs typeface="Helvetica Neue Bold Condensed"/>
+                    <a:sym typeface="Helvetica Neue Bold Condensed"/>
+                  </a:rPr>
+                  <a:t>iT</a:t>
+                </a:r>
+                <a:r>
+                  <a:rPr kumimoji="0" lang="zh-TW" altLang="en-US" sz="1100" b="0" i="0" u="none" strike="noStrike" cap="none" spc="0" normalizeH="0" baseline="0" dirty="0">
+                    <a:ln>
+                      <a:noFill/>
+                    </a:ln>
+                    <a:solidFill>
+                      <a:schemeClr val="tx1">
+                        <a:alpha val="15000"/>
+                      </a:schemeClr>
+                    </a:solidFill>
+                    <a:effectLst/>
+                    <a:uFillTx/>
+                    <a:latin typeface="Helvetica Neue Bold Condensed"/>
+                    <a:ea typeface="Helvetica Neue Bold Condensed"/>
+                    <a:cs typeface="Helvetica Neue Bold Condensed"/>
+                    <a:sym typeface="Helvetica Neue Bold Condensed"/>
+                  </a:rPr>
+                  <a:t>邦</a:t>
+                </a:r>
+                <a:r>
+                  <a:rPr kumimoji="0" lang="zh-TW" altLang="en-US" sz="1000" b="0" i="0" u="none" strike="noStrike" cap="none" spc="0" normalizeH="0" baseline="0" dirty="0">
+                    <a:ln>
+                      <a:noFill/>
+                    </a:ln>
+                    <a:solidFill>
+                      <a:schemeClr val="tx1">
+                        <a:alpha val="15000"/>
+                      </a:schemeClr>
+                    </a:solidFill>
+                    <a:effectLst/>
+                    <a:uFillTx/>
+                    <a:latin typeface="Helvetica Neue Bold Condensed"/>
+                    <a:ea typeface="Helvetica Neue Bold Condensed"/>
+                    <a:cs typeface="Helvetica Neue Bold Condensed"/>
+                    <a:sym typeface="Helvetica Neue Bold Condensed"/>
+                  </a:rPr>
+                  <a:t>幫忙</a:t>
+                </a:r>
+                <a:r>
+                  <a:rPr kumimoji="0" lang="zh-TW" altLang="en-US" sz="1100" b="0" i="0" u="none" strike="noStrike" cap="none" spc="0" normalizeH="0" baseline="0" dirty="0">
+                    <a:ln>
+                      <a:noFill/>
+                    </a:ln>
+                    <a:solidFill>
+                      <a:schemeClr val="tx1">
+                        <a:alpha val="15000"/>
+                      </a:schemeClr>
+                    </a:solidFill>
+                    <a:effectLst/>
+                    <a:uFillTx/>
+                    <a:latin typeface="Helvetica Neue Bold Condensed"/>
+                    <a:ea typeface="Helvetica Neue Bold Condensed"/>
+                    <a:cs typeface="Helvetica Neue Bold Condensed"/>
+                    <a:sym typeface="Helvetica Neue Bold Condensed"/>
+                  </a:rPr>
+                  <a:t> 鐵人賽</a:t>
+                </a:r>
+                <a:endParaRPr sz="1100" dirty="0">
+                  <a:solidFill>
+                    <a:schemeClr val="tx1">
+                      <a:alpha val="15000"/>
+                    </a:schemeClr>
+                  </a:solidFill>
+                </a:endParaRPr>
+              </a:p>
+            </p:txBody>
+          </p:sp>
+          <p:sp>
+            <p:nvSpPr>
+              <p:cNvPr id="15" name="Intelligent Information Retrieval Laboratory">
+                <a:extLst>
+                  <a:ext uri="{FF2B5EF4-FFF2-40B4-BE49-F238E27FC236}">
+                    <a16:creationId xmlns:a16="http://schemas.microsoft.com/office/drawing/2014/main" id="{BE1336D8-5E18-F142-B3C6-90AE32C23AC8}"/>
+                  </a:ext>
+                </a:extLst>
+              </p:cNvPr>
+              <p:cNvSpPr txBox="1"/>
+              <p:nvPr/>
+            </p:nvSpPr>
+            <p:spPr>
+              <a:xfrm>
+                <a:off x="8753784" y="4289292"/>
+                <a:ext cx="1219200" cy="313546"/>
+              </a:xfrm>
+              <a:prstGeom prst="rect">
+                <a:avLst/>
+              </a:prstGeom>
+              <a:noFill/>
+              <a:ln w="12700" cap="flat">
+                <a:noFill/>
+                <a:miter lim="400000"/>
+              </a:ln>
+              <a:effectLst/>
+              <a:extLst>
+                <a:ext uri="{C572A759-6A51-4108-AA02-DFA0A04FC94B}">
+                  <ma14:wrappingTextBoxFlag xmlns:ma14="http://schemas.microsoft.com/office/mac/drawingml/2011/main" xmlns:a14="http://schemas.microsoft.com/office/drawing/2010/main" xmlns:m="http://schemas.openxmlformats.org/officeDocument/2006/math" xmlns="" val="1"/>
+                </a:ext>
+              </a:extLst>
+            </p:spPr>
+            <p:txBody>
+              <a:bodyPr wrap="square" lIns="71437" tIns="71437" rIns="71437" bIns="71437" numCol="1" anchor="ctr">
+                <a:spAutoFit/>
+              </a:bodyPr>
+              <a:lstStyle>
+                <a:lvl1pPr algn="l" defTabSz="821531">
+                  <a:defRPr sz="2400" b="0">
+                    <a:solidFill>
+                      <a:srgbClr val="FFFFFF"/>
+                    </a:solidFill>
+                    <a:latin typeface="Helvetica Neue Bold Condensed"/>
+                    <a:ea typeface="Helvetica Neue Bold Condensed"/>
+                    <a:cs typeface="Helvetica Neue Bold Condensed"/>
+                    <a:sym typeface="Helvetica Neue Bold Condensed"/>
+                  </a:defRPr>
+                </a:lvl1pPr>
+              </a:lstStyle>
+              <a:p>
+                <a:r>
+                  <a:rPr kumimoji="0" lang="en-US" altLang="zh-TW" sz="1050" b="0" i="0" u="none" strike="noStrike" cap="none" spc="0" normalizeH="0" baseline="0" dirty="0">
+                    <a:ln>
+                      <a:noFill/>
+                    </a:ln>
+                    <a:solidFill>
+                      <a:schemeClr val="tx1">
+                        <a:alpha val="15000"/>
+                      </a:schemeClr>
+                    </a:solidFill>
+                    <a:effectLst/>
+                    <a:uFillTx/>
+                    <a:latin typeface="Helvetica Neue Bold Condensed"/>
+                    <a:ea typeface="Helvetica Neue Bold Condensed"/>
+                    <a:cs typeface="Helvetica Neue Bold Condensed"/>
+                    <a:sym typeface="Helvetica Neue Bold Condensed"/>
+                  </a:rPr>
+                  <a:t>AI &amp; Data </a:t>
+                </a:r>
+                <a:r>
+                  <a:rPr kumimoji="0" lang="zh-TW" altLang="en-US" sz="1050" b="0" i="0" u="none" strike="noStrike" cap="none" spc="0" normalizeH="0" baseline="0" dirty="0">
+                    <a:ln>
+                      <a:noFill/>
+                    </a:ln>
+                    <a:solidFill>
+                      <a:schemeClr val="tx1">
+                        <a:alpha val="15000"/>
+                      </a:schemeClr>
+                    </a:solidFill>
+                    <a:effectLst/>
+                    <a:uFillTx/>
+                    <a:latin typeface="Helvetica Neue Bold Condensed"/>
+                    <a:ea typeface="Helvetica Neue Bold Condensed"/>
+                    <a:cs typeface="Helvetica Neue Bold Condensed"/>
+                    <a:sym typeface="Helvetica Neue Bold Condensed"/>
+                  </a:rPr>
+                  <a:t>組</a:t>
+                </a:r>
+                <a:endParaRPr sz="1100" dirty="0">
+                  <a:solidFill>
+                    <a:schemeClr val="tx1">
+                      <a:alpha val="15000"/>
+                    </a:schemeClr>
+                  </a:solidFill>
+                </a:endParaRPr>
+              </a:p>
+            </p:txBody>
+          </p:sp>
+        </p:grpSp>
+        <p:grpSp>
+          <p:nvGrpSpPr>
+            <p:cNvPr id="10" name="Group 9">
+              <a:extLst>
+                <a:ext uri="{FF2B5EF4-FFF2-40B4-BE49-F238E27FC236}">
+                  <a16:creationId xmlns:a16="http://schemas.microsoft.com/office/drawing/2014/main" id="{E00EAE5F-EA3D-9547-A4D3-EB8DED9A16FB}"/>
+                </a:ext>
+              </a:extLst>
+            </p:cNvPr>
+            <p:cNvGrpSpPr/>
+            <p:nvPr/>
+          </p:nvGrpSpPr>
+          <p:grpSpPr>
+            <a:xfrm>
+              <a:off x="7247835" y="3971848"/>
+              <a:ext cx="1876735" cy="1050587"/>
+              <a:chOff x="3891792" y="3940042"/>
+              <a:chExt cx="1876735" cy="1050587"/>
+            </a:xfrm>
+          </p:grpSpPr>
+          <p:pic>
+            <p:nvPicPr>
+              <p:cNvPr id="11" name="Picture 10">
+                <a:extLst>
+                  <a:ext uri="{FF2B5EF4-FFF2-40B4-BE49-F238E27FC236}">
+                    <a16:creationId xmlns:a16="http://schemas.microsoft.com/office/drawing/2014/main" id="{51089F13-E5CF-5A48-9B60-E8C87D564766}"/>
+                  </a:ext>
+                </a:extLst>
+              </p:cNvPr>
+              <p:cNvPicPr>
+                <a:picLocks noChangeAspect="1" noChangeArrowheads="1"/>
+              </p:cNvPicPr>
+              <p:nvPr/>
+            </p:nvPicPr>
+            <p:blipFill>
+              <a:blip r:embed="rId4">
+                <a:duotone>
+                  <a:prstClr val="black"/>
+                  <a:schemeClr val="tx1">
+                    <a:tint val="45000"/>
+                    <a:satMod val="400000"/>
+                  </a:schemeClr>
+                </a:duotone>
+                <a:alphaModFix amt="20000"/>
+              </a:blip>
+              <a:srcRect/>
+              <a:stretch/>
+            </p:blipFill>
+            <p:spPr bwMode="auto">
+              <a:xfrm>
+                <a:off x="4489805" y="3940042"/>
+                <a:ext cx="1050587" cy="1050587"/>
+              </a:xfrm>
+              <a:prstGeom prst="rect">
+                <a:avLst/>
+              </a:prstGeom>
+              <a:noFill/>
+              <a:extLst>
+                <a:ext uri="{909E8E84-426E-40DD-AFC4-6F175D3DCCD1}">
+                  <a14:hiddenFill xmlns:a14="http://schemas.microsoft.com/office/drawing/2010/main">
+                    <a:solidFill>
+                      <a:srgbClr val="FFFFFF"/>
+                    </a:solidFill>
+                  </a14:hiddenFill>
+                </a:ext>
+              </a:extLst>
+            </p:spPr>
+          </p:pic>
+          <p:pic>
+            <p:nvPicPr>
+              <p:cNvPr id="12" name="Picture 4" descr="Youtube logo | Logok">
+                <a:extLst>
+                  <a:ext uri="{FF2B5EF4-FFF2-40B4-BE49-F238E27FC236}">
+                    <a16:creationId xmlns:a16="http://schemas.microsoft.com/office/drawing/2014/main" id="{D65BD7CE-EB1C-8341-BBB9-ED4086EA0A2F}"/>
+                  </a:ext>
+                </a:extLst>
+              </p:cNvPr>
+              <p:cNvPicPr>
+                <a:picLocks noChangeAspect="1" noChangeArrowheads="1"/>
+              </p:cNvPicPr>
+              <p:nvPr/>
+            </p:nvPicPr>
+            <p:blipFill>
+              <a:blip r:embed="rId5">
+                <a:alphaModFix amt="20000"/>
+                <a:extLst>
+                  <a:ext uri="{28A0092B-C50C-407E-A947-70E740481C1C}">
+                    <a14:useLocalDpi xmlns:a14="http://schemas.microsoft.com/office/drawing/2010/main" val="0"/>
+                  </a:ext>
+                </a:extLst>
+              </a:blip>
+              <a:srcRect/>
+              <a:stretch>
+                <a:fillRect/>
+              </a:stretch>
+            </p:blipFill>
+            <p:spPr bwMode="auto">
+              <a:xfrm>
+                <a:off x="3891792" y="4187926"/>
+                <a:ext cx="739756" cy="554817"/>
+              </a:xfrm>
+              <a:prstGeom prst="rect">
+                <a:avLst/>
+              </a:prstGeom>
+              <a:noFill/>
+              <a:extLst>
+                <a:ext uri="{909E8E84-426E-40DD-AFC4-6F175D3DCCD1}">
+                  <a14:hiddenFill xmlns:a14="http://schemas.microsoft.com/office/drawing/2010/main">
+                    <a:solidFill>
+                      <a:srgbClr val="FFFFFF"/>
+                    </a:solidFill>
+                  </a14:hiddenFill>
+                </a:ext>
+              </a:extLst>
+            </p:spPr>
+          </p:pic>
+          <p:sp>
+            <p:nvSpPr>
+              <p:cNvPr id="13" name="Intelligent Information Retrieval Laboratory">
+                <a:extLst>
+                  <a:ext uri="{FF2B5EF4-FFF2-40B4-BE49-F238E27FC236}">
+                    <a16:creationId xmlns:a16="http://schemas.microsoft.com/office/drawing/2014/main" id="{00EAA963-06FD-3B4D-AEC3-BCD6F6C15EC2}"/>
+                  </a:ext>
+                </a:extLst>
+              </p:cNvPr>
+              <p:cNvSpPr txBox="1"/>
+              <p:nvPr/>
+            </p:nvSpPr>
+            <p:spPr>
+              <a:xfrm>
+                <a:off x="4549327" y="4308601"/>
+                <a:ext cx="1219200" cy="328935"/>
+              </a:xfrm>
+              <a:prstGeom prst="rect">
+                <a:avLst/>
+              </a:prstGeom>
+              <a:noFill/>
+              <a:ln w="12700" cap="flat">
+                <a:noFill/>
+                <a:miter lim="400000"/>
+              </a:ln>
+              <a:effectLst/>
+              <a:extLst>
+                <a:ext uri="{C572A759-6A51-4108-AA02-DFA0A04FC94B}">
+                  <ma14:wrappingTextBoxFlag xmlns:ma14="http://schemas.microsoft.com/office/mac/drawingml/2011/main" xmlns:a14="http://schemas.microsoft.com/office/drawing/2010/main" xmlns:m="http://schemas.openxmlformats.org/officeDocument/2006/math" xmlns="" val="1"/>
+                </a:ext>
+              </a:extLst>
+            </p:spPr>
+            <p:txBody>
+              <a:bodyPr wrap="square" lIns="71437" tIns="71437" rIns="71437" bIns="71437" numCol="1" anchor="ctr">
+                <a:spAutoFit/>
+              </a:bodyPr>
+              <a:lstStyle>
+                <a:lvl1pPr algn="l" defTabSz="821531">
+                  <a:defRPr sz="2400" b="0">
+                    <a:solidFill>
+                      <a:srgbClr val="FFFFFF"/>
+                    </a:solidFill>
+                    <a:latin typeface="Helvetica Neue Bold Condensed"/>
+                    <a:ea typeface="Helvetica Neue Bold Condensed"/>
+                    <a:cs typeface="Helvetica Neue Bold Condensed"/>
+                    <a:sym typeface="Helvetica Neue Bold Condensed"/>
+                  </a:defRPr>
+                </a:lvl1pPr>
+              </a:lstStyle>
+              <a:p>
+                <a:r>
+                  <a:rPr kumimoji="0" lang="en-US" altLang="zh-TW" sz="1200" b="0" i="0" u="none" strike="noStrike" cap="none" spc="0" normalizeH="0" baseline="0" dirty="0">
+                    <a:ln>
+                      <a:noFill/>
+                    </a:ln>
+                    <a:solidFill>
+                      <a:schemeClr val="tx1">
+                        <a:alpha val="15000"/>
+                      </a:schemeClr>
+                    </a:solidFill>
+                    <a:effectLst/>
+                    <a:uFillTx/>
+                    <a:latin typeface="Helvetica Neue Bold Condensed"/>
+                    <a:ea typeface="Helvetica Neue Bold Condensed"/>
+                    <a:cs typeface="Helvetica Neue Bold Condensed"/>
+                    <a:sym typeface="Helvetica Neue Bold Condensed"/>
+                  </a:rPr>
+                  <a:t>10</a:t>
+                </a:r>
+                <a:r>
+                  <a:rPr kumimoji="0" lang="zh-TW" altLang="en-US" sz="1200" b="0" i="0" u="none" strike="noStrike" cap="none" spc="0" normalizeH="0" baseline="0" dirty="0">
+                    <a:ln>
+                      <a:noFill/>
+                    </a:ln>
+                    <a:solidFill>
+                      <a:schemeClr val="tx1">
+                        <a:alpha val="15000"/>
+                      </a:schemeClr>
+                    </a:solidFill>
+                    <a:effectLst/>
+                    <a:uFillTx/>
+                    <a:sym typeface="Helvetica Neue Bold Condensed"/>
+                  </a:rPr>
+                  <a:t>程式中</a:t>
+                </a:r>
+                <a:endParaRPr sz="1400" dirty="0">
+                  <a:solidFill>
+                    <a:schemeClr val="tx1">
+                      <a:alpha val="15000"/>
+                    </a:schemeClr>
+                  </a:solidFill>
+                </a:endParaRPr>
+              </a:p>
+            </p:txBody>
+          </p:sp>
+        </p:grpSp>
+      </p:grpSp>
+    </p:spTree>
+    <p:extLst>
+      <p:ext uri="{BB962C8B-B14F-4D97-AF65-F5344CB8AC3E}">
+        <p14:creationId xmlns:p14="http://schemas.microsoft.com/office/powerpoint/2010/main" val="4040940425"/>
+      </p:ext>
+    </p:extLst>
+  </p:cSld>
+  <p:clrMapOvr>
+    <a:masterClrMapping/>
+  </p:clrMapOvr>
+</p:sld>
+</file>
+
+<file path=ppt/slides/slide9.xml><?xml version="1.0" encoding="utf-8"?>
+<p:sld xmlns:a="http://schemas.openxmlformats.org/drawingml/2006/main" xmlns:r="http://schemas.openxmlformats.org/officeDocument/2006/relationships" xmlns:p="http://schemas.openxmlformats.org/presentationml/2006/main">
+  <p:cSld>
+    <p:spTree>
+      <p:nvGrpSpPr>
+        <p:cNvPr id="1" name=""/>
+        <p:cNvGrpSpPr/>
+        <p:nvPr/>
+      </p:nvGrpSpPr>
+      <p:grpSpPr>
+        <a:xfrm>
+          <a:off x="0" y="0"/>
+          <a:ext cx="0" cy="0"/>
+          <a:chOff x="0" y="0"/>
+          <a:chExt cx="0" cy="0"/>
+        </a:xfrm>
+      </p:grpSpPr>
+      <p:pic>
+        <p:nvPicPr>
+          <p:cNvPr id="3" name="Picture 2">
+            <a:extLst>
+              <a:ext uri="{FF2B5EF4-FFF2-40B4-BE49-F238E27FC236}">
+                <a16:creationId xmlns:a16="http://schemas.microsoft.com/office/drawing/2014/main" id="{E99A4EC5-4F4D-384F-B069-7D29105CE430}"/>
+              </a:ext>
+            </a:extLst>
+          </p:cNvPr>
+          <p:cNvPicPr>
+            <a:picLocks noChangeAspect="1"/>
+          </p:cNvPicPr>
+          <p:nvPr/>
+        </p:nvPicPr>
+        <p:blipFill>
+          <a:blip r:embed="rId2"/>
+          <a:stretch>
+            <a:fillRect/>
+          </a:stretch>
+        </p:blipFill>
+        <p:spPr>
+          <a:xfrm>
+            <a:off x="3209532" y="1266496"/>
+            <a:ext cx="5772935" cy="3741344"/>
+          </a:xfrm>
+          <a:prstGeom prst="rect">
+            <a:avLst/>
+          </a:prstGeom>
+        </p:spPr>
+      </p:pic>
+      <p:grpSp>
+        <p:nvGrpSpPr>
+          <p:cNvPr id="4" name="Group 3">
+            <a:extLst>
+              <a:ext uri="{FF2B5EF4-FFF2-40B4-BE49-F238E27FC236}">
+                <a16:creationId xmlns:a16="http://schemas.microsoft.com/office/drawing/2014/main" id="{32F5B6D7-C1FE-B84F-88A3-E519EA097250}"/>
+              </a:ext>
+            </a:extLst>
+          </p:cNvPr>
+          <p:cNvGrpSpPr>
+            <a:grpSpLocks noChangeAspect="1"/>
+          </p:cNvGrpSpPr>
+          <p:nvPr/>
+        </p:nvGrpSpPr>
+        <p:grpSpPr>
+          <a:xfrm>
+            <a:off x="2729515" y="4572702"/>
+            <a:ext cx="6998283" cy="1275458"/>
+            <a:chOff x="3360126" y="3971848"/>
+            <a:chExt cx="5764444" cy="1050587"/>
+          </a:xfrm>
+        </p:grpSpPr>
+        <p:grpSp>
+          <p:nvGrpSpPr>
+            <p:cNvPr id="5" name="Group 4">
+              <a:extLst>
+                <a:ext uri="{FF2B5EF4-FFF2-40B4-BE49-F238E27FC236}">
+                  <a16:creationId xmlns:a16="http://schemas.microsoft.com/office/drawing/2014/main" id="{2DCBCF86-C8D1-374A-B25D-FE875852F690}"/>
+                </a:ext>
+              </a:extLst>
+            </p:cNvPr>
+            <p:cNvGrpSpPr/>
+            <p:nvPr/>
+          </p:nvGrpSpPr>
+          <p:grpSpPr>
+            <a:xfrm>
+              <a:off x="3360126" y="4324980"/>
+              <a:ext cx="2735874" cy="328935"/>
+              <a:chOff x="7237110" y="4273903"/>
+              <a:chExt cx="2735874" cy="328935"/>
+            </a:xfrm>
+          </p:grpSpPr>
+          <p:sp>
+            <p:nvSpPr>
+              <p:cNvPr id="10" name="Intelligent Information Retrieval Laboratory">
+                <a:extLst>
+                  <a:ext uri="{FF2B5EF4-FFF2-40B4-BE49-F238E27FC236}">
+                    <a16:creationId xmlns:a16="http://schemas.microsoft.com/office/drawing/2014/main" id="{DD5F71B7-9979-FE45-80C2-0FD0C93191A5}"/>
+                  </a:ext>
+                </a:extLst>
+              </p:cNvPr>
+              <p:cNvSpPr txBox="1"/>
+              <p:nvPr/>
+            </p:nvSpPr>
+            <p:spPr>
+              <a:xfrm>
+                <a:off x="7237110" y="4273903"/>
+                <a:ext cx="2590800" cy="328935"/>
+              </a:xfrm>
+              <a:prstGeom prst="rect">
+                <a:avLst/>
+              </a:prstGeom>
+              <a:noFill/>
+              <a:ln w="12700" cap="flat">
+                <a:noFill/>
+                <a:miter lim="400000"/>
+              </a:ln>
+              <a:effectLst/>
+              <a:extLst>
+                <a:ext uri="{C572A759-6A51-4108-AA02-DFA0A04FC94B}">
+                  <ma14:wrappingTextBoxFlag xmlns:ma14="http://schemas.microsoft.com/office/mac/drawingml/2011/main" xmlns:a14="http://schemas.microsoft.com/office/drawing/2010/main" xmlns:m="http://schemas.openxmlformats.org/officeDocument/2006/math" xmlns="" val="1"/>
+                </a:ext>
+              </a:extLst>
+            </p:spPr>
+            <p:txBody>
+              <a:bodyPr wrap="square" lIns="71437" tIns="71437" rIns="71437" bIns="71437" numCol="1" anchor="ctr">
+                <a:spAutoFit/>
+              </a:bodyPr>
+              <a:lstStyle>
+                <a:lvl1pPr algn="l" defTabSz="821531">
+                  <a:defRPr sz="2400" b="0">
+                    <a:solidFill>
+                      <a:srgbClr val="FFFFFF"/>
+                    </a:solidFill>
+                    <a:latin typeface="Helvetica Neue Bold Condensed"/>
+                    <a:ea typeface="Helvetica Neue Bold Condensed"/>
+                    <a:cs typeface="Helvetica Neue Bold Condensed"/>
+                    <a:sym typeface="Helvetica Neue Bold Condensed"/>
+                  </a:defRPr>
+                </a:lvl1pPr>
+              </a:lstStyle>
+              <a:p>
+                <a:r>
+                  <a:rPr kumimoji="0" lang="zh-TW" altLang="en-US" sz="1050" b="0" i="0" u="none" strike="noStrike" cap="none" spc="0" normalizeH="0" baseline="0" dirty="0">
+                    <a:ln>
+                      <a:noFill/>
+                    </a:ln>
+                    <a:solidFill>
+                      <a:schemeClr val="tx1">
+                        <a:alpha val="15000"/>
+                      </a:schemeClr>
+                    </a:solidFill>
+                    <a:effectLst/>
+                    <a:uFillTx/>
+                    <a:latin typeface="Helvetica Neue Bold Condensed"/>
+                    <a:ea typeface="Helvetica Neue Bold Condensed"/>
+                    <a:cs typeface="Helvetica Neue Bold Condensed"/>
+                    <a:sym typeface="Helvetica Neue Bold Condensed"/>
+                  </a:rPr>
+                  <a:t>第</a:t>
+                </a:r>
+                <a:r>
+                  <a:rPr kumimoji="0" lang="en-US" altLang="zh-TW" sz="1050" b="0" i="0" u="none" strike="noStrike" cap="none" spc="0" normalizeH="0" baseline="0" dirty="0">
+                    <a:ln>
+                      <a:noFill/>
+                    </a:ln>
+                    <a:solidFill>
+                      <a:schemeClr val="tx1">
+                        <a:alpha val="15000"/>
+                      </a:schemeClr>
+                    </a:solidFill>
+                    <a:effectLst/>
+                    <a:uFillTx/>
+                    <a:latin typeface="Helvetica Neue Bold Condensed"/>
+                    <a:ea typeface="Helvetica Neue Bold Condensed"/>
+                    <a:cs typeface="Helvetica Neue Bold Condensed"/>
+                    <a:sym typeface="Helvetica Neue Bold Condensed"/>
+                  </a:rPr>
+                  <a:t>13</a:t>
+                </a:r>
+                <a:r>
+                  <a:rPr kumimoji="0" lang="zh-TW" altLang="en-US" sz="1050" b="0" i="0" u="none" strike="noStrike" cap="none" spc="0" normalizeH="0" baseline="0" dirty="0">
+                    <a:ln>
+                      <a:noFill/>
+                    </a:ln>
+                    <a:solidFill>
+                      <a:schemeClr val="tx1">
+                        <a:alpha val="15000"/>
+                      </a:schemeClr>
+                    </a:solidFill>
+                    <a:effectLst/>
+                    <a:uFillTx/>
+                    <a:latin typeface="Helvetica Neue Bold Condensed"/>
+                    <a:ea typeface="Helvetica Neue Bold Condensed"/>
+                    <a:cs typeface="Helvetica Neue Bold Condensed"/>
+                    <a:sym typeface="Helvetica Neue Bold Condensed"/>
+                  </a:rPr>
+                  <a:t>屆 </a:t>
+                </a:r>
+                <a:r>
+                  <a:rPr kumimoji="0" lang="en-US" sz="1200" b="0" i="0" u="none" strike="noStrike" cap="none" spc="0" normalizeH="0" baseline="0" dirty="0">
+                    <a:ln>
+                      <a:noFill/>
+                    </a:ln>
+                    <a:solidFill>
+                      <a:schemeClr val="tx1">
+                        <a:alpha val="15000"/>
+                      </a:schemeClr>
+                    </a:solidFill>
+                    <a:effectLst/>
+                    <a:uFillTx/>
+                    <a:latin typeface="Helvetica Neue Bold Condensed"/>
+                    <a:ea typeface="Helvetica Neue Bold Condensed"/>
+                    <a:cs typeface="Helvetica Neue Bold Condensed"/>
+                    <a:sym typeface="Helvetica Neue Bold Condensed"/>
+                  </a:rPr>
+                  <a:t>iT</a:t>
+                </a:r>
+                <a:r>
+                  <a:rPr kumimoji="0" lang="zh-TW" altLang="en-US" sz="1100" b="0" i="0" u="none" strike="noStrike" cap="none" spc="0" normalizeH="0" baseline="0" dirty="0">
+                    <a:ln>
+                      <a:noFill/>
+                    </a:ln>
+                    <a:solidFill>
+                      <a:schemeClr val="tx1">
+                        <a:alpha val="15000"/>
+                      </a:schemeClr>
+                    </a:solidFill>
+                    <a:effectLst/>
+                    <a:uFillTx/>
+                    <a:latin typeface="Helvetica Neue Bold Condensed"/>
+                    <a:ea typeface="Helvetica Neue Bold Condensed"/>
+                    <a:cs typeface="Helvetica Neue Bold Condensed"/>
+                    <a:sym typeface="Helvetica Neue Bold Condensed"/>
+                  </a:rPr>
+                  <a:t>邦</a:t>
+                </a:r>
+                <a:r>
+                  <a:rPr kumimoji="0" lang="zh-TW" altLang="en-US" sz="1000" b="0" i="0" u="none" strike="noStrike" cap="none" spc="0" normalizeH="0" baseline="0" dirty="0">
+                    <a:ln>
+                      <a:noFill/>
+                    </a:ln>
+                    <a:solidFill>
+                      <a:schemeClr val="tx1">
+                        <a:alpha val="15000"/>
+                      </a:schemeClr>
+                    </a:solidFill>
+                    <a:effectLst/>
+                    <a:uFillTx/>
+                    <a:latin typeface="Helvetica Neue Bold Condensed"/>
+                    <a:ea typeface="Helvetica Neue Bold Condensed"/>
+                    <a:cs typeface="Helvetica Neue Bold Condensed"/>
+                    <a:sym typeface="Helvetica Neue Bold Condensed"/>
+                  </a:rPr>
+                  <a:t>幫忙</a:t>
+                </a:r>
+                <a:r>
+                  <a:rPr kumimoji="0" lang="zh-TW" altLang="en-US" sz="1100" b="0" i="0" u="none" strike="noStrike" cap="none" spc="0" normalizeH="0" baseline="0" dirty="0">
+                    <a:ln>
+                      <a:noFill/>
+                    </a:ln>
+                    <a:solidFill>
+                      <a:schemeClr val="tx1">
+                        <a:alpha val="15000"/>
+                      </a:schemeClr>
+                    </a:solidFill>
+                    <a:effectLst/>
+                    <a:uFillTx/>
+                    <a:latin typeface="Helvetica Neue Bold Condensed"/>
+                    <a:ea typeface="Helvetica Neue Bold Condensed"/>
+                    <a:cs typeface="Helvetica Neue Bold Condensed"/>
+                    <a:sym typeface="Helvetica Neue Bold Condensed"/>
+                  </a:rPr>
+                  <a:t> 鐵人賽</a:t>
+                </a:r>
+                <a:endParaRPr sz="1100" dirty="0">
+                  <a:solidFill>
+                    <a:schemeClr val="tx1">
+                      <a:alpha val="15000"/>
+                    </a:schemeClr>
+                  </a:solidFill>
+                </a:endParaRPr>
+              </a:p>
+            </p:txBody>
+          </p:sp>
+          <p:sp>
+            <p:nvSpPr>
+              <p:cNvPr id="11" name="Intelligent Information Retrieval Laboratory">
+                <a:extLst>
+                  <a:ext uri="{FF2B5EF4-FFF2-40B4-BE49-F238E27FC236}">
+                    <a16:creationId xmlns:a16="http://schemas.microsoft.com/office/drawing/2014/main" id="{3B328085-219C-DE4F-BB35-32E392642CED}"/>
+                  </a:ext>
+                </a:extLst>
+              </p:cNvPr>
+              <p:cNvSpPr txBox="1"/>
+              <p:nvPr/>
+            </p:nvSpPr>
+            <p:spPr>
+              <a:xfrm>
+                <a:off x="8753784" y="4289292"/>
+                <a:ext cx="1219200" cy="313546"/>
+              </a:xfrm>
+              <a:prstGeom prst="rect">
+                <a:avLst/>
+              </a:prstGeom>
+              <a:noFill/>
+              <a:ln w="12700" cap="flat">
+                <a:noFill/>
+                <a:miter lim="400000"/>
+              </a:ln>
+              <a:effectLst/>
+              <a:extLst>
+                <a:ext uri="{C572A759-6A51-4108-AA02-DFA0A04FC94B}">
+                  <ma14:wrappingTextBoxFlag xmlns:ma14="http://schemas.microsoft.com/office/mac/drawingml/2011/main" xmlns:a14="http://schemas.microsoft.com/office/drawing/2010/main" xmlns:m="http://schemas.openxmlformats.org/officeDocument/2006/math" xmlns="" val="1"/>
+                </a:ext>
+              </a:extLst>
+            </p:spPr>
+            <p:txBody>
+              <a:bodyPr wrap="square" lIns="71437" tIns="71437" rIns="71437" bIns="71437" numCol="1" anchor="ctr">
+                <a:spAutoFit/>
+              </a:bodyPr>
+              <a:lstStyle>
+                <a:lvl1pPr algn="l" defTabSz="821531">
+                  <a:defRPr sz="2400" b="0">
+                    <a:solidFill>
+                      <a:srgbClr val="FFFFFF"/>
+                    </a:solidFill>
+                    <a:latin typeface="Helvetica Neue Bold Condensed"/>
+                    <a:ea typeface="Helvetica Neue Bold Condensed"/>
+                    <a:cs typeface="Helvetica Neue Bold Condensed"/>
+                    <a:sym typeface="Helvetica Neue Bold Condensed"/>
+                  </a:defRPr>
+                </a:lvl1pPr>
+              </a:lstStyle>
+              <a:p>
+                <a:r>
+                  <a:rPr kumimoji="0" lang="en-US" altLang="zh-TW" sz="1050" b="0" i="0" u="none" strike="noStrike" cap="none" spc="0" normalizeH="0" baseline="0" dirty="0">
+                    <a:ln>
+                      <a:noFill/>
+                    </a:ln>
+                    <a:solidFill>
+                      <a:schemeClr val="tx1">
+                        <a:alpha val="15000"/>
+                      </a:schemeClr>
+                    </a:solidFill>
+                    <a:effectLst/>
+                    <a:uFillTx/>
+                    <a:latin typeface="Helvetica Neue Bold Condensed"/>
+                    <a:ea typeface="Helvetica Neue Bold Condensed"/>
+                    <a:cs typeface="Helvetica Neue Bold Condensed"/>
+                    <a:sym typeface="Helvetica Neue Bold Condensed"/>
+                  </a:rPr>
+                  <a:t>AI &amp; Data </a:t>
+                </a:r>
+                <a:r>
+                  <a:rPr kumimoji="0" lang="zh-TW" altLang="en-US" sz="1050" b="0" i="0" u="none" strike="noStrike" cap="none" spc="0" normalizeH="0" baseline="0" dirty="0">
+                    <a:ln>
+                      <a:noFill/>
+                    </a:ln>
+                    <a:solidFill>
+                      <a:schemeClr val="tx1">
+                        <a:alpha val="15000"/>
+                      </a:schemeClr>
+                    </a:solidFill>
+                    <a:effectLst/>
+                    <a:uFillTx/>
+                    <a:latin typeface="Helvetica Neue Bold Condensed"/>
+                    <a:ea typeface="Helvetica Neue Bold Condensed"/>
+                    <a:cs typeface="Helvetica Neue Bold Condensed"/>
+                    <a:sym typeface="Helvetica Neue Bold Condensed"/>
+                  </a:rPr>
+                  <a:t>組</a:t>
+                </a:r>
+                <a:endParaRPr sz="1100" dirty="0">
+                  <a:solidFill>
+                    <a:schemeClr val="tx1">
+                      <a:alpha val="15000"/>
+                    </a:schemeClr>
+                  </a:solidFill>
+                </a:endParaRPr>
+              </a:p>
+            </p:txBody>
+          </p:sp>
+        </p:grpSp>
+        <p:grpSp>
+          <p:nvGrpSpPr>
+            <p:cNvPr id="6" name="Group 5">
+              <a:extLst>
+                <a:ext uri="{FF2B5EF4-FFF2-40B4-BE49-F238E27FC236}">
+                  <a16:creationId xmlns:a16="http://schemas.microsoft.com/office/drawing/2014/main" id="{DD8045DA-23B5-714E-8048-E640AAE35F10}"/>
+                </a:ext>
+              </a:extLst>
+            </p:cNvPr>
+            <p:cNvGrpSpPr/>
+            <p:nvPr/>
+          </p:nvGrpSpPr>
+          <p:grpSpPr>
+            <a:xfrm>
+              <a:off x="7247835" y="3971848"/>
+              <a:ext cx="1876735" cy="1050587"/>
+              <a:chOff x="3891792" y="3940042"/>
+              <a:chExt cx="1876735" cy="1050587"/>
+            </a:xfrm>
+          </p:grpSpPr>
+          <p:pic>
+            <p:nvPicPr>
+              <p:cNvPr id="7" name="Picture 6">
+                <a:extLst>
+                  <a:ext uri="{FF2B5EF4-FFF2-40B4-BE49-F238E27FC236}">
+                    <a16:creationId xmlns:a16="http://schemas.microsoft.com/office/drawing/2014/main" id="{DF7CE312-BADA-8F41-AAB6-7BD851C618B4}"/>
+                  </a:ext>
+                </a:extLst>
+              </p:cNvPr>
+              <p:cNvPicPr>
+                <a:picLocks noChangeAspect="1" noChangeArrowheads="1"/>
+              </p:cNvPicPr>
+              <p:nvPr/>
+            </p:nvPicPr>
+            <p:blipFill>
+              <a:blip r:embed="rId3">
+                <a:duotone>
+                  <a:prstClr val="black"/>
+                  <a:schemeClr val="tx1">
+                    <a:tint val="45000"/>
+                    <a:satMod val="400000"/>
+                  </a:schemeClr>
+                </a:duotone>
+                <a:alphaModFix amt="20000"/>
+              </a:blip>
+              <a:srcRect/>
+              <a:stretch/>
+            </p:blipFill>
+            <p:spPr bwMode="auto">
+              <a:xfrm>
+                <a:off x="4489805" y="3940042"/>
+                <a:ext cx="1050587" cy="1050587"/>
+              </a:xfrm>
+              <a:prstGeom prst="rect">
+                <a:avLst/>
+              </a:prstGeom>
+              <a:noFill/>
+              <a:extLst>
+                <a:ext uri="{909E8E84-426E-40DD-AFC4-6F175D3DCCD1}">
+                  <a14:hiddenFill xmlns:a14="http://schemas.microsoft.com/office/drawing/2010/main">
+                    <a:solidFill>
+                      <a:srgbClr val="FFFFFF"/>
+                    </a:solidFill>
+                  </a14:hiddenFill>
+                </a:ext>
+              </a:extLst>
+            </p:spPr>
+          </p:pic>
+          <p:pic>
+            <p:nvPicPr>
+              <p:cNvPr id="8" name="Picture 4" descr="Youtube logo | Logok">
+                <a:extLst>
+                  <a:ext uri="{FF2B5EF4-FFF2-40B4-BE49-F238E27FC236}">
+                    <a16:creationId xmlns:a16="http://schemas.microsoft.com/office/drawing/2014/main" id="{88612E04-8EFD-6D4D-AD0B-D7454896F80D}"/>
+                  </a:ext>
+                </a:extLst>
+              </p:cNvPr>
+              <p:cNvPicPr>
+                <a:picLocks noChangeAspect="1" noChangeArrowheads="1"/>
+              </p:cNvPicPr>
+              <p:nvPr/>
+            </p:nvPicPr>
+            <p:blipFill>
+              <a:blip r:embed="rId4">
+                <a:alphaModFix amt="20000"/>
+                <a:extLst>
+                  <a:ext uri="{28A0092B-C50C-407E-A947-70E740481C1C}">
+                    <a14:useLocalDpi xmlns:a14="http://schemas.microsoft.com/office/drawing/2010/main" val="0"/>
+                  </a:ext>
+                </a:extLst>
+              </a:blip>
+              <a:srcRect/>
+              <a:stretch>
+                <a:fillRect/>
+              </a:stretch>
+            </p:blipFill>
+            <p:spPr bwMode="auto">
+              <a:xfrm>
+                <a:off x="3891792" y="4187926"/>
+                <a:ext cx="739756" cy="554817"/>
+              </a:xfrm>
+              <a:prstGeom prst="rect">
+                <a:avLst/>
+              </a:prstGeom>
+              <a:noFill/>
+              <a:extLst>
+                <a:ext uri="{909E8E84-426E-40DD-AFC4-6F175D3DCCD1}">
+                  <a14:hiddenFill xmlns:a14="http://schemas.microsoft.com/office/drawing/2010/main">
+                    <a:solidFill>
+                      <a:srgbClr val="FFFFFF"/>
+                    </a:solidFill>
+                  </a14:hiddenFill>
+                </a:ext>
+              </a:extLst>
+            </p:spPr>
+          </p:pic>
+          <p:sp>
+            <p:nvSpPr>
+              <p:cNvPr id="9" name="Intelligent Information Retrieval Laboratory">
+                <a:extLst>
+                  <a:ext uri="{FF2B5EF4-FFF2-40B4-BE49-F238E27FC236}">
+                    <a16:creationId xmlns:a16="http://schemas.microsoft.com/office/drawing/2014/main" id="{95ED8182-03E3-A842-AA63-96ACD0D5D22B}"/>
+                  </a:ext>
+                </a:extLst>
+              </p:cNvPr>
+              <p:cNvSpPr txBox="1"/>
+              <p:nvPr/>
+            </p:nvSpPr>
+            <p:spPr>
+              <a:xfrm>
+                <a:off x="4549327" y="4308601"/>
+                <a:ext cx="1219200" cy="328935"/>
+              </a:xfrm>
+              <a:prstGeom prst="rect">
+                <a:avLst/>
+              </a:prstGeom>
+              <a:noFill/>
+              <a:ln w="12700" cap="flat">
+                <a:noFill/>
+                <a:miter lim="400000"/>
+              </a:ln>
+              <a:effectLst/>
+              <a:extLst>
+                <a:ext uri="{C572A759-6A51-4108-AA02-DFA0A04FC94B}">
+                  <ma14:wrappingTextBoxFlag xmlns:ma14="http://schemas.microsoft.com/office/mac/drawingml/2011/main" xmlns:a14="http://schemas.microsoft.com/office/drawing/2010/main" xmlns:m="http://schemas.openxmlformats.org/officeDocument/2006/math" xmlns="" val="1"/>
+                </a:ext>
+              </a:extLst>
+            </p:spPr>
+            <p:txBody>
+              <a:bodyPr wrap="square" lIns="71437" tIns="71437" rIns="71437" bIns="71437" numCol="1" anchor="ctr">
+                <a:spAutoFit/>
+              </a:bodyPr>
+              <a:lstStyle>
+                <a:lvl1pPr algn="l" defTabSz="821531">
+                  <a:defRPr sz="2400" b="0">
+                    <a:solidFill>
+                      <a:srgbClr val="FFFFFF"/>
+                    </a:solidFill>
+                    <a:latin typeface="Helvetica Neue Bold Condensed"/>
+                    <a:ea typeface="Helvetica Neue Bold Condensed"/>
+                    <a:cs typeface="Helvetica Neue Bold Condensed"/>
+                    <a:sym typeface="Helvetica Neue Bold Condensed"/>
+                  </a:defRPr>
+                </a:lvl1pPr>
+              </a:lstStyle>
+              <a:p>
+                <a:r>
+                  <a:rPr kumimoji="0" lang="en-US" altLang="zh-TW" sz="1200" b="0" i="0" u="none" strike="noStrike" cap="none" spc="0" normalizeH="0" baseline="0" dirty="0">
+                    <a:ln>
+                      <a:noFill/>
+                    </a:ln>
+                    <a:solidFill>
+                      <a:schemeClr val="tx1">
+                        <a:alpha val="15000"/>
+                      </a:schemeClr>
+                    </a:solidFill>
+                    <a:effectLst/>
+                    <a:uFillTx/>
+                    <a:latin typeface="Helvetica Neue Bold Condensed"/>
+                    <a:ea typeface="Helvetica Neue Bold Condensed"/>
+                    <a:cs typeface="Helvetica Neue Bold Condensed"/>
+                    <a:sym typeface="Helvetica Neue Bold Condensed"/>
+                  </a:rPr>
+                  <a:t>10</a:t>
+                </a:r>
+                <a:r>
+                  <a:rPr kumimoji="0" lang="zh-TW" altLang="en-US" sz="1200" b="0" i="0" u="none" strike="noStrike" cap="none" spc="0" normalizeH="0" baseline="0" dirty="0">
+                    <a:ln>
+                      <a:noFill/>
+                    </a:ln>
+                    <a:solidFill>
+                      <a:schemeClr val="tx1">
+                        <a:alpha val="15000"/>
+                      </a:schemeClr>
+                    </a:solidFill>
+                    <a:effectLst/>
+                    <a:uFillTx/>
+                    <a:sym typeface="Helvetica Neue Bold Condensed"/>
+                  </a:rPr>
+                  <a:t>程式中</a:t>
+                </a:r>
+                <a:endParaRPr sz="1400" dirty="0">
+                  <a:solidFill>
+                    <a:schemeClr val="tx1">
+                      <a:alpha val="15000"/>
+                    </a:schemeClr>
+                  </a:solidFill>
+                </a:endParaRPr>
+              </a:p>
+            </p:txBody>
+          </p:sp>
+        </p:grpSp>
+      </p:grpSp>
+    </p:spTree>
+    <p:extLst>
+      <p:ext uri="{BB962C8B-B14F-4D97-AF65-F5344CB8AC3E}">
+        <p14:creationId xmlns:p14="http://schemas.microsoft.com/office/powerpoint/2010/main" val="2573887452"/>
+      </p:ext>
+    </p:extLst>
+  </p:cSld>
+  <p:clrMapOvr>
+    <a:masterClrMapping/>
+  </p:clrMapOvr>
+</p:sld>
+</file>
+
 <file path=ppt/theme/theme1.xml><?xml version="1.0" encoding="utf-8"?>
 <a:theme xmlns:a="http://schemas.openxmlformats.org/drawingml/2006/main" name="Office Theme">
   <a:themeElements>

--- a/_posts/ithome/2021/20.Auto-Sklearn/20.Auto-Sklearn.pptx
+++ b/_posts/ithome/2021/20.Auto-Sklearn/20.Auto-Sklearn.pptx
@@ -5,7 +5,7 @@
     <p:sldMasterId id="2147483648" r:id="rId1"/>
   </p:sldMasterIdLst>
   <p:notesMasterIdLst>
-    <p:notesMasterId r:id="rId12"/>
+    <p:notesMasterId r:id="rId13"/>
   </p:notesMasterIdLst>
   <p:sldIdLst>
     <p:sldId id="257" r:id="rId2"/>
@@ -18,6 +18,7 @@
     <p:sldId id="263" r:id="rId9"/>
     <p:sldId id="264" r:id="rId10"/>
     <p:sldId id="265" r:id="rId11"/>
+    <p:sldId id="266" r:id="rId12"/>
   </p:sldIdLst>
   <p:sldSz cx="12192000" cy="6858000"/>
   <p:notesSz cx="6858000" cy="9144000"/>
@@ -206,7 +207,7 @@
           <a:p>
             <a:fld id="{CCE3649D-4F9F-5246-8ABA-1C70B86BDF03}" type="datetimeFigureOut">
               <a:rPr lang="en-TW" smtClean="0"/>
-              <a:t>2021/10/1</a:t>
+              <a:t>2021/10/3</a:t>
             </a:fld>
             <a:endParaRPr lang="en-TW"/>
           </a:p>
@@ -826,6 +827,132 @@
 </p:notes>
 </file>
 
+<file path=ppt/notesSlides/notesSlide4.xml><?xml version="1.0" encoding="utf-8"?>
+<p:notes xmlns:a="http://schemas.openxmlformats.org/drawingml/2006/main" xmlns:r="http://schemas.openxmlformats.org/officeDocument/2006/relationships" xmlns:p="http://schemas.openxmlformats.org/presentationml/2006/main">
+  <p:cSld>
+    <p:spTree>
+      <p:nvGrpSpPr>
+        <p:cNvPr id="1" name=""/>
+        <p:cNvGrpSpPr/>
+        <p:nvPr/>
+      </p:nvGrpSpPr>
+      <p:grpSpPr>
+        <a:xfrm>
+          <a:off x="0" y="0"/>
+          <a:ext cx="0" cy="0"/>
+          <a:chOff x="0" y="0"/>
+          <a:chExt cx="0" cy="0"/>
+        </a:xfrm>
+      </p:grpSpPr>
+      <p:sp>
+        <p:nvSpPr>
+          <p:cNvPr id="2" name="Slide Image Placeholder 1"/>
+          <p:cNvSpPr>
+            <a:spLocks noGrp="1" noRot="1" noChangeAspect="1"/>
+          </p:cNvSpPr>
+          <p:nvPr>
+            <p:ph type="sldImg"/>
+          </p:nvPr>
+        </p:nvSpPr>
+        <p:spPr/>
+      </p:sp>
+      <p:sp>
+        <p:nvSpPr>
+          <p:cNvPr id="3" name="Notes Placeholder 2"/>
+          <p:cNvSpPr>
+            <a:spLocks noGrp="1"/>
+          </p:cNvSpPr>
+          <p:nvPr>
+            <p:ph type="body" idx="1"/>
+          </p:nvPr>
+        </p:nvSpPr>
+        <p:spPr/>
+        <p:txBody>
+          <a:bodyPr/>
+          <a:lstStyle/>
+          <a:p>
+            <a:r>
+              <a:rPr lang="en-US" dirty="0"/>
+              <a:t>https://</a:t>
+            </a:r>
+            <a:r>
+              <a:rPr lang="en-US" dirty="0" err="1"/>
+              <a:t>kknews.cc</a:t>
+            </a:r>
+            <a:r>
+              <a:rPr lang="en-US" dirty="0"/>
+              <a:t>/</a:t>
+            </a:r>
+            <a:r>
+              <a:rPr lang="en-US" dirty="0" err="1"/>
+              <a:t>zh-tw</a:t>
+            </a:r>
+            <a:r>
+              <a:rPr lang="en-US" dirty="0"/>
+              <a:t>/tech/</a:t>
+            </a:r>
+            <a:r>
+              <a:rPr lang="en-US" dirty="0" err="1"/>
+              <a:t>rlybngr.html</a:t>
+            </a:r>
+            <a:endParaRPr lang="en-US" dirty="0"/>
+          </a:p>
+          <a:p>
+            <a:endParaRPr lang="en-US" dirty="0"/>
+          </a:p>
+          <a:p>
+            <a:r>
+              <a:rPr lang="en-US" dirty="0"/>
+              <a:t>https://</a:t>
+            </a:r>
+            <a:r>
+              <a:rPr lang="en-US" dirty="0" err="1"/>
+              <a:t>www.twblogs.net</a:t>
+            </a:r>
+            <a:r>
+              <a:rPr lang="en-US"/>
+              <a:t>/a/5c9f1b6bbd9eee73ef4b7e5d</a:t>
+            </a:r>
+            <a:endParaRPr lang="en-TW" dirty="0"/>
+          </a:p>
+        </p:txBody>
+      </p:sp>
+      <p:sp>
+        <p:nvSpPr>
+          <p:cNvPr id="4" name="Slide Number Placeholder 3"/>
+          <p:cNvSpPr>
+            <a:spLocks noGrp="1"/>
+          </p:cNvSpPr>
+          <p:nvPr>
+            <p:ph type="sldNum" sz="quarter" idx="5"/>
+          </p:nvPr>
+        </p:nvSpPr>
+        <p:spPr/>
+        <p:txBody>
+          <a:bodyPr/>
+          <a:lstStyle/>
+          <a:p>
+            <a:fld id="{378C6B93-7CA9-2E48-A4FF-09DB85B9BCDA}" type="slidenum">
+              <a:rPr lang="en-TW" smtClean="0"/>
+              <a:t>11</a:t>
+            </a:fld>
+            <a:endParaRPr lang="en-TW"/>
+          </a:p>
+        </p:txBody>
+      </p:sp>
+    </p:spTree>
+    <p:extLst>
+      <p:ext uri="{BB962C8B-B14F-4D97-AF65-F5344CB8AC3E}">
+        <p14:creationId xmlns:p14="http://schemas.microsoft.com/office/powerpoint/2010/main" val="2376848259"/>
+      </p:ext>
+    </p:extLst>
+  </p:cSld>
+  <p:clrMapOvr>
+    <a:masterClrMapping/>
+  </p:clrMapOvr>
+</p:notes>
+</file>
+
 <file path=ppt/slideLayouts/slideLayout1.xml><?xml version="1.0" encoding="utf-8"?>
 <p:sldLayout xmlns:a="http://schemas.openxmlformats.org/drawingml/2006/main" xmlns:r="http://schemas.openxmlformats.org/officeDocument/2006/relationships" xmlns:p="http://schemas.openxmlformats.org/presentationml/2006/main" type="title" preserve="1">
   <p:cSld name="Title Slide">
@@ -975,7 +1102,7 @@
           <a:p>
             <a:fld id="{FA72F50C-0205-344F-9362-2550D5A8C203}" type="datetimeFigureOut">
               <a:rPr lang="en-TW" smtClean="0"/>
-              <a:t>2021/10/1</a:t>
+              <a:t>2021/10/3</a:t>
             </a:fld>
             <a:endParaRPr lang="en-TW"/>
           </a:p>
@@ -1175,7 +1302,7 @@
           <a:p>
             <a:fld id="{FA72F50C-0205-344F-9362-2550D5A8C203}" type="datetimeFigureOut">
               <a:rPr lang="en-TW" smtClean="0"/>
-              <a:t>2021/10/1</a:t>
+              <a:t>2021/10/3</a:t>
             </a:fld>
             <a:endParaRPr lang="en-TW"/>
           </a:p>
@@ -1385,7 +1512,7 @@
           <a:p>
             <a:fld id="{FA72F50C-0205-344F-9362-2550D5A8C203}" type="datetimeFigureOut">
               <a:rPr lang="en-TW" smtClean="0"/>
-              <a:t>2021/10/1</a:t>
+              <a:t>2021/10/3</a:t>
             </a:fld>
             <a:endParaRPr lang="en-TW"/>
           </a:p>
@@ -1585,7 +1712,7 @@
           <a:p>
             <a:fld id="{FA72F50C-0205-344F-9362-2550D5A8C203}" type="datetimeFigureOut">
               <a:rPr lang="en-TW" smtClean="0"/>
-              <a:t>2021/10/1</a:t>
+              <a:t>2021/10/3</a:t>
             </a:fld>
             <a:endParaRPr lang="en-TW"/>
           </a:p>
@@ -1861,7 +1988,7 @@
           <a:p>
             <a:fld id="{FA72F50C-0205-344F-9362-2550D5A8C203}" type="datetimeFigureOut">
               <a:rPr lang="en-TW" smtClean="0"/>
-              <a:t>2021/10/1</a:t>
+              <a:t>2021/10/3</a:t>
             </a:fld>
             <a:endParaRPr lang="en-TW"/>
           </a:p>
@@ -2129,7 +2256,7 @@
           <a:p>
             <a:fld id="{FA72F50C-0205-344F-9362-2550D5A8C203}" type="datetimeFigureOut">
               <a:rPr lang="en-TW" smtClean="0"/>
-              <a:t>2021/10/1</a:t>
+              <a:t>2021/10/3</a:t>
             </a:fld>
             <a:endParaRPr lang="en-TW"/>
           </a:p>
@@ -2544,7 +2671,7 @@
           <a:p>
             <a:fld id="{FA72F50C-0205-344F-9362-2550D5A8C203}" type="datetimeFigureOut">
               <a:rPr lang="en-TW" smtClean="0"/>
-              <a:t>2021/10/1</a:t>
+              <a:t>2021/10/3</a:t>
             </a:fld>
             <a:endParaRPr lang="en-TW"/>
           </a:p>
@@ -2686,7 +2813,7 @@
           <a:p>
             <a:fld id="{FA72F50C-0205-344F-9362-2550D5A8C203}" type="datetimeFigureOut">
               <a:rPr lang="en-TW" smtClean="0"/>
-              <a:t>2021/10/1</a:t>
+              <a:t>2021/10/3</a:t>
             </a:fld>
             <a:endParaRPr lang="en-TW"/>
           </a:p>
@@ -2799,7 +2926,7 @@
           <a:p>
             <a:fld id="{FA72F50C-0205-344F-9362-2550D5A8C203}" type="datetimeFigureOut">
               <a:rPr lang="en-TW" smtClean="0"/>
-              <a:t>2021/10/1</a:t>
+              <a:t>2021/10/3</a:t>
             </a:fld>
             <a:endParaRPr lang="en-TW"/>
           </a:p>
@@ -3112,7 +3239,7 @@
           <a:p>
             <a:fld id="{FA72F50C-0205-344F-9362-2550D5A8C203}" type="datetimeFigureOut">
               <a:rPr lang="en-TW" smtClean="0"/>
-              <a:t>2021/10/1</a:t>
+              <a:t>2021/10/3</a:t>
             </a:fld>
             <a:endParaRPr lang="en-TW"/>
           </a:p>
@@ -3401,7 +3528,7 @@
           <a:p>
             <a:fld id="{FA72F50C-0205-344F-9362-2550D5A8C203}" type="datetimeFigureOut">
               <a:rPr lang="en-TW" smtClean="0"/>
-              <a:t>2021/10/1</a:t>
+              <a:t>2021/10/3</a:t>
             </a:fld>
             <a:endParaRPr lang="en-TW"/>
           </a:p>
@@ -3644,7 +3771,7 @@
           <a:p>
             <a:fld id="{FA72F50C-0205-344F-9362-2550D5A8C203}" type="datetimeFigureOut">
               <a:rPr lang="en-TW" smtClean="0"/>
-              <a:t>2021/10/1</a:t>
+              <a:t>2021/10/3</a:t>
             </a:fld>
             <a:endParaRPr lang="en-TW"/>
           </a:p>
@@ -5579,6 +5706,83 @@
     <p:extLst>
       <p:ext uri="{BB962C8B-B14F-4D97-AF65-F5344CB8AC3E}">
         <p14:creationId xmlns:p14="http://schemas.microsoft.com/office/powerpoint/2010/main" val="4241338787"/>
+      </p:ext>
+    </p:extLst>
+  </p:cSld>
+  <p:clrMapOvr>
+    <a:masterClrMapping/>
+  </p:clrMapOvr>
+</p:sld>
+</file>
+
+<file path=ppt/slides/slide11.xml><?xml version="1.0" encoding="utf-8"?>
+<p:sld xmlns:a="http://schemas.openxmlformats.org/drawingml/2006/main" xmlns:r="http://schemas.openxmlformats.org/officeDocument/2006/relationships" xmlns:p="http://schemas.openxmlformats.org/presentationml/2006/main">
+  <p:cSld>
+    <p:spTree>
+      <p:nvGrpSpPr>
+        <p:cNvPr id="1" name=""/>
+        <p:cNvGrpSpPr/>
+        <p:nvPr/>
+      </p:nvGrpSpPr>
+      <p:grpSpPr>
+        <a:xfrm>
+          <a:off x="0" y="0"/>
+          <a:ext cx="0" cy="0"/>
+          <a:chOff x="0" y="0"/>
+          <a:chExt cx="0" cy="0"/>
+        </a:xfrm>
+      </p:grpSpPr>
+      <p:pic>
+        <p:nvPicPr>
+          <p:cNvPr id="1026" name="Picture 2">
+            <a:extLst>
+              <a:ext uri="{FF2B5EF4-FFF2-40B4-BE49-F238E27FC236}">
+                <a16:creationId xmlns:a16="http://schemas.microsoft.com/office/drawing/2014/main" id="{D112D5D1-E107-8943-A370-CB114D4F3F70}"/>
+              </a:ext>
+            </a:extLst>
+          </p:cNvPr>
+          <p:cNvPicPr>
+            <a:picLocks noChangeAspect="1" noChangeArrowheads="1"/>
+          </p:cNvPicPr>
+          <p:nvPr/>
+        </p:nvPicPr>
+        <p:blipFill>
+          <a:blip r:embed="rId3">
+            <a:extLst>
+              <a:ext uri="{28A0092B-C50C-407E-A947-70E740481C1C}">
+                <a14:useLocalDpi xmlns:a14="http://schemas.microsoft.com/office/drawing/2010/main" val="0"/>
+              </a:ext>
+            </a:extLst>
+          </a:blip>
+          <a:srcRect/>
+          <a:stretch>
+            <a:fillRect/>
+          </a:stretch>
+        </p:blipFill>
+        <p:spPr bwMode="auto">
+          <a:xfrm>
+            <a:off x="2032000" y="1162050"/>
+            <a:ext cx="8128000" cy="4533900"/>
+          </a:xfrm>
+          <a:prstGeom prst="rect">
+            <a:avLst/>
+          </a:prstGeom>
+          <a:noFill/>
+          <a:extLst>
+            <a:ext uri="{909E8E84-426E-40DD-AFC4-6F175D3DCCD1}">
+              <a14:hiddenFill xmlns:a14="http://schemas.microsoft.com/office/drawing/2010/main">
+                <a:solidFill>
+                  <a:srgbClr val="FFFFFF"/>
+                </a:solidFill>
+              </a14:hiddenFill>
+            </a:ext>
+          </a:extLst>
+        </p:spPr>
+      </p:pic>
+    </p:spTree>
+    <p:extLst>
+      <p:ext uri="{BB962C8B-B14F-4D97-AF65-F5344CB8AC3E}">
+        <p14:creationId xmlns:p14="http://schemas.microsoft.com/office/powerpoint/2010/main" val="4058807646"/>
       </p:ext>
     </p:extLst>
   </p:cSld>
